--- a/S130 Introduction.pptx
+++ b/S130 Introduction.pptx
@@ -5,10 +5,10 @@
     <p:sldMasterId id="2147483660" r:id="rId1"/>
   </p:sldMasterIdLst>
   <p:notesMasterIdLst>
-    <p:notesMasterId r:id="rId54"/>
+    <p:notesMasterId r:id="rId59"/>
   </p:notesMasterIdLst>
   <p:handoutMasterIdLst>
-    <p:handoutMasterId r:id="rId55"/>
+    <p:handoutMasterId r:id="rId60"/>
   </p:handoutMasterIdLst>
   <p:sldIdLst>
     <p:sldId id="258" r:id="rId2"/>
@@ -43,26 +43,31 @@
     <p:sldId id="294" r:id="rId31"/>
     <p:sldId id="291" r:id="rId32"/>
     <p:sldId id="280" r:id="rId33"/>
-    <p:sldId id="270" r:id="rId34"/>
-    <p:sldId id="296" r:id="rId35"/>
-    <p:sldId id="297" r:id="rId36"/>
-    <p:sldId id="298" r:id="rId37"/>
-    <p:sldId id="300" r:id="rId38"/>
-    <p:sldId id="295" r:id="rId39"/>
-    <p:sldId id="301" r:id="rId40"/>
-    <p:sldId id="302" r:id="rId41"/>
-    <p:sldId id="299" r:id="rId42"/>
-    <p:sldId id="303" r:id="rId43"/>
-    <p:sldId id="304" r:id="rId44"/>
-    <p:sldId id="307" r:id="rId45"/>
-    <p:sldId id="305" r:id="rId46"/>
-    <p:sldId id="306" r:id="rId47"/>
-    <p:sldId id="310" r:id="rId48"/>
-    <p:sldId id="311" r:id="rId49"/>
-    <p:sldId id="276" r:id="rId50"/>
-    <p:sldId id="275" r:id="rId51"/>
-    <p:sldId id="315" r:id="rId52"/>
-    <p:sldId id="271" r:id="rId53"/>
+    <p:sldId id="316" r:id="rId34"/>
+    <p:sldId id="317" r:id="rId35"/>
+    <p:sldId id="270" r:id="rId36"/>
+    <p:sldId id="318" r:id="rId37"/>
+    <p:sldId id="319" r:id="rId38"/>
+    <p:sldId id="296" r:id="rId39"/>
+    <p:sldId id="297" r:id="rId40"/>
+    <p:sldId id="298" r:id="rId41"/>
+    <p:sldId id="300" r:id="rId42"/>
+    <p:sldId id="295" r:id="rId43"/>
+    <p:sldId id="301" r:id="rId44"/>
+    <p:sldId id="302" r:id="rId45"/>
+    <p:sldId id="299" r:id="rId46"/>
+    <p:sldId id="303" r:id="rId47"/>
+    <p:sldId id="304" r:id="rId48"/>
+    <p:sldId id="307" r:id="rId49"/>
+    <p:sldId id="305" r:id="rId50"/>
+    <p:sldId id="306" r:id="rId51"/>
+    <p:sldId id="310" r:id="rId52"/>
+    <p:sldId id="311" r:id="rId53"/>
+    <p:sldId id="276" r:id="rId54"/>
+    <p:sldId id="271" r:id="rId55"/>
+    <p:sldId id="275" r:id="rId56"/>
+    <p:sldId id="315" r:id="rId57"/>
+    <p:sldId id="320" r:id="rId58"/>
   </p:sldIdLst>
   <p:sldSz cx="9144000" cy="6858000" type="screen4x3"/>
   <p:notesSz cx="6858000" cy="9144000"/>
@@ -301,7 +306,7 @@
               <a:pPr>
                 <a:defRPr/>
               </a:pPr>
-              <a:t>15.03.2015</a:t>
+              <a:t>16.03.2015</a:t>
             </a:fld>
             <a:endParaRPr lang="en-US" dirty="0"/>
           </a:p>
@@ -517,7 +522,7 @@
               <a:pPr>
                 <a:defRPr/>
               </a:pPr>
-              <a:t>15.03.2015</a:t>
+              <a:t>16.03.2015</a:t>
             </a:fld>
             <a:endParaRPr lang="en-US" dirty="0"/>
           </a:p>
@@ -2208,7 +2213,7 @@
               <a:pPr>
                 <a:defRPr/>
               </a:pPr>
-              <a:t>33</a:t>
+              <a:t>35</a:t>
             </a:fld>
             <a:endParaRPr lang="en-US" dirty="0"/>
           </a:p>
@@ -2320,7 +2325,7 @@
               <a:pPr>
                 <a:defRPr/>
               </a:pPr>
-              <a:t>38</a:t>
+              <a:t>42</a:t>
             </a:fld>
             <a:endParaRPr lang="en-US" dirty="0"/>
           </a:p>
@@ -2602,7 +2607,7 @@
               <a:pPr>
                 <a:defRPr/>
               </a:pPr>
-              <a:t>39</a:t>
+              <a:t>43</a:t>
             </a:fld>
             <a:endParaRPr lang="en-US" dirty="0"/>
           </a:p>
@@ -2786,7 +2791,7 @@
               <a:pPr>
                 <a:defRPr/>
               </a:pPr>
-              <a:t>40</a:t>
+              <a:t>44</a:t>
             </a:fld>
             <a:endParaRPr lang="en-US" dirty="0"/>
           </a:p>
@@ -2901,7 +2906,7 @@
               <a:pPr>
                 <a:defRPr/>
               </a:pPr>
-              <a:t>41</a:t>
+              <a:t>45</a:t>
             </a:fld>
             <a:endParaRPr lang="en-US" dirty="0"/>
           </a:p>
@@ -2991,7 +2996,7 @@
               <a:pPr>
                 <a:defRPr/>
               </a:pPr>
-              <a:t>42</a:t>
+              <a:t>46</a:t>
             </a:fld>
             <a:endParaRPr lang="en-US" dirty="0"/>
           </a:p>
@@ -3157,7 +3162,7 @@
               <a:pPr>
                 <a:defRPr/>
               </a:pPr>
-              <a:t>43</a:t>
+              <a:t>47</a:t>
             </a:fld>
             <a:endParaRPr lang="en-US" dirty="0"/>
           </a:p>
@@ -3323,7 +3328,7 @@
               <a:pPr>
                 <a:defRPr/>
               </a:pPr>
-              <a:t>44</a:t>
+              <a:t>48</a:t>
             </a:fld>
             <a:endParaRPr lang="en-US" dirty="0"/>
           </a:p>
@@ -3413,7 +3418,7 @@
               <a:pPr>
                 <a:defRPr/>
               </a:pPr>
-              <a:t>45</a:t>
+              <a:t>49</a:t>
             </a:fld>
             <a:endParaRPr lang="en-US" dirty="0"/>
           </a:p>
@@ -3503,7 +3508,7 @@
               <a:pPr>
                 <a:defRPr/>
               </a:pPr>
-              <a:t>46</a:t>
+              <a:t>50</a:t>
             </a:fld>
             <a:endParaRPr lang="en-US" dirty="0"/>
           </a:p>
@@ -3593,7 +3598,7 @@
               <a:pPr>
                 <a:defRPr/>
               </a:pPr>
-              <a:t>47</a:t>
+              <a:t>51</a:t>
             </a:fld>
             <a:endParaRPr lang="en-US" dirty="0"/>
           </a:p>
@@ -3683,7 +3688,7 @@
               <a:pPr>
                 <a:defRPr/>
               </a:pPr>
-              <a:t>48</a:t>
+              <a:t>52</a:t>
             </a:fld>
             <a:endParaRPr lang="en-US" dirty="0"/>
           </a:p>
@@ -10494,11 +10499,7 @@
             <a:pPr lvl="1"/>
             <a:r>
               <a:rPr lang="nb-NO" dirty="0" smtClean="0"/>
-              <a:t>Alternatively BLE_GAP_EVT_TIMEOUT {BLE_GAP_TIMEOUT_SRC_CONN</a:t>
-            </a:r>
-            <a:r>
-              <a:rPr lang="nb-NO" dirty="0" smtClean="0"/>
-              <a:t>}</a:t>
+              <a:t>Alternatively BLE_GAP_EVT_TIMEOUT {BLE_GAP_TIMEOUT_SRC_CONN}</a:t>
             </a:r>
           </a:p>
           <a:p>
@@ -11926,26 +11927,33 @@
             </a:r>
             <a:r>
               <a:rPr lang="nb-NO" dirty="0"/>
-              <a:t>peripheral.</a:t>
-            </a:r>
+              <a:t>peripheral</a:t>
+            </a:r>
+            <a:r>
+              <a:rPr lang="nb-NO" dirty="0" smtClean="0"/>
+              <a:t>. (From SDK 8.0.0)</a:t>
+            </a:r>
+            <a:endParaRPr lang="nb-NO" dirty="0"/>
           </a:p>
           <a:p>
             <a:pPr lvl="1"/>
             <a:r>
               <a:rPr lang="nb-NO" dirty="0" smtClean="0"/>
-              <a:t>Use the task 1 </a:t>
-            </a:r>
-            <a:r>
-              <a:rPr lang="nb-NO" dirty="0" smtClean="0"/>
-              <a:t>Start project</a:t>
-            </a:r>
-            <a:endParaRPr lang="nb-NO" dirty="0" smtClean="0"/>
+              <a:t>Use the task 1 Start project with S120 v2.0.0.</a:t>
+            </a:r>
+          </a:p>
+          <a:p>
+            <a:pPr lvl="2"/>
+            <a:r>
+              <a:rPr lang="nb-NO" dirty="0" smtClean="0"/>
+              <a:t>Place this in the central example folder SDK 8.0.0</a:t>
+            </a:r>
           </a:p>
           <a:p>
             <a:pPr lvl="1"/>
             <a:r>
               <a:rPr lang="nb-NO" dirty="0" smtClean="0"/>
-              <a:t>Tasks are marked @todo #</a:t>
+              <a:t>Tasks are marked @todo in the code</a:t>
             </a:r>
           </a:p>
           <a:p>
@@ -12069,11 +12077,7 @@
           <a:p>
             <a:r>
               <a:rPr lang="nb-NO" dirty="0" smtClean="0"/>
-              <a:t>GATT </a:t>
-            </a:r>
-            <a:r>
-              <a:rPr lang="nb-NO" dirty="0" smtClean="0"/>
-              <a:t>server</a:t>
+              <a:t>GATT server</a:t>
             </a:r>
             <a:endParaRPr lang="nb-NO" dirty="0"/>
           </a:p>
@@ -12112,17 +12116,8 @@
           <a:p>
             <a:r>
               <a:rPr lang="nb-NO" dirty="0" smtClean="0"/>
-              <a:t>Multilink related changes </a:t>
-            </a:r>
-            <a:r>
-              <a:rPr lang="nb-NO" dirty="0" smtClean="0"/>
-              <a:t>from S110 </a:t>
-            </a:r>
-            <a:r>
-              <a:rPr lang="nb-NO" dirty="0" smtClean="0"/>
-              <a:t>v7.1.0 to S110 v8.0.0:</a:t>
-            </a:r>
-            <a:endParaRPr lang="nb-NO" dirty="0" smtClean="0"/>
+              <a:t>Multilink related changes from S110 v7.1.0 to S110 v8.0.0:</a:t>
+            </a:r>
           </a:p>
           <a:p>
             <a:pPr lvl="1"/>
@@ -12209,11 +12204,7 @@
             </a:r>
             <a:r>
               <a:rPr lang="nb-NO" dirty="0" smtClean="0"/>
-              <a:t>uint32_t flags</a:t>
-            </a:r>
-            <a:r>
-              <a:rPr lang="nb-NO" dirty="0" smtClean="0"/>
-              <a:t>)</a:t>
+              <a:t>uint32_t flags)</a:t>
             </a:r>
             <a:endParaRPr lang="nb-NO" dirty="0"/>
           </a:p>
@@ -15062,24 +15053,29 @@
             </a:r>
           </a:p>
           <a:p>
-            <a:r>
-              <a:rPr lang="nb-NO" dirty="0" smtClean="0"/>
-              <a:t>Rename the Multilink </a:t>
-            </a:r>
-            <a:r>
-              <a:rPr lang="nb-NO" dirty="0" smtClean="0"/>
-              <a:t>peripheral code and use this as peripheral device</a:t>
-            </a:r>
-            <a:endParaRPr lang="nb-NO" dirty="0" smtClean="0"/>
-          </a:p>
-          <a:p>
-            <a:r>
-              <a:rPr lang="nb-NO" dirty="0" smtClean="0"/>
-              <a:t>Tasks </a:t>
-            </a:r>
-            <a:r>
-              <a:rPr lang="nb-NO" dirty="0" smtClean="0"/>
-              <a:t>are marked with @todo in the code</a:t>
+            <a:pPr lvl="1"/>
+            <a:r>
+              <a:rPr lang="nb-NO" dirty="0" smtClean="0"/>
+              <a:t>The example should be placed in SDK 8.0.0 in the Central example folder</a:t>
+            </a:r>
+          </a:p>
+          <a:p>
+            <a:r>
+              <a:rPr lang="nb-NO" dirty="0" smtClean="0"/>
+              <a:t>Use the Multilink peripheral code and use this as peripheral device</a:t>
+            </a:r>
+          </a:p>
+          <a:p>
+            <a:pPr lvl="1"/>
+            <a:r>
+              <a:rPr lang="nb-NO" dirty="0" smtClean="0"/>
+              <a:t>Rename the peripheral</a:t>
+            </a:r>
+          </a:p>
+          <a:p>
+            <a:r>
+              <a:rPr lang="nb-NO" dirty="0" smtClean="0"/>
+              <a:t>Tasks are marked with @todo in the code</a:t>
             </a:r>
           </a:p>
         </p:txBody>
@@ -17289,11 +17285,7 @@
           <a:p>
             <a:r>
               <a:rPr lang="nb-NO" dirty="0" smtClean="0"/>
-              <a:t>Tasks </a:t>
-            </a:r>
-            <a:r>
-              <a:rPr lang="nb-NO" dirty="0" smtClean="0"/>
-              <a:t>2 and 3: </a:t>
+              <a:t>Tasks 2 and 3: </a:t>
             </a:r>
             <a:r>
               <a:rPr lang="nb-NO" dirty="0"/>
@@ -18846,11 +18838,7 @@
           <a:p>
             <a:r>
               <a:rPr lang="nb-NO" dirty="0" smtClean="0"/>
-              <a:t>Task </a:t>
-            </a:r>
-            <a:r>
-              <a:rPr lang="nb-NO" dirty="0" smtClean="0"/>
-              <a:t>4: </a:t>
+              <a:t>Task 4: </a:t>
             </a:r>
             <a:r>
               <a:rPr lang="nb-NO" dirty="0"/>
@@ -18890,12 +18878,11 @@
               <a:rPr lang="nb-NO" dirty="0" smtClean="0"/>
               <a:t>Tip: scanning is not used, so peripherals are identified using the device address</a:t>
             </a:r>
-            <a:endParaRPr lang="nb-NO" dirty="0" smtClean="0"/>
-          </a:p>
-          <a:p>
-            <a:r>
-              <a:rPr lang="nb-NO" dirty="0" smtClean="0"/>
-              <a:t>Use master control panel as central</a:t>
+          </a:p>
+          <a:p>
+            <a:r>
+              <a:rPr lang="nb-NO" dirty="0" smtClean="0"/>
+              <a:t>Use master control panel as central and connect to the S130 peripheral</a:t>
             </a:r>
           </a:p>
           <a:p>
@@ -18903,6 +18890,32 @@
             <a:r>
               <a:rPr lang="nb-NO" dirty="0" smtClean="0"/>
               <a:t>Modify the advertisement data so you can identify your S130 peripheral.</a:t>
+            </a:r>
+          </a:p>
+          <a:p>
+            <a:r>
+              <a:rPr lang="nb-NO" dirty="0" smtClean="0"/>
+              <a:t>The S130 should have:</a:t>
+            </a:r>
+          </a:p>
+          <a:p>
+            <a:pPr lvl="1"/>
+            <a:r>
+              <a:rPr lang="nb-NO" dirty="0" smtClean="0"/>
+              <a:t>1 Peripheral  role Connection, Master control panel as central</a:t>
+            </a:r>
+          </a:p>
+          <a:p>
+            <a:pPr lvl="1"/>
+            <a:r>
+              <a:rPr lang="nb-NO" dirty="0" smtClean="0"/>
+              <a:t>1 Central role connection, Use S110 with Heart rate  example as peripheral.</a:t>
+            </a:r>
+          </a:p>
+          <a:p>
+            <a:r>
+              <a:rPr lang="nb-NO" smtClean="0"/>
+              <a:t>Reference the S130 example user guide for instructions.</a:t>
             </a:r>
             <a:endParaRPr lang="nb-NO" dirty="0"/>
           </a:p>
@@ -19009,7 +19022,7 @@
           <a:p>
             <a:r>
               <a:rPr lang="nb-NO" dirty="0" smtClean="0"/>
-              <a:t>Device manager</a:t>
+              <a:t>Recap</a:t>
             </a:r>
             <a:endParaRPr lang="nb-NO" dirty="0"/>
           </a:p>
@@ -19031,112 +19044,48 @@
           <a:lstStyle/>
           <a:p>
             <a:r>
-              <a:rPr lang="en-US" dirty="0" smtClean="0"/>
-              <a:t>Handled persistent </a:t>
-            </a:r>
-            <a:r>
-              <a:rPr lang="en-US" dirty="0"/>
-              <a:t>storage of contextual </a:t>
-            </a:r>
-            <a:r>
-              <a:rPr lang="en-US" dirty="0" smtClean="0"/>
-              <a:t>information</a:t>
-            </a:r>
-          </a:p>
-          <a:p>
-            <a:r>
-              <a:rPr lang="en-US" dirty="0" smtClean="0"/>
-              <a:t>Manages </a:t>
-            </a:r>
-            <a:r>
-              <a:rPr lang="en-US" dirty="0"/>
-              <a:t>Active and Bonded </a:t>
-            </a:r>
-            <a:r>
-              <a:rPr lang="en-US" dirty="0" smtClean="0"/>
-              <a:t>Peers</a:t>
-            </a:r>
-          </a:p>
-          <a:p>
-            <a:pPr lvl="1"/>
-            <a:r>
-              <a:rPr lang="en-US" dirty="0" smtClean="0"/>
-              <a:t>Security </a:t>
-            </a:r>
-            <a:r>
-              <a:rPr lang="en-US" dirty="0"/>
-              <a:t>Keys, GATT configuration and any application specific </a:t>
-            </a:r>
-            <a:r>
-              <a:rPr lang="en-US" dirty="0" smtClean="0"/>
-              <a:t>information</a:t>
-            </a:r>
-          </a:p>
-          <a:p>
-            <a:r>
-              <a:rPr lang="en-US" dirty="0"/>
-              <a:t>C</a:t>
-            </a:r>
-            <a:r>
-              <a:rPr lang="en-US" dirty="0" smtClean="0"/>
-              <a:t>ontextual </a:t>
-            </a:r>
-            <a:r>
-              <a:rPr lang="en-US" dirty="0"/>
-              <a:t>information is required to be retained on disconnection and power </a:t>
-            </a:r>
-            <a:r>
-              <a:rPr lang="en-US" dirty="0" smtClean="0"/>
-              <a:t>cycling for </a:t>
-            </a:r>
-            <a:r>
-              <a:rPr lang="en-US" dirty="0"/>
-              <a:t>bonded peers</a:t>
-            </a:r>
-            <a:endParaRPr lang="en-US" dirty="0" smtClean="0"/>
-          </a:p>
-          <a:p>
-            <a:r>
-              <a:rPr lang="en-US" dirty="0" smtClean="0"/>
-              <a:t>This </a:t>
-            </a:r>
-            <a:r>
-              <a:rPr lang="en-US" dirty="0"/>
-              <a:t>module categorizes the contextual information into 3 categories</a:t>
-            </a:r>
-            <a:r>
-              <a:rPr lang="en-US" dirty="0" smtClean="0"/>
-              <a:t>:</a:t>
-            </a:r>
-          </a:p>
-          <a:p>
-            <a:pPr lvl="1"/>
-            <a:r>
               <a:rPr lang="nb-NO" dirty="0"/>
-              <a:t>Bonding </a:t>
-            </a:r>
-            <a:r>
-              <a:rPr lang="nb-NO" dirty="0" smtClean="0"/>
-              <a:t>Information</a:t>
-            </a:r>
-          </a:p>
-          <a:p>
-            <a:pPr lvl="1"/>
+              <a:t>Common Softdevice API</a:t>
+            </a:r>
+          </a:p>
+          <a:p>
             <a:r>
               <a:rPr lang="nb-NO" dirty="0"/>
-              <a:t>Service/Protocol </a:t>
-            </a:r>
-            <a:r>
-              <a:rPr lang="nb-NO" dirty="0" smtClean="0"/>
-              <a:t>Information</a:t>
-            </a:r>
-          </a:p>
-          <a:p>
-            <a:pPr lvl="1"/>
+              <a:t>Scanning</a:t>
+            </a:r>
+          </a:p>
+          <a:p>
             <a:r>
               <a:rPr lang="nb-NO" dirty="0"/>
-              <a:t>Application Information</a:t>
-            </a:r>
+              <a:t>Connection esthablishment</a:t>
+            </a:r>
+          </a:p>
+          <a:p>
+            <a:r>
+              <a:rPr lang="nb-NO" dirty="0"/>
+              <a:t>GATT Client</a:t>
+            </a:r>
+          </a:p>
+          <a:p>
+            <a:r>
+              <a:rPr lang="nb-NO" dirty="0"/>
+              <a:t>Database Discovery</a:t>
+            </a:r>
+          </a:p>
+          <a:p>
+            <a:r>
+              <a:rPr lang="nb-NO" dirty="0" smtClean="0"/>
+              <a:t>Scheduling/priorities</a:t>
+            </a:r>
+          </a:p>
+          <a:p>
+            <a:r>
+              <a:rPr lang="nb-NO" dirty="0" smtClean="0"/>
+              <a:t>Radio timeslot api</a:t>
+            </a:r>
+          </a:p>
+          <a:p>
+            <a:endParaRPr lang="nb-NO" dirty="0"/>
           </a:p>
         </p:txBody>
       </p:sp>
@@ -19181,7 +19130,7 @@
           <a:p>
             <a:r>
               <a:rPr lang="en-US" dirty="0" smtClean="0"/>
-              <a:t>PRESENTATION TITLE</a:t>
+              <a:t>S130</a:t>
             </a:r>
             <a:endParaRPr lang="nb-NO" dirty="0"/>
           </a:p>
@@ -19190,20 +19139,13 @@
     </p:spTree>
     <p:extLst>
       <p:ext uri="{BB962C8B-B14F-4D97-AF65-F5344CB8AC3E}">
-        <p14:creationId xmlns:p14="http://schemas.microsoft.com/office/powerpoint/2010/main" val="2935610751"/>
+        <p14:creationId xmlns:p14="http://schemas.microsoft.com/office/powerpoint/2010/main" val="4104080259"/>
       </p:ext>
     </p:extLst>
   </p:cSld>
   <p:clrMapOvr>
     <a:masterClrMapping/>
   </p:clrMapOvr>
-  <p:timing>
-    <p:tnLst>
-      <p:par>
-        <p:cTn id="1" dur="indefinite" restart="never" nodeType="tmRoot"/>
-      </p:par>
-    </p:tnLst>
-  </p:timing>
 </p:sld>
 </file>
 
@@ -19239,75 +19181,100 @@
           <a:bodyPr/>
           <a:lstStyle/>
           <a:p>
+            <a:r>
+              <a:rPr lang="nb-NO" dirty="0" smtClean="0"/>
+              <a:t>Scheduling</a:t>
+            </a:r>
+            <a:endParaRPr lang="nb-NO" dirty="0"/>
+          </a:p>
+        </p:txBody>
+      </p:sp>
+      <p:sp>
+        <p:nvSpPr>
+          <p:cNvPr id="3" name="Content Placeholder 2"/>
+          <p:cNvSpPr>
+            <a:spLocks noGrp="1"/>
+          </p:cNvSpPr>
+          <p:nvPr>
+            <p:ph idx="1"/>
+          </p:nvPr>
+        </p:nvSpPr>
+        <p:spPr/>
+        <p:txBody>
+          <a:bodyPr/>
+          <a:lstStyle/>
+          <a:p>
+            <a:r>
+              <a:rPr lang="nb-NO" dirty="0" smtClean="0"/>
+              <a:t>1. BLE Highest priority</a:t>
+            </a:r>
+          </a:p>
+          <a:p>
             <a:pPr lvl="1"/>
             <a:r>
-              <a:rPr lang="nb-NO" kern="1200" dirty="0">
-                <a:latin typeface="+mj-lt"/>
-                <a:ea typeface="+mj-ea"/>
-                <a:cs typeface="+mj-cs"/>
-              </a:rPr>
-              <a:t>Device manager - Bonding Information</a:t>
-            </a:r>
-          </a:p>
-        </p:txBody>
-      </p:sp>
-      <p:sp>
-        <p:nvSpPr>
-          <p:cNvPr id="3" name="Content Placeholder 2"/>
-          <p:cNvSpPr>
-            <a:spLocks noGrp="1"/>
-          </p:cNvSpPr>
-          <p:nvPr>
-            <p:ph idx="1"/>
-          </p:nvPr>
-        </p:nvSpPr>
-        <p:spPr/>
-        <p:txBody>
-          <a:bodyPr/>
-          <a:lstStyle/>
-          <a:p>
-            <a:r>
-              <a:rPr lang="en-US" dirty="0"/>
-              <a:t>Bond information is the information exchanged between local and peer device to establish a bond. It also includes peer identification information, like the peer address or the IRK or both. From here on this category of information is referred to as Device Context</a:t>
-            </a:r>
-            <a:r>
-              <a:rPr lang="en-US" dirty="0" smtClean="0"/>
-              <a:t>.</a:t>
+              <a:rPr lang="nb-NO" dirty="0" smtClean="0"/>
+              <a:t>Will be scheduled ahead as the softdevice know when this is going to happen.</a:t>
             </a:r>
           </a:p>
           <a:p>
             <a:pPr lvl="1"/>
             <a:r>
-              <a:rPr lang="en-US" dirty="0" smtClean="0"/>
-              <a:t>EDIV</a:t>
+              <a:rPr lang="nb-NO" dirty="0" smtClean="0"/>
+              <a:t>Slave Connection parameter update on instant</a:t>
             </a:r>
           </a:p>
           <a:p>
             <a:pPr lvl="1"/>
             <a:r>
-              <a:rPr lang="en-US" dirty="0" smtClean="0"/>
-              <a:t>RAND</a:t>
+              <a:rPr lang="nb-NO" dirty="0" smtClean="0"/>
+              <a:t>Connection setup -&gt; first connection event</a:t>
+            </a:r>
+          </a:p>
+          <a:p>
+            <a:r>
+              <a:rPr lang="nb-NO" dirty="0" smtClean="0"/>
+              <a:t>2. BLE High priority</a:t>
+            </a:r>
+          </a:p>
+          <a:p>
+            <a:r>
+              <a:rPr lang="nb-NO" dirty="0"/>
+              <a:t>3</a:t>
+            </a:r>
+            <a:r>
+              <a:rPr lang="nb-NO" dirty="0" smtClean="0"/>
+              <a:t>. Timeslot High priority</a:t>
+            </a:r>
+          </a:p>
+          <a:p>
+            <a:r>
+              <a:rPr lang="nb-NO" dirty="0"/>
+              <a:t>4</a:t>
+            </a:r>
+            <a:r>
+              <a:rPr lang="nb-NO" dirty="0" smtClean="0"/>
+              <a:t>. Scheduled Normal</a:t>
+            </a:r>
+          </a:p>
+          <a:p>
+            <a:r>
+              <a:rPr lang="nb-NO" dirty="0"/>
+              <a:t>5</a:t>
+            </a:r>
+            <a:r>
+              <a:rPr lang="nb-NO" dirty="0" smtClean="0"/>
+              <a:t>. BLE Normal and Timeslot Normal</a:t>
             </a:r>
           </a:p>
           <a:p>
             <a:pPr lvl="1"/>
             <a:r>
-              <a:rPr lang="en-US" dirty="0" smtClean="0"/>
-              <a:t>IRK</a:t>
-            </a:r>
-          </a:p>
-          <a:p>
-            <a:pPr lvl="1"/>
-            <a:r>
-              <a:rPr lang="en-US" dirty="0" smtClean="0"/>
-              <a:t>Device Address</a:t>
-            </a:r>
-          </a:p>
-          <a:p>
-            <a:pPr lvl="1"/>
-            <a:r>
-              <a:rPr lang="en-US" dirty="0" smtClean="0"/>
-              <a:t>LTK</a:t>
+              <a:rPr lang="nb-NO" dirty="0" smtClean="0"/>
+              <a:t>Equal priority = </a:t>
+            </a:r>
+            <a:r>
+              <a:rPr lang="nb-NO" dirty="0" smtClean="0"/>
+              <a:t>first come first serve.</a:t>
             </a:r>
             <a:endParaRPr lang="nb-NO" dirty="0"/>
           </a:p>
@@ -19353,7 +19320,7 @@
           <a:lstStyle/>
           <a:p>
             <a:r>
-              <a:rPr lang="en-US" dirty="0" smtClean="0"/>
+              <a:rPr lang="en-US" smtClean="0"/>
               <a:t>PRESENTATION TITLE</a:t>
             </a:r>
             <a:endParaRPr lang="nb-NO" dirty="0"/>
@@ -19363,20 +19330,13 @@
     </p:spTree>
     <p:extLst>
       <p:ext uri="{BB962C8B-B14F-4D97-AF65-F5344CB8AC3E}">
-        <p14:creationId xmlns:p14="http://schemas.microsoft.com/office/powerpoint/2010/main" val="2455163093"/>
+        <p14:creationId xmlns:p14="http://schemas.microsoft.com/office/powerpoint/2010/main" val="1559897997"/>
       </p:ext>
     </p:extLst>
   </p:cSld>
   <p:clrMapOvr>
     <a:masterClrMapping/>
   </p:clrMapOvr>
-  <p:timing>
-    <p:tnLst>
-      <p:par>
-        <p:cTn id="1" dur="indefinite" restart="never" nodeType="tmRoot"/>
-      </p:par>
-    </p:tnLst>
-  </p:timing>
 </p:sld>
 </file>
 
@@ -19399,6 +19359,29 @@
       </p:grpSpPr>
       <p:sp>
         <p:nvSpPr>
+          <p:cNvPr id="2" name="Title 1"/>
+          <p:cNvSpPr>
+            <a:spLocks noGrp="1"/>
+          </p:cNvSpPr>
+          <p:nvPr>
+            <p:ph type="title"/>
+          </p:nvPr>
+        </p:nvSpPr>
+        <p:spPr/>
+        <p:txBody>
+          <a:bodyPr/>
+          <a:lstStyle/>
+          <a:p>
+            <a:r>
+              <a:rPr lang="nb-NO" dirty="0" smtClean="0"/>
+              <a:t>Device manager</a:t>
+            </a:r>
+            <a:endParaRPr lang="nb-NO" dirty="0"/>
+          </a:p>
+        </p:txBody>
+      </p:sp>
+      <p:sp>
+        <p:nvSpPr>
           <p:cNvPr id="3" name="Content Placeholder 2"/>
           <p:cNvSpPr>
             <a:spLocks noGrp="1"/>
@@ -19413,67 +19396,112 @@
           <a:lstStyle/>
           <a:p>
             <a:r>
+              <a:rPr lang="en-US" dirty="0" smtClean="0"/>
+              <a:t>Handles persistent </a:t>
+            </a:r>
+            <a:r>
               <a:rPr lang="en-US" dirty="0"/>
-              <a:t>Service/Protocol information is the information retained for the peer to save on one-time procedures like the GATT Service Discovery procedures and Service Configurations. It allows devices to resume data exchange on subsequent reconnection without having to perform initial set-up procedures each time. From here on this category is referred to as Service </a:t>
-            </a:r>
-            <a:r>
-              <a:rPr lang="en-US" dirty="0" smtClean="0"/>
-              <a:t>Context.</a:t>
-            </a:r>
-          </a:p>
-          <a:p>
-            <a:r>
-              <a:rPr lang="en-US" dirty="0" smtClean="0"/>
-              <a:t>For GATT server: </a:t>
+              <a:t>storage of contextual </a:t>
+            </a:r>
+            <a:r>
+              <a:rPr lang="en-US" dirty="0" smtClean="0"/>
+              <a:t>information</a:t>
+            </a:r>
+          </a:p>
+          <a:p>
+            <a:r>
+              <a:rPr lang="en-US" dirty="0" smtClean="0"/>
+              <a:t>Manages </a:t>
             </a:r>
             <a:r>
               <a:rPr lang="en-US" dirty="0"/>
-              <a:t>CCCD values (6bytes)</a:t>
+              <a:t>Active and Bonded </a:t>
+            </a:r>
+            <a:r>
+              <a:rPr lang="en-US" dirty="0" smtClean="0"/>
+              <a:t>Peers</a:t>
+            </a:r>
+          </a:p>
+          <a:p>
+            <a:pPr lvl="1"/>
+            <a:r>
+              <a:rPr lang="en-US" dirty="0" smtClean="0"/>
+              <a:t>Security </a:t>
+            </a:r>
+            <a:r>
+              <a:rPr lang="en-US" dirty="0"/>
+              <a:t>Keys, GATT configuration and any application specific </a:t>
+            </a:r>
+            <a:r>
+              <a:rPr lang="en-US" dirty="0" smtClean="0"/>
+              <a:t>information</a:t>
+            </a:r>
+          </a:p>
+          <a:p>
+            <a:r>
+              <a:rPr lang="en-US" dirty="0"/>
+              <a:t>C</a:t>
+            </a:r>
+            <a:r>
+              <a:rPr lang="en-US" dirty="0" smtClean="0"/>
+              <a:t>ontextual </a:t>
+            </a:r>
+            <a:r>
+              <a:rPr lang="en-US" dirty="0"/>
+              <a:t>information is required to be retained on disconnection and power </a:t>
+            </a:r>
+            <a:r>
+              <a:rPr lang="en-US" dirty="0" smtClean="0"/>
+              <a:t>cycling for </a:t>
+            </a:r>
+            <a:r>
+              <a:rPr lang="en-US" dirty="0"/>
+              <a:t>bonded peers</a:t>
             </a:r>
             <a:endParaRPr lang="en-US" dirty="0" smtClean="0"/>
           </a:p>
           <a:p>
+            <a:r>
+              <a:rPr lang="en-US" dirty="0" smtClean="0"/>
+              <a:t>This </a:t>
+            </a:r>
+            <a:r>
+              <a:rPr lang="en-US" dirty="0"/>
+              <a:t>module categorizes the contextual information into 3 categories</a:t>
+            </a:r>
+            <a:r>
+              <a:rPr lang="en-US" dirty="0" smtClean="0"/>
+              <a:t>:</a:t>
+            </a:r>
+          </a:p>
+          <a:p>
             <a:pPr lvl="1"/>
             <a:r>
-              <a:rPr lang="en-US" dirty="0" smtClean="0"/>
-              <a:t>2 </a:t>
-            </a:r>
-            <a:r>
-              <a:rPr lang="en-US" dirty="0"/>
-              <a:t>first bytes are the handle, </a:t>
-            </a:r>
-            <a:endParaRPr lang="en-US" dirty="0" smtClean="0"/>
+              <a:rPr lang="nb-NO" dirty="0"/>
+              <a:t>Bonding </a:t>
+            </a:r>
+            <a:r>
+              <a:rPr lang="nb-NO" dirty="0" smtClean="0"/>
+              <a:t>Information</a:t>
+            </a:r>
           </a:p>
           <a:p>
             <a:pPr lvl="1"/>
             <a:r>
-              <a:rPr lang="en-US" dirty="0" smtClean="0"/>
-              <a:t>2 </a:t>
-            </a:r>
-            <a:r>
-              <a:rPr lang="en-US" dirty="0"/>
-              <a:t>bytes is the length of the </a:t>
-            </a:r>
-            <a:r>
-              <a:rPr lang="en-US" dirty="0" smtClean="0"/>
-              <a:t>data</a:t>
+              <a:rPr lang="nb-NO" dirty="0"/>
+              <a:t>Service/Protocol </a:t>
+            </a:r>
+            <a:r>
+              <a:rPr lang="nb-NO" dirty="0" smtClean="0"/>
+              <a:t>Information</a:t>
             </a:r>
           </a:p>
           <a:p>
             <a:pPr lvl="1"/>
             <a:r>
-              <a:rPr lang="en-US" dirty="0" smtClean="0"/>
-              <a:t>2 </a:t>
-            </a:r>
-            <a:r>
-              <a:rPr lang="en-US" dirty="0"/>
-              <a:t>bytes </a:t>
-            </a:r>
-            <a:r>
-              <a:rPr lang="en-US" dirty="0" smtClean="0"/>
-              <a:t>data</a:t>
-            </a:r>
-            <a:endParaRPr lang="en-US" dirty="0"/>
+              <a:rPr lang="nb-NO" dirty="0"/>
+              <a:t>Application Information</a:t>
+            </a:r>
           </a:p>
         </p:txBody>
       </p:sp>
@@ -19524,36 +19552,10 @@
           </a:p>
         </p:txBody>
       </p:sp>
-      <p:sp>
-        <p:nvSpPr>
-          <p:cNvPr id="6" name="Title 5"/>
-          <p:cNvSpPr>
-            <a:spLocks noGrp="1"/>
-          </p:cNvSpPr>
-          <p:nvPr>
-            <p:ph type="title"/>
-          </p:nvPr>
-        </p:nvSpPr>
-        <p:spPr/>
-        <p:txBody>
-          <a:bodyPr/>
-          <a:lstStyle/>
-          <a:p>
-            <a:r>
-              <a:rPr lang="nb-NO" dirty="0" smtClean="0"/>
-              <a:t>Device Manager - Service/Protocol </a:t>
-            </a:r>
-            <a:r>
-              <a:rPr lang="nb-NO" dirty="0"/>
-              <a:t>Information</a:t>
-            </a:r>
-          </a:p>
-        </p:txBody>
-      </p:sp>
     </p:spTree>
     <p:extLst>
       <p:ext uri="{BB962C8B-B14F-4D97-AF65-F5344CB8AC3E}">
-        <p14:creationId xmlns:p14="http://schemas.microsoft.com/office/powerpoint/2010/main" val="341447180"/>
+        <p14:creationId xmlns:p14="http://schemas.microsoft.com/office/powerpoint/2010/main" val="2935610751"/>
       </p:ext>
     </p:extLst>
   </p:cSld>
@@ -19602,37 +19604,112 @@
           <a:bodyPr/>
           <a:lstStyle/>
           <a:p>
+            <a:r>
+              <a:rPr lang="nb-NO" dirty="0" smtClean="0"/>
+              <a:t>Bonding</a:t>
+            </a:r>
+            <a:endParaRPr lang="nb-NO" dirty="0"/>
+          </a:p>
+        </p:txBody>
+      </p:sp>
+      <p:sp>
+        <p:nvSpPr>
+          <p:cNvPr id="3" name="Content Placeholder 2"/>
+          <p:cNvSpPr>
+            <a:spLocks noGrp="1"/>
+          </p:cNvSpPr>
+          <p:nvPr>
+            <p:ph idx="1"/>
+          </p:nvPr>
+        </p:nvSpPr>
+        <p:spPr/>
+        <p:txBody>
+          <a:bodyPr/>
+          <a:lstStyle/>
+          <a:p>
+            <a:r>
+              <a:rPr lang="nb-NO" dirty="0" smtClean="0"/>
+              <a:t>No encryption = No Bond</a:t>
+            </a:r>
+          </a:p>
+          <a:p>
+            <a:r>
+              <a:rPr lang="nb-NO" dirty="0" smtClean="0"/>
+              <a:t>Just work</a:t>
+            </a:r>
+          </a:p>
+          <a:p>
             <a:pPr lvl="1"/>
             <a:r>
-              <a:rPr lang="nb-NO" kern="1200" dirty="0">
-                <a:latin typeface="+mj-lt"/>
-                <a:ea typeface="+mj-ea"/>
-                <a:cs typeface="+mj-cs"/>
-              </a:rPr>
-              <a:t>Device manager - Application Information</a:t>
-            </a:r>
-          </a:p>
-        </p:txBody>
-      </p:sp>
-      <p:sp>
-        <p:nvSpPr>
-          <p:cNvPr id="3" name="Content Placeholder 2"/>
-          <p:cNvSpPr>
-            <a:spLocks noGrp="1"/>
-          </p:cNvSpPr>
-          <p:nvPr>
-            <p:ph idx="1"/>
-          </p:nvPr>
-        </p:nvSpPr>
-        <p:spPr/>
-        <p:txBody>
-          <a:bodyPr/>
-          <a:lstStyle/>
-          <a:p>
-            <a:r>
-              <a:rPr lang="en-US" dirty="0"/>
-              <a:t>Application information is the context that the application would like to associate with each of the bonded device. For example, if the application chooses to rank its peers in order to manage them better, the rank information could be treated as Application Information. This storage space is provided to save the application from maintaining a mapping table with each Device Instance and Application Information. However, if the application have no use for this, it is possible to not use or employ this at compile time. From here on this category of information is referred to as Application Context.</a:t>
-            </a:r>
+              <a:rPr lang="nb-NO" dirty="0" smtClean="0"/>
+              <a:t>Encryption, but no authentication</a:t>
+            </a:r>
+          </a:p>
+          <a:p>
+            <a:r>
+              <a:rPr lang="nb-NO" dirty="0" smtClean="0"/>
+              <a:t>MITM</a:t>
+            </a:r>
+          </a:p>
+          <a:p>
+            <a:pPr lvl="1"/>
+            <a:r>
+              <a:rPr lang="nb-NO" dirty="0" smtClean="0"/>
+              <a:t>Encryption with authentication</a:t>
+            </a:r>
+          </a:p>
+          <a:p>
+            <a:r>
+              <a:rPr lang="nb-NO" dirty="0" smtClean="0"/>
+              <a:t>OOB</a:t>
+            </a:r>
+          </a:p>
+          <a:p>
+            <a:pPr lvl="1"/>
+            <a:r>
+              <a:rPr lang="nb-NO" dirty="0"/>
+              <a:t>Encryption with </a:t>
+            </a:r>
+            <a:r>
+              <a:rPr lang="nb-NO" dirty="0" smtClean="0"/>
+              <a:t>authentication</a:t>
+            </a:r>
+          </a:p>
+          <a:p>
+            <a:endParaRPr lang="en-US" dirty="0" smtClean="0"/>
+          </a:p>
+          <a:p>
+            <a:r>
+              <a:rPr lang="en-US" dirty="0" smtClean="0"/>
+              <a:t>It is also possible to use only pairing. </a:t>
+            </a:r>
+          </a:p>
+          <a:p>
+            <a:pPr lvl="1"/>
+            <a:r>
+              <a:rPr lang="en-US" dirty="0" smtClean="0"/>
+              <a:t>Encryption</a:t>
+            </a:r>
+          </a:p>
+          <a:p>
+            <a:pPr lvl="1"/>
+            <a:r>
+              <a:rPr lang="en-US" dirty="0" smtClean="0"/>
+              <a:t>No bond information to retain.</a:t>
+            </a:r>
+          </a:p>
+          <a:p>
+            <a:pPr lvl="1"/>
+            <a:endParaRPr lang="nb-NO" dirty="0" smtClean="0"/>
+          </a:p>
+          <a:p>
+            <a:pPr lvl="1"/>
+            <a:endParaRPr lang="nb-NO" dirty="0"/>
+          </a:p>
+          <a:p>
+            <a:pPr marL="0" indent="0">
+              <a:buNone/>
+            </a:pPr>
             <a:endParaRPr lang="nb-NO" dirty="0"/>
           </a:p>
         </p:txBody>
@@ -19677,7 +19754,7 @@
           <a:lstStyle/>
           <a:p>
             <a:r>
-              <a:rPr lang="en-US" dirty="0" smtClean="0"/>
+              <a:rPr lang="en-US" smtClean="0"/>
               <a:t>PRESENTATION TITLE</a:t>
             </a:r>
             <a:endParaRPr lang="nb-NO" dirty="0"/>
@@ -19687,20 +19764,13 @@
     </p:spTree>
     <p:extLst>
       <p:ext uri="{BB962C8B-B14F-4D97-AF65-F5344CB8AC3E}">
-        <p14:creationId xmlns:p14="http://schemas.microsoft.com/office/powerpoint/2010/main" val="1064654935"/>
+        <p14:creationId xmlns:p14="http://schemas.microsoft.com/office/powerpoint/2010/main" val="508525519"/>
       </p:ext>
     </p:extLst>
   </p:cSld>
   <p:clrMapOvr>
     <a:masterClrMapping/>
   </p:clrMapOvr>
-  <p:timing>
-    <p:tnLst>
-      <p:par>
-        <p:cTn id="1" dur="indefinite" restart="never" nodeType="tmRoot"/>
-      </p:par>
-    </p:tnLst>
-  </p:timing>
 </p:sld>
 </file>
 
@@ -19736,14 +19806,132 @@
           <a:bodyPr/>
           <a:lstStyle/>
           <a:p>
+            <a:r>
+              <a:rPr lang="nb-NO" dirty="0" smtClean="0"/>
+              <a:t>When should we bond</a:t>
+            </a:r>
+            <a:endParaRPr lang="nb-NO" dirty="0"/>
+          </a:p>
+        </p:txBody>
+      </p:sp>
+      <p:sp>
+        <p:nvSpPr>
+          <p:cNvPr id="3" name="Content Placeholder 2"/>
+          <p:cNvSpPr>
+            <a:spLocks noGrp="1"/>
+          </p:cNvSpPr>
+          <p:nvPr>
+            <p:ph idx="1"/>
+          </p:nvPr>
+        </p:nvSpPr>
+        <p:spPr/>
+        <p:txBody>
+          <a:bodyPr>
+            <a:normAutofit lnSpcReduction="10000"/>
+          </a:bodyPr>
+          <a:lstStyle/>
+          <a:p>
+            <a:r>
+              <a:rPr lang="nb-NO" dirty="0" smtClean="0"/>
+              <a:t>iOS and Android</a:t>
+            </a:r>
+          </a:p>
+          <a:p>
             <a:pPr lvl="1"/>
             <a:r>
-              <a:rPr lang="nb-NO" kern="1200" dirty="0">
-                <a:latin typeface="+mj-lt"/>
-                <a:ea typeface="+mj-ea"/>
-                <a:cs typeface="+mj-cs"/>
-              </a:rPr>
-              <a:t>Device manager – Flash content</a:t>
+              <a:rPr lang="nb-NO" dirty="0" smtClean="0"/>
+              <a:t>When the GATT client receives an ‘</a:t>
+            </a:r>
+            <a:r>
+              <a:rPr lang="nb-NO" i="1" dirty="0" smtClean="0"/>
+              <a:t>ATT error: insufficient auhentichation</a:t>
+            </a:r>
+            <a:r>
+              <a:rPr lang="nb-NO" dirty="0" smtClean="0"/>
+              <a:t>’</a:t>
+            </a:r>
+          </a:p>
+          <a:p>
+            <a:r>
+              <a:rPr lang="nb-NO" dirty="0" smtClean="0"/>
+              <a:t>Win 8:</a:t>
+            </a:r>
+          </a:p>
+          <a:p>
+            <a:pPr lvl="1"/>
+            <a:r>
+              <a:rPr lang="nb-NO" dirty="0" smtClean="0"/>
+              <a:t>Sends SMP pairing request regardless,</a:t>
+            </a:r>
+          </a:p>
+          <a:p>
+            <a:pPr lvl="2"/>
+            <a:r>
+              <a:rPr lang="nb-NO" dirty="0" smtClean="0"/>
+              <a:t>except for when connecting to the nRF8001</a:t>
+            </a:r>
+          </a:p>
+          <a:p>
+            <a:pPr marL="0" indent="0">
+              <a:buNone/>
+            </a:pPr>
+            <a:r>
+              <a:rPr lang="nb-NO" dirty="0" smtClean="0"/>
+              <a:t>How:</a:t>
+            </a:r>
+            <a:endParaRPr lang="nb-NO" dirty="0"/>
+          </a:p>
+          <a:p>
+            <a:r>
+              <a:rPr lang="nb-NO" dirty="0" smtClean="0"/>
+              <a:t>In central role</a:t>
+            </a:r>
+          </a:p>
+          <a:p>
+            <a:pPr lvl="1"/>
+            <a:r>
+              <a:rPr lang="nb-NO" dirty="0" smtClean="0"/>
+              <a:t>Send </a:t>
+            </a:r>
+            <a:r>
+              <a:rPr lang="en-US" dirty="0"/>
+              <a:t> SMP Pairing </a:t>
+            </a:r>
+            <a:r>
+              <a:rPr lang="en-US" dirty="0" smtClean="0"/>
+              <a:t>Request</a:t>
+            </a:r>
+          </a:p>
+          <a:p>
+            <a:r>
+              <a:rPr lang="en-US" dirty="0" smtClean="0"/>
+              <a:t>In peripheral role,</a:t>
+            </a:r>
+          </a:p>
+          <a:p>
+            <a:pPr lvl="1"/>
+            <a:r>
+              <a:rPr lang="en-US" dirty="0" smtClean="0"/>
+              <a:t>Send SMP </a:t>
+            </a:r>
+            <a:r>
+              <a:rPr lang="en-US" dirty="0"/>
+              <a:t>Security </a:t>
+            </a:r>
+            <a:r>
+              <a:rPr lang="en-US" dirty="0" smtClean="0"/>
+              <a:t>Request</a:t>
+            </a:r>
+            <a:endParaRPr lang="nb-NO" dirty="0"/>
+          </a:p>
+          <a:p>
+            <a:pPr lvl="1"/>
+            <a:endParaRPr lang="nb-NO" dirty="0" smtClean="0"/>
+          </a:p>
+          <a:p>
+            <a:r>
+              <a:rPr lang="nb-NO" dirty="0" smtClean="0"/>
+              <a:t>It is common that the peripheral send a SMP security request when reconnecting to a already bonded device.</a:t>
             </a:r>
           </a:p>
         </p:txBody>
@@ -19788,86 +19976,23 @@
           <a:lstStyle/>
           <a:p>
             <a:r>
-              <a:rPr lang="en-US" dirty="0" smtClean="0"/>
+              <a:rPr lang="en-US" smtClean="0"/>
               <a:t>PRESENTATION TITLE</a:t>
             </a:r>
             <a:endParaRPr lang="nb-NO" dirty="0"/>
           </a:p>
         </p:txBody>
       </p:sp>
-      <p:pic>
-        <p:nvPicPr>
-          <p:cNvPr id="8230" name="Picture 38"/>
-          <p:cNvPicPr>
-            <a:picLocks noGrp="1" noChangeAspect="1" noChangeArrowheads="1"/>
-          </p:cNvPicPr>
-          <p:nvPr>
-            <p:ph idx="1"/>
-          </p:nvPr>
-        </p:nvPicPr>
-        <p:blipFill>
-          <a:blip r:embed="rId2">
-            <a:extLst>
-              <a:ext uri="{28A0092B-C50C-407E-A947-70E740481C1C}">
-                <a14:useLocalDpi xmlns:a14="http://schemas.microsoft.com/office/drawing/2010/main" val="0"/>
-              </a:ext>
-            </a:extLst>
-          </a:blip>
-          <a:srcRect/>
-          <a:stretch>
-            <a:fillRect/>
-          </a:stretch>
-        </p:blipFill>
-        <p:spPr bwMode="auto">
-          <a:xfrm>
-            <a:off x="834132" y="2209800"/>
-            <a:ext cx="7445573" cy="3667125"/>
-          </a:xfrm>
-          <a:prstGeom prst="rect">
-            <a:avLst/>
-          </a:prstGeom>
-          <a:noFill/>
-          <a:ln>
-            <a:noFill/>
-          </a:ln>
-          <a:extLst>
-            <a:ext uri="{909E8E84-426E-40DD-AFC4-6F175D3DCCD1}">
-              <a14:hiddenFill xmlns:a14="http://schemas.microsoft.com/office/drawing/2010/main">
-                <a:solidFill>
-                  <a:schemeClr val="accent1"/>
-                </a:solidFill>
-              </a14:hiddenFill>
-            </a:ext>
-            <a:ext uri="{91240B29-F687-4F45-9708-019B960494DF}">
-              <a14:hiddenLine xmlns:a14="http://schemas.microsoft.com/office/drawing/2010/main" w="9525">
-                <a:solidFill>
-                  <a:schemeClr val="tx1"/>
-                </a:solidFill>
-                <a:miter lim="800000"/>
-                <a:headEnd/>
-                <a:tailEnd/>
-              </a14:hiddenLine>
-            </a:ext>
-          </a:extLst>
-        </p:spPr>
-      </p:pic>
     </p:spTree>
     <p:extLst>
       <p:ext uri="{BB962C8B-B14F-4D97-AF65-F5344CB8AC3E}">
-        <p14:creationId xmlns:p14="http://schemas.microsoft.com/office/powerpoint/2010/main" val="2409641601"/>
+        <p14:creationId xmlns:p14="http://schemas.microsoft.com/office/powerpoint/2010/main" val="3966074742"/>
       </p:ext>
     </p:extLst>
   </p:cSld>
   <p:clrMapOvr>
     <a:masterClrMapping/>
   </p:clrMapOvr>
-  <p:timing>
-    <p:tnLst>
-      <p:par>
-        <p:cTn id="1" dur="indefinite" restart="never" nodeType="tmRoot"/>
-      </p:par>
-    </p:tnLst>
-  </p:timing>
 </p:sld>
 </file>
 
@@ -19903,13 +20028,14 @@
           <a:bodyPr/>
           <a:lstStyle/>
           <a:p>
-            <a:r>
-              <a:rPr lang="nb-NO" dirty="0" smtClean="0"/>
-              <a:t>Device manager - </a:t>
-            </a:r>
-            <a:r>
-              <a:rPr lang="nb-NO" dirty="0"/>
-              <a:t>Set-up APIs</a:t>
+            <a:pPr lvl="1"/>
+            <a:r>
+              <a:rPr lang="nb-NO" kern="1200" dirty="0">
+                <a:latin typeface="+mj-lt"/>
+                <a:ea typeface="+mj-ea"/>
+                <a:cs typeface="+mj-cs"/>
+              </a:rPr>
+              <a:t>Device manager - Bonding Information</a:t>
             </a:r>
           </a:p>
         </p:txBody>
@@ -19926,77 +20052,86 @@
         </p:nvSpPr>
         <p:spPr/>
         <p:txBody>
-          <a:bodyPr>
-            <a:normAutofit/>
-          </a:bodyPr>
-          <a:lstStyle/>
-          <a:p>
-            <a:r>
-              <a:rPr lang="nb-NO" dirty="0" smtClean="0"/>
-              <a:t>dm_init(dm_init_param_t );</a:t>
+          <a:bodyPr/>
+          <a:lstStyle/>
+          <a:p>
+            <a:r>
+              <a:rPr lang="en-US" dirty="0"/>
+              <a:t>Bond information is the information exchanged between local and peer device to establish a bond. It also includes peer identification information, like the peer address or the IRK or both. From here on this category of information is referred to as Device Context</a:t>
+            </a:r>
+            <a:r>
+              <a:rPr lang="en-US" dirty="0" smtClean="0"/>
+              <a:t>.</a:t>
             </a:r>
           </a:p>
           <a:p>
             <a:pPr lvl="1"/>
             <a:r>
+              <a:rPr lang="en-US" dirty="0" smtClean="0"/>
+              <a:t>EDIV – Used to identify LTK</a:t>
+            </a:r>
+            <a:endParaRPr lang="en-US" dirty="0" smtClean="0"/>
+          </a:p>
+          <a:p>
+            <a:pPr lvl="1"/>
+            <a:r>
+              <a:rPr lang="en-US" dirty="0" smtClean="0"/>
+              <a:t>RAND – Used to identify LTK</a:t>
+            </a:r>
+            <a:endParaRPr lang="en-US" dirty="0" smtClean="0"/>
+          </a:p>
+          <a:p>
+            <a:pPr lvl="1"/>
+            <a:r>
+              <a:rPr lang="en-US" dirty="0" smtClean="0"/>
+              <a:t>IRK – used for whitelisting with private resolvable address (iOS)</a:t>
+            </a:r>
+            <a:endParaRPr lang="en-US" dirty="0" smtClean="0"/>
+          </a:p>
+          <a:p>
+            <a:pPr lvl="1"/>
+            <a:r>
+              <a:rPr lang="en-US" dirty="0" smtClean="0"/>
+              <a:t>Device </a:t>
+            </a:r>
+            <a:r>
+              <a:rPr lang="en-US" dirty="0" smtClean="0"/>
+              <a:t>Address – Used for whitelisting static addresses (public and random)</a:t>
+            </a:r>
+            <a:endParaRPr lang="en-US" dirty="0" smtClean="0"/>
+          </a:p>
+          <a:p>
+            <a:pPr lvl="1"/>
+            <a:r>
+              <a:rPr lang="en-US" dirty="0" smtClean="0"/>
+              <a:t>LTK – Used to encrypt when re-establishing a bond</a:t>
+            </a:r>
+          </a:p>
+          <a:p>
+            <a:endParaRPr lang="en-US" dirty="0" smtClean="0"/>
+          </a:p>
+          <a:p>
+            <a:r>
+              <a:rPr lang="en-US" dirty="0" err="1" smtClean="0"/>
+              <a:t>Ellisys</a:t>
+            </a:r>
+            <a:r>
+              <a:rPr lang="en-US" dirty="0" smtClean="0"/>
+              <a:t> </a:t>
+            </a:r>
+            <a:r>
               <a:rPr lang="en-US" dirty="0"/>
-              <a:t>Must called before any other APIs of the module are </a:t>
-            </a:r>
-            <a:r>
-              <a:rPr lang="en-US" dirty="0" smtClean="0"/>
-              <a:t>used</a:t>
-            </a:r>
-          </a:p>
-          <a:p>
-            <a:r>
-              <a:rPr lang="nb-NO" dirty="0"/>
-              <a:t>dm_init_param_t </a:t>
-            </a:r>
+              <a:t>trace that shows </a:t>
+            </a:r>
+            <a:r>
+              <a:rPr lang="en-US" dirty="0" smtClean="0"/>
+              <a:t>bonding</a:t>
+            </a:r>
+            <a:endParaRPr lang="en-US" dirty="0"/>
           </a:p>
           <a:p>
             <a:pPr lvl="1"/>
-            <a:r>
-              <a:rPr lang="en-US" dirty="0" err="1"/>
-              <a:t>bool</a:t>
-            </a:r>
-            <a:r>
-              <a:rPr lang="en-US" dirty="0"/>
-              <a:t> </a:t>
-            </a:r>
-            <a:r>
-              <a:rPr lang="en-US" dirty="0" err="1"/>
-              <a:t>clear_persistent_data</a:t>
-            </a:r>
-            <a:r>
-              <a:rPr lang="en-US" dirty="0"/>
-              <a:t>; /**&lt; Set to true in case the module should clear all persistent data</a:t>
-            </a:r>
-            <a:r>
-              <a:rPr lang="en-US" dirty="0" smtClean="0"/>
-              <a:t>.</a:t>
-            </a:r>
-          </a:p>
-          <a:p>
-            <a:pPr lvl="1"/>
-            <a:r>
-              <a:rPr lang="en-US" dirty="0"/>
-              <a:t>E.g. </a:t>
-            </a:r>
-            <a:r>
-              <a:rPr lang="en-US" dirty="0" err="1"/>
-              <a:t>init_param.clear_persistent_data</a:t>
-            </a:r>
-            <a:r>
-              <a:rPr lang="en-US" dirty="0"/>
-              <a:t> = false;</a:t>
-            </a:r>
             <a:endParaRPr lang="nb-NO" dirty="0"/>
-          </a:p>
-          <a:p>
-            <a:pPr marL="228600" lvl="1" indent="0">
-              <a:buNone/>
-            </a:pPr>
-            <a:endParaRPr lang="nb-NO" dirty="0" smtClean="0"/>
           </a:p>
         </p:txBody>
       </p:sp>
@@ -20050,7 +20185,7 @@
     </p:spTree>
     <p:extLst>
       <p:ext uri="{BB962C8B-B14F-4D97-AF65-F5344CB8AC3E}">
-        <p14:creationId xmlns:p14="http://schemas.microsoft.com/office/powerpoint/2010/main" val="2055467356"/>
+        <p14:creationId xmlns:p14="http://schemas.microsoft.com/office/powerpoint/2010/main" val="2455163093"/>
       </p:ext>
     </p:extLst>
   </p:cSld>
@@ -20086,12 +20221,12 @@
       </p:grpSpPr>
       <p:sp>
         <p:nvSpPr>
-          <p:cNvPr id="2" name="Title 1"/>
-          <p:cNvSpPr>
-            <a:spLocks noGrp="1"/>
-          </p:cNvSpPr>
-          <p:nvPr>
-            <p:ph type="title"/>
+          <p:cNvPr id="3" name="Content Placeholder 2"/>
+          <p:cNvSpPr>
+            <a:spLocks noGrp="1"/>
+          </p:cNvSpPr>
+          <p:nvPr>
+            <p:ph idx="1"/>
           </p:nvPr>
         </p:nvSpPr>
         <p:spPr/>
@@ -20100,192 +20235,67 @@
           <a:lstStyle/>
           <a:p>
             <a:r>
-              <a:rPr lang="nb-NO" dirty="0" smtClean="0"/>
-              <a:t>Device manager - </a:t>
-            </a:r>
-            <a:r>
-              <a:rPr lang="nb-NO" dirty="0"/>
-              <a:t>Set-up APIs</a:t>
-            </a:r>
-          </a:p>
-        </p:txBody>
-      </p:sp>
-      <p:sp>
-        <p:nvSpPr>
-          <p:cNvPr id="3" name="Content Placeholder 2"/>
-          <p:cNvSpPr>
-            <a:spLocks noGrp="1"/>
-          </p:cNvSpPr>
-          <p:nvPr>
-            <p:ph idx="1"/>
-          </p:nvPr>
-        </p:nvSpPr>
-        <p:spPr/>
-        <p:txBody>
-          <a:bodyPr>
-            <a:normAutofit/>
-          </a:bodyPr>
-          <a:lstStyle/>
-          <a:p>
-            <a:r>
-              <a:rPr lang="fr-FR" dirty="0" err="1" smtClean="0"/>
-              <a:t>dm_register</a:t>
-            </a:r>
-            <a:r>
-              <a:rPr lang="fr-FR" dirty="0" smtClean="0"/>
-              <a:t>(</a:t>
-            </a:r>
-            <a:r>
-              <a:rPr lang="fr-FR" dirty="0" err="1" smtClean="0"/>
-              <a:t>dm_application_instance_t</a:t>
-            </a:r>
-            <a:r>
-              <a:rPr lang="fr-FR" dirty="0" smtClean="0"/>
-              <a:t> , </a:t>
-            </a:r>
-            <a:r>
-              <a:rPr lang="fr-FR" dirty="0" err="1" smtClean="0"/>
-              <a:t>dm_application_param_t</a:t>
-            </a:r>
-            <a:r>
-              <a:rPr lang="fr-FR" dirty="0" smtClean="0"/>
-              <a:t> );</a:t>
-            </a:r>
+              <a:rPr lang="en-US" dirty="0"/>
+              <a:t>Service/Protocol information is the information retained for the peer to save on one-time procedures like the GATT Service Discovery procedures and Service Configurations. It allows devices to resume data exchange on subsequent reconnection without having to perform initial set-up procedures each time. From here on this category is referred to as Service </a:t>
+            </a:r>
+            <a:r>
+              <a:rPr lang="en-US" dirty="0" smtClean="0"/>
+              <a:t>Context.</a:t>
+            </a:r>
+          </a:p>
+          <a:p>
+            <a:r>
+              <a:rPr lang="en-US" dirty="0" smtClean="0"/>
+              <a:t>For GATT server: </a:t>
+            </a:r>
+            <a:r>
+              <a:rPr lang="en-US" dirty="0"/>
+              <a:t>CCCD values (6bytes)</a:t>
+            </a:r>
+            <a:endParaRPr lang="en-US" dirty="0" smtClean="0"/>
           </a:p>
           <a:p>
             <a:pPr lvl="1"/>
             <a:r>
               <a:rPr lang="en-US" dirty="0" smtClean="0"/>
-              <a:t>used </a:t>
+              <a:t>2 </a:t>
             </a:r>
             <a:r>
               <a:rPr lang="en-US" dirty="0"/>
-              <a:t>by the application to register for asynchronous events with </a:t>
-            </a:r>
-            <a:r>
-              <a:rPr lang="en-US" dirty="0" smtClean="0"/>
-              <a:t>the device manager.</a:t>
-            </a:r>
+              <a:t>first bytes are the handle, </a:t>
+            </a:r>
+            <a:endParaRPr lang="en-US" dirty="0" smtClean="0"/>
           </a:p>
           <a:p>
             <a:pPr lvl="1"/>
             <a:r>
               <a:rPr lang="en-US" dirty="0" smtClean="0"/>
-              <a:t>During </a:t>
+              <a:t>2 </a:t>
             </a:r>
             <a:r>
               <a:rPr lang="en-US" dirty="0"/>
-              <a:t>registration the application also indicates the services that </a:t>
-            </a:r>
-            <a:r>
-              <a:rPr lang="en-US" dirty="0" smtClean="0"/>
-              <a:t>it intends </a:t>
+              <a:t>bytes is the length of the </a:t>
+            </a:r>
+            <a:r>
+              <a:rPr lang="en-US" dirty="0" smtClean="0"/>
+              <a:t>data</a:t>
+            </a:r>
+          </a:p>
+          <a:p>
+            <a:pPr lvl="1"/>
+            <a:r>
+              <a:rPr lang="en-US" dirty="0" smtClean="0"/>
+              <a:t>2 </a:t>
             </a:r>
             <a:r>
               <a:rPr lang="en-US" dirty="0"/>
-              <a:t>to support on this </a:t>
-            </a:r>
-            <a:r>
-              <a:rPr lang="en-US" dirty="0" smtClean="0"/>
-              <a:t>instance.</a:t>
-            </a:r>
-          </a:p>
-          <a:p>
-            <a:pPr lvl="1"/>
-            <a:r>
-              <a:rPr lang="en-US" dirty="0" smtClean="0"/>
-              <a:t>At </a:t>
-            </a:r>
-            <a:r>
-              <a:rPr lang="en-US" dirty="0"/>
-              <a:t>least one instance shall be registered with the device manager </a:t>
-            </a:r>
-            <a:r>
-              <a:rPr lang="en-US" dirty="0" smtClean="0"/>
-              <a:t>after the </a:t>
-            </a:r>
-            <a:r>
-              <a:rPr lang="en-US" dirty="0"/>
-              <a:t>module has been initialized.</a:t>
-            </a:r>
-          </a:p>
-          <a:p>
-            <a:pPr lvl="1"/>
-            <a:r>
-              <a:rPr lang="en-US" dirty="0"/>
-              <a:t>DM_MAX_APPLICATIONS </a:t>
-            </a:r>
-            <a:r>
-              <a:rPr lang="en-US" dirty="0" smtClean="0"/>
-              <a:t>= Maximum </a:t>
-            </a:r>
-            <a:r>
-              <a:rPr lang="en-US" dirty="0"/>
-              <a:t>number of application instances device manager can </a:t>
-            </a:r>
-            <a:r>
-              <a:rPr lang="en-US" dirty="0" smtClean="0"/>
-              <a:t>support. (</a:t>
-            </a:r>
-            <a:r>
-              <a:rPr lang="en-US" dirty="0" smtClean="0">
-                <a:solidFill>
-                  <a:srgbClr val="FF0000"/>
-                </a:solidFill>
-              </a:rPr>
-              <a:t>currently max 1</a:t>
-            </a:r>
-            <a:r>
-              <a:rPr lang="en-US" dirty="0" smtClean="0">
-                <a:solidFill>
-                  <a:srgbClr val="FF0000"/>
-                </a:solidFill>
-              </a:rPr>
-              <a:t>)</a:t>
-            </a:r>
-          </a:p>
-          <a:p>
-            <a:pPr lvl="1"/>
-            <a:r>
-              <a:rPr lang="en-US" dirty="0" smtClean="0">
-                <a:solidFill>
-                  <a:srgbClr val="FF0000"/>
-                </a:solidFill>
-              </a:rPr>
-              <a:t>It will be </a:t>
-            </a:r>
-            <a:r>
-              <a:rPr lang="en-US" dirty="0">
-                <a:solidFill>
-                  <a:srgbClr val="FF0000"/>
-                </a:solidFill>
-              </a:rPr>
-              <a:t>possible to register multiple times with the device </a:t>
-            </a:r>
-            <a:r>
-              <a:rPr lang="en-US" dirty="0" smtClean="0">
-                <a:solidFill>
-                  <a:srgbClr val="FF0000"/>
-                </a:solidFill>
-              </a:rPr>
-              <a:t>manager in the future. </a:t>
-            </a:r>
-            <a:r>
-              <a:rPr lang="en-US" dirty="0">
-                <a:solidFill>
-                  <a:srgbClr val="FF0000"/>
-                </a:solidFill>
-              </a:rPr>
-              <a:t>(not implemented yet)</a:t>
-            </a:r>
-          </a:p>
-          <a:p>
-            <a:pPr lvl="1"/>
-            <a:endParaRPr lang="en-US" dirty="0" smtClean="0">
-              <a:solidFill>
-                <a:srgbClr val="FF0000"/>
-              </a:solidFill>
-            </a:endParaRPr>
+              <a:t>bytes </a:t>
+            </a:r>
+            <a:r>
+              <a:rPr lang="en-US" dirty="0" smtClean="0"/>
+              <a:t>data</a:t>
+            </a:r>
+            <a:endParaRPr lang="en-US" dirty="0"/>
           </a:p>
         </p:txBody>
       </p:sp>
@@ -20336,10 +20346,36 @@
           </a:p>
         </p:txBody>
       </p:sp>
+      <p:sp>
+        <p:nvSpPr>
+          <p:cNvPr id="6" name="Title 5"/>
+          <p:cNvSpPr>
+            <a:spLocks noGrp="1"/>
+          </p:cNvSpPr>
+          <p:nvPr>
+            <p:ph type="title"/>
+          </p:nvPr>
+        </p:nvSpPr>
+        <p:spPr/>
+        <p:txBody>
+          <a:bodyPr/>
+          <a:lstStyle/>
+          <a:p>
+            <a:r>
+              <a:rPr lang="nb-NO" dirty="0" smtClean="0"/>
+              <a:t>Device Manager - Service/Protocol </a:t>
+            </a:r>
+            <a:r>
+              <a:rPr lang="nb-NO" dirty="0"/>
+              <a:t>Information</a:t>
+            </a:r>
+          </a:p>
+        </p:txBody>
+      </p:sp>
     </p:spTree>
     <p:extLst>
       <p:ext uri="{BB962C8B-B14F-4D97-AF65-F5344CB8AC3E}">
-        <p14:creationId xmlns:p14="http://schemas.microsoft.com/office/powerpoint/2010/main" val="2525723479"/>
+        <p14:creationId xmlns:p14="http://schemas.microsoft.com/office/powerpoint/2010/main" val="341447180"/>
       </p:ext>
     </p:extLst>
   </p:cSld>
@@ -20460,36 +20496,20 @@
           <a:p>
             <a:r>
               <a:rPr lang="nb-NO" dirty="0" smtClean="0"/>
-              <a:t>Concurrent </a:t>
-            </a:r>
-            <a:r>
-              <a:rPr lang="nb-NO" dirty="0" smtClean="0"/>
-              <a:t>broadcaster</a:t>
-            </a:r>
-          </a:p>
-          <a:p>
-            <a:r>
-              <a:rPr lang="nb-NO" dirty="0" smtClean="0"/>
-              <a:t>Timeslot </a:t>
-            </a:r>
-            <a:r>
-              <a:rPr lang="nb-NO" dirty="0" smtClean="0"/>
-              <a:t>API</a:t>
+              <a:t>Concurrent broadcaster</a:t>
+            </a:r>
+          </a:p>
+          <a:p>
+            <a:r>
+              <a:rPr lang="nb-NO" dirty="0" smtClean="0"/>
+              <a:t>Timeslot API</a:t>
             </a:r>
           </a:p>
           <a:p>
             <a:pPr lvl="1"/>
             <a:r>
               <a:rPr lang="nb-NO" dirty="0" smtClean="0"/>
-              <a:t>Will n</a:t>
-            </a:r>
-            <a:r>
-              <a:rPr lang="nb-NO" dirty="0" smtClean="0"/>
-              <a:t>ot be </a:t>
-            </a:r>
-            <a:r>
-              <a:rPr lang="nb-NO" dirty="0" smtClean="0"/>
-              <a:t>production level tested in S130 v1.0.0</a:t>
+              <a:t>Will not be production level tested in S130 v1.0.0</a:t>
             </a:r>
           </a:p>
         </p:txBody>
@@ -21120,13 +21140,14 @@
           <a:bodyPr/>
           <a:lstStyle/>
           <a:p>
-            <a:r>
-              <a:rPr lang="nb-NO" dirty="0" smtClean="0"/>
-              <a:t>Device manager - </a:t>
-            </a:r>
-            <a:r>
-              <a:rPr lang="nb-NO" dirty="0"/>
-              <a:t>Set-up APIs</a:t>
+            <a:pPr lvl="1"/>
+            <a:r>
+              <a:rPr lang="nb-NO" kern="1200" dirty="0">
+                <a:latin typeface="+mj-lt"/>
+                <a:ea typeface="+mj-ea"/>
+                <a:cs typeface="+mj-cs"/>
+              </a:rPr>
+              <a:t>Device manager - Application Information</a:t>
             </a:r>
           </a:p>
         </p:txBody>
@@ -21143,80 +21164,12 @@
         </p:nvSpPr>
         <p:spPr/>
         <p:txBody>
-          <a:bodyPr>
-            <a:normAutofit/>
-          </a:bodyPr>
-          <a:lstStyle/>
-          <a:p>
-            <a:r>
-              <a:rPr lang="nb-NO" dirty="0" smtClean="0"/>
-              <a:t>dm_ble_evt_handler(ble_evt_t);</a:t>
-            </a:r>
-          </a:p>
-          <a:p>
-            <a:pPr lvl="1"/>
+          <a:bodyPr/>
+          <a:lstStyle/>
+          <a:p>
             <a:r>
               <a:rPr lang="en-US" dirty="0"/>
-              <a:t>BLE Event Handler for the module. This routine should be called from BLE stack </a:t>
-            </a:r>
-            <a:r>
-              <a:rPr lang="en-US" dirty="0" smtClean="0"/>
-              <a:t>event dispatcher </a:t>
-            </a:r>
-            <a:r>
-              <a:rPr lang="en-US" dirty="0"/>
-              <a:t>for the module to work as expected</a:t>
-            </a:r>
-            <a:r>
-              <a:rPr lang="en-US" dirty="0" smtClean="0"/>
-              <a:t>.</a:t>
-            </a:r>
-          </a:p>
-          <a:p>
-            <a:pPr lvl="1"/>
-            <a:endParaRPr lang="en-US" dirty="0"/>
-          </a:p>
-          <a:p>
-            <a:r>
-              <a:rPr lang="nb-NO" dirty="0" smtClean="0"/>
-              <a:t>app_evt_notify is called from </a:t>
-            </a:r>
-            <a:r>
-              <a:rPr lang="nb-NO" dirty="0"/>
-              <a:t>dm_ble_evt_handler</a:t>
-            </a:r>
-          </a:p>
-          <a:p>
-            <a:pPr lvl="2"/>
-            <a:r>
-              <a:rPr lang="nb-NO" dirty="0" smtClean="0"/>
-              <a:t>app_evt_notify</a:t>
-            </a:r>
-            <a:r>
-              <a:rPr lang="nb-NO" dirty="0"/>
-              <a:t>(&amp;dm_handle, &amp;dm_event, result</a:t>
-            </a:r>
-            <a:r>
-              <a:rPr lang="nb-NO" dirty="0"/>
-              <a:t>);</a:t>
-            </a:r>
-          </a:p>
-          <a:p>
-            <a:pPr lvl="1"/>
-            <a:r>
-              <a:rPr lang="nb-NO" dirty="0" smtClean="0"/>
-              <a:t>This forwards events to the device_manager_event_handler</a:t>
-            </a:r>
-          </a:p>
-          <a:p>
-            <a:pPr lvl="2"/>
-            <a:r>
-              <a:rPr lang="nb-NO" dirty="0" smtClean="0"/>
-              <a:t>Registered with </a:t>
-            </a:r>
-            <a:r>
-              <a:rPr lang="fr-FR" dirty="0" err="1"/>
-              <a:t>dm_register</a:t>
+              <a:t>Application information is the context that the application would like to associate with each of the bonded device. For example, if the application chooses to rank its peers in order to manage them better, the rank information could be treated as Application Information. This storage space is provided to save the application from maintaining a mapping table with each Device Instance and Application Information. However, if the application have no use for this, it is possible to not use or employ this at compile time. From here on this category of information is referred to as Application Context.</a:t>
             </a:r>
             <a:endParaRPr lang="nb-NO" dirty="0"/>
           </a:p>
@@ -21272,7 +21225,7 @@
     </p:spTree>
     <p:extLst>
       <p:ext uri="{BB962C8B-B14F-4D97-AF65-F5344CB8AC3E}">
-        <p14:creationId xmlns:p14="http://schemas.microsoft.com/office/powerpoint/2010/main" val="261899595"/>
+        <p14:creationId xmlns:p14="http://schemas.microsoft.com/office/powerpoint/2010/main" val="1064654935"/>
       </p:ext>
     </p:extLst>
   </p:cSld>
@@ -21321,143 +21274,15 @@
           <a:bodyPr/>
           <a:lstStyle/>
           <a:p>
-            <a:r>
-              <a:rPr lang="nb-NO" dirty="0" smtClean="0"/>
-              <a:t>Device manager - </a:t>
-            </a:r>
-            <a:r>
-              <a:rPr lang="en-US" dirty="0"/>
-              <a:t>APIs to set up or read status of security on a link.</a:t>
-            </a:r>
-            <a:endParaRPr lang="nb-NO" dirty="0"/>
-          </a:p>
-        </p:txBody>
-      </p:sp>
-      <p:sp>
-        <p:nvSpPr>
-          <p:cNvPr id="3" name="Content Placeholder 2"/>
-          <p:cNvSpPr>
-            <a:spLocks noGrp="1"/>
-          </p:cNvSpPr>
-          <p:nvPr>
-            <p:ph idx="1"/>
-          </p:nvPr>
-        </p:nvSpPr>
-        <p:spPr/>
-        <p:txBody>
-          <a:bodyPr>
-            <a:normAutofit/>
-          </a:bodyPr>
-          <a:lstStyle/>
-          <a:p>
-            <a:r>
-              <a:rPr lang="nb-NO" dirty="0"/>
-              <a:t>dm_security_setup_req(dm_handle_t * p_handle</a:t>
-            </a:r>
-            <a:r>
-              <a:rPr lang="nb-NO" dirty="0" smtClean="0"/>
-              <a:t>);</a:t>
-            </a:r>
-          </a:p>
-          <a:p>
             <a:pPr lvl="1"/>
             <a:r>
-              <a:rPr lang="en-US" dirty="0" smtClean="0"/>
-              <a:t>This </a:t>
-            </a:r>
-            <a:r>
-              <a:rPr lang="en-US" dirty="0"/>
-              <a:t>API initiates security procedures with a peer device.</a:t>
-            </a:r>
-          </a:p>
-          <a:p>
-            <a:pPr lvl="1"/>
-            <a:r>
-              <a:rPr lang="en-US" dirty="0" smtClean="0"/>
-              <a:t>For </a:t>
-            </a:r>
-            <a:r>
-              <a:rPr lang="en-US" dirty="0"/>
-              <a:t>the GAP Central role, in case peer is not bonded, request to bond/pair </a:t>
-            </a:r>
-            <a:r>
-              <a:rPr lang="en-US" dirty="0" smtClean="0"/>
-              <a:t>is initiated</a:t>
-            </a:r>
-            <a:r>
-              <a:rPr lang="en-US" dirty="0"/>
-              <a:t>. If it is bonded, the link is re-encrypted using the existing bond information.</a:t>
-            </a:r>
-          </a:p>
-          <a:p>
-            <a:pPr lvl="1"/>
-            <a:r>
-              <a:rPr lang="en-US" dirty="0" smtClean="0"/>
-              <a:t>For </a:t>
-            </a:r>
-            <a:r>
-              <a:rPr lang="en-US" dirty="0"/>
-              <a:t>the GAP peripheral role, a Slave security request is sent.</a:t>
-            </a:r>
-          </a:p>
-          <a:p>
-            <a:pPr lvl="1"/>
-            <a:r>
-              <a:rPr lang="en-US" dirty="0" smtClean="0"/>
-              <a:t>If </a:t>
-            </a:r>
-            <a:r>
-              <a:rPr lang="en-US" dirty="0"/>
-              <a:t>a pairing procedure is initiated successfully, application is notified </a:t>
-            </a:r>
-            <a:r>
-              <a:rPr lang="en-US" dirty="0" smtClean="0"/>
-              <a:t>of DM_EVT_SECURITY_SETUP_COMPLETE</a:t>
-            </a:r>
-            <a:r>
-              <a:rPr lang="en-US" dirty="0"/>
-              <a:t>. A result indicating success or failure is notified along with the event.</a:t>
-            </a:r>
-          </a:p>
-          <a:p>
-            <a:pPr lvl="1"/>
-            <a:r>
-              <a:rPr lang="en-US" dirty="0" smtClean="0"/>
-              <a:t>In </a:t>
-            </a:r>
-            <a:r>
-              <a:rPr lang="en-US" dirty="0"/>
-              <a:t>case the link is re-encrypted using existing bond information, </a:t>
-            </a:r>
-            <a:r>
-              <a:rPr lang="en-US" dirty="0" smtClean="0"/>
-              <a:t>DM_EVT_LINK_SECURED is notified </a:t>
-            </a:r>
-            <a:r>
-              <a:rPr lang="en-US" dirty="0"/>
-              <a:t>to the application</a:t>
-            </a:r>
-            <a:r>
-              <a:rPr lang="en-US" dirty="0" smtClean="0"/>
-              <a:t>.</a:t>
-            </a:r>
-            <a:endParaRPr lang="en-US" dirty="0"/>
-          </a:p>
-          <a:p>
-            <a:pPr lvl="1"/>
-            <a:r>
-              <a:rPr lang="en-US" dirty="0" err="1" smtClean="0"/>
-              <a:t>p_handle</a:t>
-            </a:r>
-            <a:r>
-              <a:rPr lang="en-US" dirty="0" smtClean="0"/>
-              <a:t> </a:t>
-            </a:r>
-            <a:r>
-              <a:rPr lang="en-US" dirty="0"/>
-              <a:t>Identifies the link on which security is desired.</a:t>
-            </a:r>
-            <a:endParaRPr lang="nb-NO" dirty="0"/>
+              <a:rPr lang="nb-NO" kern="1200" dirty="0">
+                <a:latin typeface="+mj-lt"/>
+                <a:ea typeface="+mj-ea"/>
+                <a:cs typeface="+mj-cs"/>
+              </a:rPr>
+              <a:t>Device manager – Flash content</a:t>
+            </a:r>
           </a:p>
         </p:txBody>
       </p:sp>
@@ -21508,10 +21333,66 @@
           </a:p>
         </p:txBody>
       </p:sp>
+      <p:pic>
+        <p:nvPicPr>
+          <p:cNvPr id="8230" name="Picture 38"/>
+          <p:cNvPicPr>
+            <a:picLocks noGrp="1" noChangeAspect="1" noChangeArrowheads="1"/>
+          </p:cNvPicPr>
+          <p:nvPr>
+            <p:ph idx="1"/>
+          </p:nvPr>
+        </p:nvPicPr>
+        <p:blipFill>
+          <a:blip r:embed="rId2">
+            <a:extLst>
+              <a:ext uri="{28A0092B-C50C-407E-A947-70E740481C1C}">
+                <a14:useLocalDpi xmlns:a14="http://schemas.microsoft.com/office/drawing/2010/main" val="0"/>
+              </a:ext>
+            </a:extLst>
+          </a:blip>
+          <a:srcRect/>
+          <a:stretch>
+            <a:fillRect/>
+          </a:stretch>
+        </p:blipFill>
+        <p:spPr bwMode="auto">
+          <a:xfrm>
+            <a:off x="834132" y="2209800"/>
+            <a:ext cx="7445573" cy="3667125"/>
+          </a:xfrm>
+          <a:prstGeom prst="rect">
+            <a:avLst/>
+          </a:prstGeom>
+          <a:noFill/>
+          <a:ln>
+            <a:noFill/>
+          </a:ln>
+          <a:extLst>
+            <a:ext uri="{909E8E84-426E-40DD-AFC4-6F175D3DCCD1}">
+              <a14:hiddenFill xmlns:a14="http://schemas.microsoft.com/office/drawing/2010/main">
+                <a:solidFill>
+                  <a:schemeClr val="accent1"/>
+                </a:solidFill>
+              </a14:hiddenFill>
+            </a:ext>
+            <a:ext uri="{91240B29-F687-4F45-9708-019B960494DF}">
+              <a14:hiddenLine xmlns:a14="http://schemas.microsoft.com/office/drawing/2010/main" w="9525">
+                <a:solidFill>
+                  <a:schemeClr val="tx1"/>
+                </a:solidFill>
+                <a:miter lim="800000"/>
+                <a:headEnd/>
+                <a:tailEnd/>
+              </a14:hiddenLine>
+            </a:ext>
+          </a:extLst>
+        </p:spPr>
+      </p:pic>
     </p:spTree>
     <p:extLst>
       <p:ext uri="{BB962C8B-B14F-4D97-AF65-F5344CB8AC3E}">
-        <p14:creationId xmlns:p14="http://schemas.microsoft.com/office/powerpoint/2010/main" val="2431236114"/>
+        <p14:creationId xmlns:p14="http://schemas.microsoft.com/office/powerpoint/2010/main" val="2409641601"/>
       </p:ext>
     </p:extLst>
   </p:cSld>
@@ -21565,10 +21446,9 @@
               <a:t>Device manager - </a:t>
             </a:r>
             <a:r>
-              <a:rPr lang="en-US" dirty="0"/>
-              <a:t>APIs to set up or read status of security on a link.</a:t>
-            </a:r>
-            <a:endParaRPr lang="nb-NO" dirty="0"/>
+              <a:rPr lang="nb-NO" dirty="0"/>
+              <a:t>Set-up APIs</a:t>
+            </a:r>
           </a:p>
         </p:txBody>
       </p:sp>
@@ -21590,141 +21470,71 @@
           <a:lstStyle/>
           <a:p>
             <a:r>
+              <a:rPr lang="nb-NO" dirty="0" smtClean="0"/>
+              <a:t>dm_init(dm_init_param_t );</a:t>
+            </a:r>
+          </a:p>
+          <a:p>
+            <a:pPr lvl="1"/>
+            <a:r>
+              <a:rPr lang="en-US" dirty="0"/>
+              <a:t>Must called before any other APIs of the module are </a:t>
+            </a:r>
+            <a:r>
+              <a:rPr lang="en-US" dirty="0" smtClean="0"/>
+              <a:t>used</a:t>
+            </a:r>
+          </a:p>
+          <a:p>
+            <a:r>
+              <a:rPr lang="nb-NO" dirty="0"/>
+              <a:t>dm_init_param_t </a:t>
+            </a:r>
+          </a:p>
+          <a:p>
+            <a:pPr lvl="1"/>
+            <a:r>
               <a:rPr lang="en-US" dirty="0" err="1"/>
-              <a:t>dm_security_status_req</a:t>
-            </a:r>
-            <a:r>
-              <a:rPr lang="en-US" dirty="0"/>
-              <a:t>(</a:t>
-            </a:r>
-            <a:r>
-              <a:rPr lang="en-US" dirty="0" err="1"/>
-              <a:t>dm_handle_t</a:t>
+              <a:t>bool</a:t>
             </a:r>
             <a:r>
               <a:rPr lang="en-US" dirty="0"/>
               <a:t> </a:t>
             </a:r>
             <a:r>
-              <a:rPr lang="en-US" dirty="0" smtClean="0"/>
-              <a:t>, </a:t>
-            </a:r>
-            <a:r>
-              <a:rPr lang="en-US" dirty="0" err="1" smtClean="0"/>
-              <a:t>dm_security_status_t</a:t>
-            </a:r>
-            <a:r>
-              <a:rPr lang="en-US" dirty="0" smtClean="0"/>
-              <a:t> );</a:t>
+              <a:rPr lang="en-US" dirty="0" err="1"/>
+              <a:t>clear_persistent_data</a:t>
+            </a:r>
+            <a:r>
+              <a:rPr lang="en-US" dirty="0"/>
+              <a:t>; /**&lt; Set to true in case the module should clear all persistent data</a:t>
+            </a:r>
+            <a:r>
+              <a:rPr lang="en-US" dirty="0" smtClean="0"/>
+              <a:t>.</a:t>
             </a:r>
           </a:p>
           <a:p>
             <a:pPr lvl="1"/>
             <a:r>
               <a:rPr lang="en-US" dirty="0"/>
-              <a:t>This API allows application to query status of security on a </a:t>
-            </a:r>
-            <a:r>
-              <a:rPr lang="en-US" dirty="0" smtClean="0"/>
-              <a:t>link</a:t>
-            </a:r>
-          </a:p>
-          <a:p>
-            <a:pPr lvl="1"/>
-            <a:r>
-              <a:rPr lang="en-US" dirty="0" err="1" smtClean="0"/>
-              <a:t>p_handle</a:t>
-            </a:r>
-            <a:r>
-              <a:rPr lang="en-US" dirty="0" smtClean="0"/>
-              <a:t> </a:t>
-            </a:r>
-          </a:p>
-          <a:p>
-            <a:pPr lvl="2"/>
-            <a:r>
-              <a:rPr lang="en-US" dirty="0" smtClean="0"/>
-              <a:t>Identifies </a:t>
+              <a:t>E.g. </a:t>
+            </a:r>
+            <a:r>
+              <a:rPr lang="en-US" dirty="0" err="1"/>
+              <a:t>init_param.clear_persistent_data</a:t>
             </a:r>
             <a:r>
               <a:rPr lang="en-US" dirty="0"/>
-              <a:t>the link on which security is desired.</a:t>
-            </a:r>
-          </a:p>
-          <a:p>
-            <a:pPr lvl="1"/>
-            <a:r>
-              <a:rPr lang="en-US" dirty="0" err="1" smtClean="0"/>
-              <a:t>p_status</a:t>
-            </a:r>
-            <a:r>
-              <a:rPr lang="en-US" dirty="0" smtClean="0"/>
-              <a:t> </a:t>
-            </a:r>
-          </a:p>
-          <a:p>
-            <a:pPr lvl="2"/>
-            <a:r>
-              <a:rPr lang="en-US" dirty="0" smtClean="0"/>
-              <a:t>Pointer </a:t>
-            </a:r>
-            <a:r>
-              <a:rPr lang="en-US" dirty="0"/>
-              <a:t>where security status is provided to the </a:t>
-            </a:r>
-            <a:r>
-              <a:rPr lang="en-US" dirty="0" smtClean="0"/>
-              <a:t>application. </a:t>
-            </a:r>
-          </a:p>
-          <a:p>
-            <a:pPr lvl="2"/>
-            <a:r>
-              <a:rPr lang="en-US" dirty="0" smtClean="0"/>
-              <a:t>ref </a:t>
-            </a:r>
-            <a:r>
-              <a:rPr lang="en-US" dirty="0" err="1"/>
-              <a:t>dm_security_status_t</a:t>
-            </a:r>
-            <a:r>
-              <a:rPr lang="en-US" dirty="0"/>
-              <a:t> for possible statuses that can be expected</a:t>
-            </a:r>
-            <a:r>
-              <a:rPr lang="en-US" dirty="0" smtClean="0"/>
-              <a:t>.</a:t>
-            </a:r>
-          </a:p>
-          <a:p>
-            <a:pPr lvl="3"/>
-            <a:r>
-              <a:rPr lang="en-US" dirty="0"/>
-              <a:t>NOT_ENCRYPTED,          /**&lt; The link is not secured. */</a:t>
-            </a:r>
-          </a:p>
-          <a:p>
-            <a:pPr lvl="3"/>
-            <a:r>
-              <a:rPr lang="en-US" dirty="0" smtClean="0"/>
-              <a:t>ENCRYPTION_IN_PROGRESS</a:t>
-            </a:r>
-            <a:r>
-              <a:rPr lang="en-US" dirty="0"/>
-              <a:t>, /**&lt; Link security is being established.*/</a:t>
-            </a:r>
-          </a:p>
-          <a:p>
-            <a:pPr lvl="3"/>
-            <a:r>
-              <a:rPr lang="en-US" dirty="0" smtClean="0"/>
-              <a:t>ENCRYPTED               </a:t>
-            </a:r>
-            <a:r>
-              <a:rPr lang="en-US" dirty="0"/>
-              <a:t>/**&lt; The link is secure.*/</a:t>
+              <a:t> = false;</a:t>
             </a:r>
             <a:endParaRPr lang="nb-NO" dirty="0"/>
+          </a:p>
+          <a:p>
+            <a:pPr marL="228600" lvl="1" indent="0">
+              <a:buNone/>
+            </a:pPr>
+            <a:endParaRPr lang="nb-NO" dirty="0" smtClean="0"/>
           </a:p>
         </p:txBody>
       </p:sp>
@@ -21778,7 +21588,7 @@
     </p:spTree>
     <p:extLst>
       <p:ext uri="{BB962C8B-B14F-4D97-AF65-F5344CB8AC3E}">
-        <p14:creationId xmlns:p14="http://schemas.microsoft.com/office/powerpoint/2010/main" val="4213237787"/>
+        <p14:creationId xmlns:p14="http://schemas.microsoft.com/office/powerpoint/2010/main" val="2055467356"/>
       </p:ext>
     </p:extLst>
   </p:cSld>
@@ -21832,10 +21642,9 @@
               <a:t>Device manager - </a:t>
             </a:r>
             <a:r>
-              <a:rPr lang="en-US" dirty="0"/>
-              <a:t>APIs to set up or read status of security on a link.</a:t>
-            </a:r>
-            <a:endParaRPr lang="nb-NO" dirty="0"/>
+              <a:rPr lang="nb-NO" dirty="0"/>
+              <a:t>Set-up APIs</a:t>
+            </a:r>
           </a:p>
         </p:txBody>
       </p:sp>
@@ -21857,82 +21666,156 @@
           <a:lstStyle/>
           <a:p>
             <a:r>
-              <a:rPr lang="en-US" dirty="0" err="1" smtClean="0"/>
-              <a:t>dm_whitelist_create</a:t>
-            </a:r>
-            <a:r>
-              <a:rPr lang="en-US" dirty="0" smtClean="0"/>
+              <a:rPr lang="fr-FR" dirty="0" err="1" smtClean="0"/>
+              <a:t>dm_register</a:t>
+            </a:r>
+            <a:r>
+              <a:rPr lang="fr-FR" dirty="0" smtClean="0"/>
               <a:t>(</a:t>
             </a:r>
             <a:r>
-              <a:rPr lang="en-US" dirty="0" err="1" smtClean="0"/>
+              <a:rPr lang="fr-FR" dirty="0" err="1" smtClean="0"/>
               <a:t>dm_application_instance_t</a:t>
             </a:r>
             <a:r>
-              <a:rPr lang="en-US" dirty="0" smtClean="0"/>
-              <a:t>, </a:t>
-            </a:r>
-            <a:r>
-              <a:rPr lang="en-US" dirty="0" err="1" smtClean="0"/>
-              <a:t>p_whitelist</a:t>
-            </a:r>
-            <a:r>
-              <a:rPr lang="en-US" dirty="0" smtClean="0"/>
-              <a:t>);</a:t>
+              <a:rPr lang="fr-FR" dirty="0" smtClean="0"/>
+              <a:t> , </a:t>
+            </a:r>
+            <a:r>
+              <a:rPr lang="fr-FR" dirty="0" err="1" smtClean="0"/>
+              <a:t>dm_application_param_t</a:t>
+            </a:r>
+            <a:r>
+              <a:rPr lang="fr-FR" dirty="0" smtClean="0"/>
+              <a:t> );</a:t>
             </a:r>
           </a:p>
           <a:p>
             <a:pPr lvl="1"/>
             <a:r>
+              <a:rPr lang="en-US" dirty="0" smtClean="0"/>
+              <a:t>used </a:t>
+            </a:r>
+            <a:r>
               <a:rPr lang="en-US" dirty="0"/>
-              <a:t>This API allows application to create whitelist based on bonded peer devices in </a:t>
-            </a:r>
-            <a:r>
-              <a:rPr lang="en-US" dirty="0" smtClean="0"/>
-              <a:t>the module data base</a:t>
+              <a:t>by the application to register for asynchronous events with </a:t>
+            </a:r>
+            <a:r>
+              <a:rPr lang="en-US" dirty="0" smtClean="0"/>
+              <a:t>the device manager.</a:t>
             </a:r>
           </a:p>
           <a:p>
             <a:pPr lvl="1"/>
             <a:r>
-              <a:rPr lang="en-US" dirty="0" err="1" smtClean="0"/>
-              <a:t>p_handle</a:t>
-            </a:r>
-            <a:endParaRPr lang="en-US" dirty="0"/>
-          </a:p>
-          <a:p>
-            <a:pPr lvl="2"/>
-            <a:r>
-              <a:rPr lang="en-US" dirty="0" smtClean="0"/>
-              <a:t>Identifies </a:t>
+              <a:rPr lang="en-US" dirty="0" smtClean="0"/>
+              <a:t>During </a:t>
             </a:r>
             <a:r>
               <a:rPr lang="en-US" dirty="0"/>
-              <a:t>the application requesting whitelist creation.</a:t>
+              <a:t>registration the application also indicates the services that </a:t>
+            </a:r>
+            <a:r>
+              <a:rPr lang="en-US" dirty="0" smtClean="0"/>
+              <a:t>it intends </a:t>
+            </a:r>
+            <a:r>
+              <a:rPr lang="en-US" dirty="0"/>
+              <a:t>to support on this </a:t>
+            </a:r>
+            <a:r>
+              <a:rPr lang="en-US" dirty="0" smtClean="0"/>
+              <a:t>instance.</a:t>
             </a:r>
           </a:p>
           <a:p>
             <a:pPr lvl="1"/>
             <a:r>
-              <a:rPr lang="en-US" dirty="0" err="1" smtClean="0"/>
-              <a:t>p_whitelist</a:t>
-            </a:r>
-            <a:endParaRPr lang="en-US" dirty="0"/>
-          </a:p>
-          <a:p>
-            <a:pPr lvl="2"/>
-            <a:r>
-              <a:rPr lang="en-US" dirty="0" smtClean="0"/>
-              <a:t>Pointer </a:t>
+              <a:rPr lang="en-US" dirty="0" smtClean="0"/>
+              <a:t>At </a:t>
             </a:r>
             <a:r>
               <a:rPr lang="en-US" dirty="0"/>
-              <a:t>where created whitelist is provided to the application</a:t>
-            </a:r>
-            <a:r>
-              <a:rPr lang="en-US" dirty="0" smtClean="0"/>
-              <a:t>.</a:t>
-            </a:r>
+              <a:t>least one instance shall be registered with the device manager </a:t>
+            </a:r>
+            <a:r>
+              <a:rPr lang="en-US" dirty="0" smtClean="0"/>
+              <a:t>after the </a:t>
+            </a:r>
+            <a:r>
+              <a:rPr lang="en-US" dirty="0"/>
+              <a:t>module has been initialized.</a:t>
+            </a:r>
+          </a:p>
+          <a:p>
+            <a:pPr lvl="1"/>
+            <a:r>
+              <a:rPr lang="en-US" dirty="0"/>
+              <a:t>DM_MAX_APPLICATIONS </a:t>
+            </a:r>
+            <a:r>
+              <a:rPr lang="en-US" dirty="0" smtClean="0"/>
+              <a:t>= Maximum </a:t>
+            </a:r>
+            <a:r>
+              <a:rPr lang="en-US" dirty="0"/>
+              <a:t>number of application instances device manager can </a:t>
+            </a:r>
+            <a:r>
+              <a:rPr lang="en-US" dirty="0" smtClean="0"/>
+              <a:t>support. (</a:t>
+            </a:r>
+            <a:r>
+              <a:rPr lang="en-US" dirty="0" smtClean="0">
+                <a:solidFill>
+                  <a:srgbClr val="FF0000"/>
+                </a:solidFill>
+              </a:rPr>
+              <a:t>currently max 1)</a:t>
+            </a:r>
+          </a:p>
+          <a:p>
+            <a:pPr lvl="1"/>
+            <a:r>
+              <a:rPr lang="en-US" dirty="0" smtClean="0">
+                <a:solidFill>
+                  <a:srgbClr val="FF0000"/>
+                </a:solidFill>
+              </a:rPr>
+              <a:t>It will be </a:t>
+            </a:r>
+            <a:r>
+              <a:rPr lang="en-US" dirty="0">
+                <a:solidFill>
+                  <a:srgbClr val="FF0000"/>
+                </a:solidFill>
+              </a:rPr>
+              <a:t>possible to register multiple times with the device </a:t>
+            </a:r>
+            <a:r>
+              <a:rPr lang="en-US" dirty="0" smtClean="0">
+                <a:solidFill>
+                  <a:srgbClr val="FF0000"/>
+                </a:solidFill>
+              </a:rPr>
+              <a:t>manager in the future. </a:t>
+            </a:r>
+            <a:r>
+              <a:rPr lang="en-US" dirty="0">
+                <a:solidFill>
+                  <a:srgbClr val="FF0000"/>
+                </a:solidFill>
+              </a:rPr>
+              <a:t>(not implemented yet)</a:t>
+            </a:r>
+          </a:p>
+          <a:p>
+            <a:pPr lvl="1"/>
+            <a:endParaRPr lang="en-US" dirty="0" smtClean="0">
+              <a:solidFill>
+                <a:srgbClr val="FF0000"/>
+              </a:solidFill>
+            </a:endParaRPr>
           </a:p>
         </p:txBody>
       </p:sp>
@@ -21986,7 +21869,7 @@
     </p:spTree>
     <p:extLst>
       <p:ext uri="{BB962C8B-B14F-4D97-AF65-F5344CB8AC3E}">
-        <p14:creationId xmlns:p14="http://schemas.microsoft.com/office/powerpoint/2010/main" val="3810321970"/>
+        <p14:creationId xmlns:p14="http://schemas.microsoft.com/office/powerpoint/2010/main" val="2525723479"/>
       </p:ext>
     </p:extLst>
   </p:cSld>
@@ -22037,372 +21920,99 @@
           <a:p>
             <a:r>
               <a:rPr lang="nb-NO" dirty="0" smtClean="0"/>
-              <a:t>Device manager – </a:t>
-            </a:r>
-            <a:r>
-              <a:rPr lang="en-US" dirty="0" smtClean="0"/>
-              <a:t>Context Management APIs.</a:t>
+              <a:t>Device manager - </a:t>
+            </a:r>
+            <a:r>
+              <a:rPr lang="nb-NO" dirty="0"/>
+              <a:t>Set-up APIs</a:t>
+            </a:r>
+          </a:p>
+        </p:txBody>
+      </p:sp>
+      <p:sp>
+        <p:nvSpPr>
+          <p:cNvPr id="3" name="Content Placeholder 2"/>
+          <p:cNvSpPr>
+            <a:spLocks noGrp="1"/>
+          </p:cNvSpPr>
+          <p:nvPr>
+            <p:ph idx="1"/>
+          </p:nvPr>
+        </p:nvSpPr>
+        <p:spPr/>
+        <p:txBody>
+          <a:bodyPr>
+            <a:normAutofit/>
+          </a:bodyPr>
+          <a:lstStyle/>
+          <a:p>
+            <a:r>
+              <a:rPr lang="nb-NO" dirty="0" smtClean="0"/>
+              <a:t>dm_ble_evt_handler(ble_evt_t);</a:t>
+            </a:r>
+          </a:p>
+          <a:p>
+            <a:pPr lvl="1"/>
+            <a:r>
+              <a:rPr lang="en-US" dirty="0"/>
+              <a:t>BLE Event Handler for the module. This routine should be called from BLE stack </a:t>
+            </a:r>
+            <a:r>
+              <a:rPr lang="en-US" dirty="0" smtClean="0"/>
+              <a:t>event dispatcher </a:t>
+            </a:r>
+            <a:r>
+              <a:rPr lang="en-US" dirty="0"/>
+              <a:t>for the module to work as expected</a:t>
+            </a:r>
+            <a:r>
+              <a:rPr lang="en-US" dirty="0" smtClean="0"/>
+              <a:t>.</a:t>
+            </a:r>
+          </a:p>
+          <a:p>
+            <a:pPr lvl="1"/>
+            <a:endParaRPr lang="en-US" dirty="0"/>
+          </a:p>
+          <a:p>
+            <a:r>
+              <a:rPr lang="nb-NO" dirty="0" smtClean="0"/>
+              <a:t>app_evt_notify is called from </a:t>
+            </a:r>
+            <a:r>
+              <a:rPr lang="nb-NO" dirty="0"/>
+              <a:t>dm_ble_evt_handler</a:t>
+            </a:r>
+          </a:p>
+          <a:p>
+            <a:pPr lvl="2"/>
+            <a:r>
+              <a:rPr lang="nb-NO" dirty="0" smtClean="0"/>
+              <a:t>app_evt_notify</a:t>
+            </a:r>
+            <a:r>
+              <a:rPr lang="nb-NO" dirty="0"/>
+              <a:t>(&amp;dm_handle, &amp;dm_event, result);</a:t>
+            </a:r>
+          </a:p>
+          <a:p>
+            <a:pPr lvl="1"/>
+            <a:r>
+              <a:rPr lang="nb-NO" dirty="0" smtClean="0"/>
+              <a:t>This forwards events to the device_manager_event_handler</a:t>
+            </a:r>
+          </a:p>
+          <a:p>
+            <a:pPr lvl="2"/>
+            <a:r>
+              <a:rPr lang="nb-NO" dirty="0" smtClean="0"/>
+              <a:t>Registered with </a:t>
+            </a:r>
+            <a:r>
+              <a:rPr lang="fr-FR" dirty="0" err="1"/>
+              <a:t>dm_register</a:t>
             </a:r>
             <a:endParaRPr lang="nb-NO" dirty="0"/>
-          </a:p>
-        </p:txBody>
-      </p:sp>
-      <p:sp>
-        <p:nvSpPr>
-          <p:cNvPr id="3" name="Content Placeholder 2"/>
-          <p:cNvSpPr>
-            <a:spLocks noGrp="1"/>
-          </p:cNvSpPr>
-          <p:nvPr>
-            <p:ph idx="1"/>
-          </p:nvPr>
-        </p:nvSpPr>
-        <p:spPr/>
-        <p:txBody>
-          <a:bodyPr>
-            <a:normAutofit fontScale="92500" lnSpcReduction="10000"/>
-          </a:bodyPr>
-          <a:lstStyle/>
-          <a:p>
-            <a:r>
-              <a:rPr lang="en-US" dirty="0" err="1"/>
-              <a:t>dm_device_add</a:t>
-            </a:r>
-            <a:r>
-              <a:rPr lang="en-US" dirty="0"/>
-              <a:t> (</a:t>
-            </a:r>
-            <a:r>
-              <a:rPr lang="en-US" dirty="0" err="1"/>
-              <a:t>dm_handle_t</a:t>
-            </a:r>
-            <a:r>
-              <a:rPr lang="en-US" dirty="0"/>
-              <a:t> *</a:t>
-            </a:r>
-            <a:r>
-              <a:rPr lang="en-US" dirty="0" err="1"/>
-              <a:t>p_handle</a:t>
-            </a:r>
-            <a:r>
-              <a:rPr lang="en-US" dirty="0"/>
-              <a:t>, </a:t>
-            </a:r>
-            <a:r>
-              <a:rPr lang="en-US" dirty="0" err="1"/>
-              <a:t>dm_device_context_t</a:t>
-            </a:r>
-            <a:r>
-              <a:rPr lang="en-US" dirty="0"/>
-              <a:t> </a:t>
-            </a:r>
-            <a:r>
-              <a:rPr lang="en-US" dirty="0" err="1"/>
-              <a:t>const</a:t>
-            </a:r>
-            <a:r>
-              <a:rPr lang="en-US" dirty="0"/>
-              <a:t> *</a:t>
-            </a:r>
-            <a:r>
-              <a:rPr lang="en-US" dirty="0" err="1"/>
-              <a:t>p_context</a:t>
-            </a:r>
-            <a:r>
-              <a:rPr lang="en-US" dirty="0" smtClean="0"/>
-              <a:t>) </a:t>
-            </a:r>
-            <a:endParaRPr lang="en-US" dirty="0"/>
-          </a:p>
-          <a:p>
-            <a:r>
-              <a:rPr lang="en-US" dirty="0" err="1"/>
-              <a:t>dm_device_delete</a:t>
-            </a:r>
-            <a:r>
-              <a:rPr lang="en-US" dirty="0"/>
-              <a:t> (</a:t>
-            </a:r>
-            <a:r>
-              <a:rPr lang="en-US" dirty="0" err="1"/>
-              <a:t>dm_handle_t</a:t>
-            </a:r>
-            <a:r>
-              <a:rPr lang="en-US" dirty="0"/>
-              <a:t> </a:t>
-            </a:r>
-            <a:r>
-              <a:rPr lang="en-US" dirty="0" err="1"/>
-              <a:t>const</a:t>
-            </a:r>
-            <a:r>
-              <a:rPr lang="en-US" dirty="0"/>
-              <a:t> *</a:t>
-            </a:r>
-            <a:r>
-              <a:rPr lang="en-US" dirty="0" err="1"/>
-              <a:t>p_handle</a:t>
-            </a:r>
-            <a:r>
-              <a:rPr lang="en-US" dirty="0"/>
-              <a:t>)</a:t>
-            </a:r>
-          </a:p>
-          <a:p>
-            <a:pPr lvl="1"/>
-            <a:r>
-              <a:rPr lang="en-US" dirty="0"/>
-              <a:t>Function for deleting a peer device context and all related information from the database</a:t>
-            </a:r>
-            <a:r>
-              <a:rPr lang="en-US" dirty="0" smtClean="0"/>
-              <a:t>.</a:t>
-            </a:r>
-            <a:endParaRPr lang="en-US" dirty="0"/>
-          </a:p>
-          <a:p>
-            <a:r>
-              <a:rPr lang="en-US" dirty="0" err="1"/>
-              <a:t>dm_device_delete_all</a:t>
-            </a:r>
-            <a:r>
-              <a:rPr lang="en-US" dirty="0"/>
-              <a:t> (</a:t>
-            </a:r>
-            <a:r>
-              <a:rPr lang="en-US" dirty="0" err="1"/>
-              <a:t>dm_application_instance_t</a:t>
-            </a:r>
-            <a:r>
-              <a:rPr lang="en-US" dirty="0"/>
-              <a:t> </a:t>
-            </a:r>
-            <a:r>
-              <a:rPr lang="en-US" dirty="0" err="1"/>
-              <a:t>const</a:t>
-            </a:r>
-            <a:r>
-              <a:rPr lang="en-US" dirty="0"/>
-              <a:t> *</a:t>
-            </a:r>
-            <a:r>
-              <a:rPr lang="en-US" dirty="0" err="1"/>
-              <a:t>p_handle</a:t>
-            </a:r>
-            <a:r>
-              <a:rPr lang="en-US" dirty="0"/>
-              <a:t>)</a:t>
-            </a:r>
-          </a:p>
-          <a:p>
-            <a:pPr lvl="1"/>
-            <a:r>
-              <a:rPr lang="en-US" dirty="0"/>
-              <a:t>Function for deleting all peer device context and all related information from the database</a:t>
-            </a:r>
-            <a:r>
-              <a:rPr lang="en-US" dirty="0" smtClean="0"/>
-              <a:t>.</a:t>
-            </a:r>
-            <a:endParaRPr lang="en-US" dirty="0"/>
-          </a:p>
-          <a:p>
-            <a:r>
-              <a:rPr lang="en-US" dirty="0" err="1"/>
-              <a:t>dm_service_context_set</a:t>
-            </a:r>
-            <a:r>
-              <a:rPr lang="en-US" dirty="0"/>
-              <a:t> (</a:t>
-            </a:r>
-            <a:r>
-              <a:rPr lang="en-US" dirty="0" err="1"/>
-              <a:t>dm_handle_t</a:t>
-            </a:r>
-            <a:r>
-              <a:rPr lang="en-US" dirty="0"/>
-              <a:t> </a:t>
-            </a:r>
-            <a:r>
-              <a:rPr lang="en-US" dirty="0" err="1"/>
-              <a:t>const</a:t>
-            </a:r>
-            <a:r>
-              <a:rPr lang="en-US" dirty="0"/>
-              <a:t> *</a:t>
-            </a:r>
-            <a:r>
-              <a:rPr lang="en-US" dirty="0" err="1"/>
-              <a:t>p_handle</a:t>
-            </a:r>
-            <a:r>
-              <a:rPr lang="en-US" dirty="0"/>
-              <a:t>, </a:t>
-            </a:r>
-            <a:r>
-              <a:rPr lang="en-US" dirty="0" err="1"/>
-              <a:t>dm_service_context_t</a:t>
-            </a:r>
-            <a:r>
-              <a:rPr lang="en-US" dirty="0"/>
-              <a:t> </a:t>
-            </a:r>
-            <a:r>
-              <a:rPr lang="en-US" dirty="0" err="1"/>
-              <a:t>const</a:t>
-            </a:r>
-            <a:r>
-              <a:rPr lang="en-US" dirty="0"/>
-              <a:t> *</a:t>
-            </a:r>
-            <a:r>
-              <a:rPr lang="en-US" dirty="0" err="1"/>
-              <a:t>p_context</a:t>
-            </a:r>
-            <a:r>
-              <a:rPr lang="en-US" dirty="0"/>
-              <a:t>)</a:t>
-            </a:r>
-          </a:p>
-          <a:p>
-            <a:pPr lvl="1"/>
-            <a:r>
-              <a:rPr lang="en-US" dirty="0"/>
-              <a:t>Function for setting Service Context for a peer device identified by '</a:t>
-            </a:r>
-            <a:r>
-              <a:rPr lang="en-US" dirty="0" err="1"/>
-              <a:t>p_handle</a:t>
-            </a:r>
-            <a:r>
-              <a:rPr lang="en-US" dirty="0"/>
-              <a:t>' parameter</a:t>
-            </a:r>
-            <a:r>
-              <a:rPr lang="en-US" dirty="0" smtClean="0"/>
-              <a:t>.</a:t>
-            </a:r>
-            <a:endParaRPr lang="en-US" dirty="0"/>
-          </a:p>
-          <a:p>
-            <a:r>
-              <a:rPr lang="en-US" dirty="0" err="1"/>
-              <a:t>dm_service_context_get</a:t>
-            </a:r>
-            <a:r>
-              <a:rPr lang="en-US" dirty="0"/>
-              <a:t> (</a:t>
-            </a:r>
-            <a:r>
-              <a:rPr lang="en-US" dirty="0" err="1"/>
-              <a:t>dm_handle_t</a:t>
-            </a:r>
-            <a:r>
-              <a:rPr lang="en-US" dirty="0"/>
-              <a:t> </a:t>
-            </a:r>
-            <a:r>
-              <a:rPr lang="en-US" dirty="0" err="1"/>
-              <a:t>const</a:t>
-            </a:r>
-            <a:r>
-              <a:rPr lang="en-US" dirty="0"/>
-              <a:t> *</a:t>
-            </a:r>
-            <a:r>
-              <a:rPr lang="en-US" dirty="0" err="1"/>
-              <a:t>p_handle</a:t>
-            </a:r>
-            <a:r>
-              <a:rPr lang="en-US" dirty="0"/>
-              <a:t>, </a:t>
-            </a:r>
-            <a:r>
-              <a:rPr lang="en-US" dirty="0" err="1"/>
-              <a:t>dm_service_context_t</a:t>
-            </a:r>
-            <a:r>
-              <a:rPr lang="en-US" dirty="0"/>
-              <a:t> *</a:t>
-            </a:r>
-            <a:r>
-              <a:rPr lang="en-US" dirty="0" err="1"/>
-              <a:t>p_context</a:t>
-            </a:r>
-            <a:r>
-              <a:rPr lang="en-US" dirty="0"/>
-              <a:t>)</a:t>
-            </a:r>
-          </a:p>
-          <a:p>
-            <a:pPr lvl="1"/>
-            <a:r>
-              <a:rPr lang="en-US" dirty="0"/>
-              <a:t>Function for getting Service Context for a peer device identified by '</a:t>
-            </a:r>
-            <a:r>
-              <a:rPr lang="en-US" dirty="0" err="1"/>
-              <a:t>p_handle</a:t>
-            </a:r>
-            <a:r>
-              <a:rPr lang="en-US" dirty="0"/>
-              <a:t>' parameter</a:t>
-            </a:r>
-            <a:r>
-              <a:rPr lang="en-US" dirty="0" smtClean="0"/>
-              <a:t>.</a:t>
-            </a:r>
-            <a:endParaRPr lang="en-US" dirty="0"/>
-          </a:p>
-          <a:p>
-            <a:r>
-              <a:rPr lang="en-US" dirty="0" err="1"/>
-              <a:t>dm_service_context_delete</a:t>
-            </a:r>
-            <a:r>
-              <a:rPr lang="en-US" dirty="0"/>
-              <a:t> (</a:t>
-            </a:r>
-            <a:r>
-              <a:rPr lang="en-US" dirty="0" err="1"/>
-              <a:t>dm_handle_t</a:t>
-            </a:r>
-            <a:r>
-              <a:rPr lang="en-US" dirty="0"/>
-              <a:t> </a:t>
-            </a:r>
-            <a:r>
-              <a:rPr lang="en-US" dirty="0" err="1"/>
-              <a:t>const</a:t>
-            </a:r>
-            <a:r>
-              <a:rPr lang="en-US" dirty="0"/>
-              <a:t> *</a:t>
-            </a:r>
-            <a:r>
-              <a:rPr lang="en-US" dirty="0" err="1"/>
-              <a:t>p_handle</a:t>
-            </a:r>
-            <a:r>
-              <a:rPr lang="en-US" dirty="0"/>
-              <a:t>)</a:t>
-            </a:r>
-          </a:p>
-          <a:p>
-            <a:pPr lvl="1"/>
-            <a:r>
-              <a:rPr lang="en-US" dirty="0"/>
-              <a:t>Function for deleting a Service Context for a peer device identified by the '</a:t>
-            </a:r>
-            <a:r>
-              <a:rPr lang="en-US" dirty="0" err="1"/>
-              <a:t>p_handle</a:t>
-            </a:r>
-            <a:r>
-              <a:rPr lang="en-US" dirty="0"/>
-              <a:t>' parameter.</a:t>
-            </a:r>
-            <a:endParaRPr lang="en-US" dirty="0" smtClean="0"/>
           </a:p>
         </p:txBody>
       </p:sp>
@@ -22456,7 +22066,7 @@
     </p:spTree>
     <p:extLst>
       <p:ext uri="{BB962C8B-B14F-4D97-AF65-F5344CB8AC3E}">
-        <p14:creationId xmlns:p14="http://schemas.microsoft.com/office/powerpoint/2010/main" val="2206779601"/>
+        <p14:creationId xmlns:p14="http://schemas.microsoft.com/office/powerpoint/2010/main" val="261899595"/>
       </p:ext>
     </p:extLst>
   </p:cSld>
@@ -22507,11 +22117,11 @@
           <a:p>
             <a:r>
               <a:rPr lang="nb-NO" dirty="0" smtClean="0"/>
-              <a:t>Device manager – </a:t>
-            </a:r>
-            <a:r>
-              <a:rPr lang="en-US" dirty="0" smtClean="0"/>
-              <a:t>Context Management APIs.</a:t>
+              <a:t>Device manager - </a:t>
+            </a:r>
+            <a:r>
+              <a:rPr lang="en-US" dirty="0"/>
+              <a:t>APIs to set up or read status of security on a link.</a:t>
             </a:r>
             <a:endParaRPr lang="nb-NO" dirty="0"/>
           </a:p>
@@ -22535,199 +22145,113 @@
           <a:lstStyle/>
           <a:p>
             <a:r>
-              <a:rPr lang="en-US" dirty="0" err="1"/>
-              <a:t>dm_application_context_set</a:t>
+              <a:rPr lang="nb-NO" dirty="0"/>
+              <a:t>dm_security_setup_req(dm_handle_t * p_handle</a:t>
+            </a:r>
+            <a:r>
+              <a:rPr lang="nb-NO" dirty="0" smtClean="0"/>
+              <a:t>);</a:t>
+            </a:r>
+          </a:p>
+          <a:p>
+            <a:pPr lvl="1"/>
+            <a:r>
+              <a:rPr lang="en-US" dirty="0" smtClean="0"/>
+              <a:t>This </a:t>
             </a:r>
             <a:r>
               <a:rPr lang="en-US" dirty="0"/>
-              <a:t> (</a:t>
-            </a:r>
-            <a:r>
-              <a:rPr lang="en-US" dirty="0" err="1"/>
-              <a:t>dm_handle_t</a:t>
+              <a:t>API initiates security procedures with a peer device.</a:t>
+            </a:r>
+          </a:p>
+          <a:p>
+            <a:pPr lvl="1"/>
+            <a:r>
+              <a:rPr lang="en-US" dirty="0" smtClean="0"/>
+              <a:t>For </a:t>
             </a:r>
             <a:r>
               <a:rPr lang="en-US" dirty="0"/>
+              <a:t>the GAP Central role, in case peer is not bonded, request to bond/pair </a:t>
+            </a:r>
+            <a:r>
+              <a:rPr lang="en-US" dirty="0" smtClean="0"/>
+              <a:t>is initiated</a:t>
+            </a:r>
+            <a:r>
+              <a:rPr lang="en-US" dirty="0"/>
+              <a:t>. If it is bonded, the link is re-encrypted using the existing bond information.</a:t>
+            </a:r>
+          </a:p>
+          <a:p>
+            <a:pPr lvl="1"/>
+            <a:r>
+              <a:rPr lang="en-US" dirty="0" smtClean="0"/>
+              <a:t>For </a:t>
+            </a:r>
+            <a:r>
+              <a:rPr lang="en-US" dirty="0"/>
+              <a:t>the GAP peripheral role, a Slave security request is sent.</a:t>
+            </a:r>
+          </a:p>
+          <a:p>
+            <a:pPr lvl="1"/>
+            <a:r>
+              <a:rPr lang="en-US" dirty="0" smtClean="0"/>
+              <a:t>If </a:t>
+            </a:r>
+            <a:r>
+              <a:rPr lang="en-US" dirty="0"/>
+              <a:t>a pairing procedure is initiated successfully, application is notified </a:t>
+            </a:r>
+            <a:r>
+              <a:rPr lang="en-US" dirty="0" smtClean="0"/>
+              <a:t>of DM_EVT_SECURITY_SETUP_COMPLETE</a:t>
+            </a:r>
+            <a:r>
+              <a:rPr lang="en-US" dirty="0"/>
+              <a:t>. A result indicating success or failure is notified along with the event.</a:t>
+            </a:r>
+          </a:p>
+          <a:p>
+            <a:pPr lvl="1"/>
+            <a:r>
+              <a:rPr lang="en-US" dirty="0" smtClean="0"/>
+              <a:t>In </a:t>
+            </a:r>
+            <a:r>
+              <a:rPr lang="en-US" dirty="0"/>
+              <a:t>case the link is re-encrypted using existing bond information, </a:t>
+            </a:r>
+            <a:r>
+              <a:rPr lang="en-US" dirty="0" smtClean="0"/>
+              <a:t>DM_EVT_LINK_SECURED is notified </a:t>
+            </a:r>
+            <a:r>
+              <a:rPr lang="en-US" dirty="0"/>
+              <a:t>to the application</a:t>
+            </a:r>
+            <a:r>
+              <a:rPr lang="en-US" dirty="0" smtClean="0"/>
+              <a:t>.</a:t>
+            </a:r>
+            <a:endParaRPr lang="en-US" dirty="0"/>
+          </a:p>
+          <a:p>
+            <a:pPr lvl="1"/>
+            <a:r>
+              <a:rPr lang="en-US" dirty="0" err="1" smtClean="0"/>
+              <a:t>p_handle</a:t>
+            </a:r>
+            <a:r>
+              <a:rPr lang="en-US" dirty="0" smtClean="0"/>
               <a:t> </a:t>
             </a:r>
             <a:r>
-              <a:rPr lang="en-US" dirty="0" err="1"/>
-              <a:t>const</a:t>
-            </a:r>
-            <a:r>
               <a:rPr lang="en-US" dirty="0"/>
-              <a:t> *</a:t>
-            </a:r>
-            <a:r>
-              <a:rPr lang="en-US" dirty="0" err="1"/>
-              <a:t>p_handle</a:t>
-            </a:r>
-            <a:r>
-              <a:rPr lang="en-US" dirty="0"/>
-              <a:t>, </a:t>
-            </a:r>
-            <a:r>
-              <a:rPr lang="en-US" dirty="0" err="1"/>
-              <a:t>dm_application_context_t</a:t>
-            </a:r>
-            <a:r>
-              <a:rPr lang="en-US" dirty="0"/>
-              <a:t> </a:t>
-            </a:r>
-            <a:r>
-              <a:rPr lang="en-US" dirty="0" err="1"/>
-              <a:t>const</a:t>
-            </a:r>
-            <a:r>
-              <a:rPr lang="en-US" dirty="0"/>
-              <a:t> *</a:t>
-            </a:r>
-            <a:r>
-              <a:rPr lang="en-US" dirty="0" err="1"/>
-              <a:t>p_context</a:t>
-            </a:r>
-            <a:r>
-              <a:rPr lang="en-US" dirty="0"/>
-              <a:t>)</a:t>
-            </a:r>
-          </a:p>
-          <a:p>
-            <a:pPr lvl="1"/>
-            <a:r>
-              <a:rPr lang="en-US" dirty="0"/>
-              <a:t>Function for setting Application Context for a peer device identified by the '</a:t>
-            </a:r>
-            <a:r>
-              <a:rPr lang="en-US" dirty="0" err="1"/>
-              <a:t>p_handle</a:t>
-            </a:r>
-            <a:r>
-              <a:rPr lang="en-US" dirty="0"/>
-              <a:t>' parameter.</a:t>
-            </a:r>
-          </a:p>
-          <a:p>
-            <a:r>
-              <a:rPr lang="en-US" dirty="0" err="1" smtClean="0"/>
-              <a:t>dm_application_context_get</a:t>
-            </a:r>
-            <a:r>
-              <a:rPr lang="en-US" dirty="0" smtClean="0"/>
-              <a:t> </a:t>
-            </a:r>
-            <a:r>
-              <a:rPr lang="en-US" dirty="0"/>
-              <a:t>(</a:t>
-            </a:r>
-            <a:r>
-              <a:rPr lang="en-US" dirty="0" err="1"/>
-              <a:t>dm_handle_t</a:t>
-            </a:r>
-            <a:r>
-              <a:rPr lang="en-US" dirty="0"/>
-              <a:t> </a:t>
-            </a:r>
-            <a:r>
-              <a:rPr lang="en-US" dirty="0" err="1"/>
-              <a:t>const</a:t>
-            </a:r>
-            <a:r>
-              <a:rPr lang="en-US" dirty="0"/>
-              <a:t> *</a:t>
-            </a:r>
-            <a:r>
-              <a:rPr lang="en-US" dirty="0" err="1"/>
-              <a:t>p_handle</a:t>
-            </a:r>
-            <a:r>
-              <a:rPr lang="en-US" dirty="0"/>
-              <a:t>, </a:t>
-            </a:r>
-            <a:r>
-              <a:rPr lang="en-US" dirty="0" err="1"/>
-              <a:t>dm_application_context_t</a:t>
-            </a:r>
-            <a:r>
-              <a:rPr lang="en-US" dirty="0"/>
-              <a:t> *</a:t>
-            </a:r>
-            <a:r>
-              <a:rPr lang="en-US" dirty="0" err="1"/>
-              <a:t>p_context</a:t>
-            </a:r>
-            <a:r>
-              <a:rPr lang="en-US" dirty="0"/>
-              <a:t>)</a:t>
-            </a:r>
-          </a:p>
-          <a:p>
-            <a:pPr lvl="1"/>
-            <a:r>
-              <a:rPr lang="en-US" dirty="0"/>
-              <a:t>Function for getting Application Context for a peer device identified by the '</a:t>
-            </a:r>
-            <a:r>
-              <a:rPr lang="en-US" dirty="0" err="1"/>
-              <a:t>p_handle</a:t>
-            </a:r>
-            <a:r>
-              <a:rPr lang="en-US" dirty="0"/>
-              <a:t>' parameter.</a:t>
-            </a:r>
-          </a:p>
-          <a:p>
-            <a:r>
-              <a:rPr lang="en-US" dirty="0" err="1" smtClean="0"/>
-              <a:t>dm_application_context_delete</a:t>
-            </a:r>
-            <a:r>
-              <a:rPr lang="en-US" dirty="0" smtClean="0"/>
-              <a:t> </a:t>
-            </a:r>
-            <a:r>
-              <a:rPr lang="en-US" dirty="0"/>
-              <a:t>(</a:t>
-            </a:r>
-            <a:r>
-              <a:rPr lang="en-US" dirty="0" err="1"/>
-              <a:t>dm_handle_t</a:t>
-            </a:r>
-            <a:r>
-              <a:rPr lang="en-US" dirty="0"/>
-              <a:t> </a:t>
-            </a:r>
-            <a:r>
-              <a:rPr lang="en-US" dirty="0" err="1"/>
-              <a:t>const</a:t>
-            </a:r>
-            <a:r>
-              <a:rPr lang="en-US" dirty="0"/>
-              <a:t> *</a:t>
-            </a:r>
-            <a:r>
-              <a:rPr lang="en-US" dirty="0" err="1"/>
-              <a:t>p_handle</a:t>
-            </a:r>
-            <a:r>
-              <a:rPr lang="en-US" dirty="0"/>
-              <a:t>)</a:t>
-            </a:r>
-          </a:p>
-          <a:p>
-            <a:pPr lvl="1"/>
-            <a:r>
-              <a:rPr lang="en-US" dirty="0"/>
-              <a:t>Function for deleting Application Context for a peer device identified by the '</a:t>
-            </a:r>
-            <a:r>
-              <a:rPr lang="en-US" dirty="0" err="1"/>
-              <a:t>p_handle</a:t>
-            </a:r>
-            <a:r>
-              <a:rPr lang="en-US" dirty="0"/>
-              <a:t>' parameter.</a:t>
-            </a:r>
-            <a:endParaRPr lang="en-US" dirty="0" smtClean="0"/>
+              <a:t>Identifies the link on which security is desired.</a:t>
+            </a:r>
+            <a:endParaRPr lang="nb-NO" dirty="0"/>
           </a:p>
         </p:txBody>
       </p:sp>
@@ -22781,7 +22305,7 @@
     </p:spTree>
     <p:extLst>
       <p:ext uri="{BB962C8B-B14F-4D97-AF65-F5344CB8AC3E}">
-        <p14:creationId xmlns:p14="http://schemas.microsoft.com/office/powerpoint/2010/main" val="3924087926"/>
+        <p14:creationId xmlns:p14="http://schemas.microsoft.com/office/powerpoint/2010/main" val="2431236114"/>
       </p:ext>
     </p:extLst>
   </p:cSld>
@@ -22832,11 +22356,11 @@
           <a:p>
             <a:r>
               <a:rPr lang="nb-NO" dirty="0" smtClean="0"/>
-              <a:t>Device manager – </a:t>
-            </a:r>
-            <a:r>
-              <a:rPr lang="en-US" dirty="0" smtClean="0"/>
-              <a:t>Utility APIs.</a:t>
+              <a:t>Device manager - </a:t>
+            </a:r>
+            <a:r>
+              <a:rPr lang="en-US" dirty="0"/>
+              <a:t>APIs to set up or read status of security on a link.</a:t>
             </a:r>
             <a:endParaRPr lang="nb-NO" dirty="0"/>
           </a:p>
@@ -22855,347 +22379,146 @@
         <p:spPr/>
         <p:txBody>
           <a:bodyPr>
-            <a:normAutofit fontScale="92500" lnSpcReduction="10000"/>
+            <a:normAutofit/>
           </a:bodyPr>
           <a:lstStyle/>
           <a:p>
             <a:r>
               <a:rPr lang="en-US" dirty="0" err="1"/>
-              <a:t>dm_application_instance_set</a:t>
+              <a:t>dm_security_status_req</a:t>
             </a:r>
             <a:r>
               <a:rPr lang="en-US" dirty="0"/>
-              <a:t> (</a:t>
+              <a:t>(</a:t>
             </a:r>
             <a:r>
               <a:rPr lang="en-US" dirty="0" err="1"/>
-              <a:t>dm_application_instance_t</a:t>
+              <a:t>dm_handle_t</a:t>
             </a:r>
             <a:r>
               <a:rPr lang="en-US" dirty="0"/>
               <a:t> </a:t>
             </a:r>
             <a:r>
+              <a:rPr lang="en-US" dirty="0" smtClean="0"/>
+              <a:t>, </a:t>
+            </a:r>
+            <a:r>
+              <a:rPr lang="en-US" dirty="0" err="1" smtClean="0"/>
+              <a:t>dm_security_status_t</a:t>
+            </a:r>
+            <a:r>
+              <a:rPr lang="en-US" dirty="0" smtClean="0"/>
+              <a:t> );</a:t>
+            </a:r>
+          </a:p>
+          <a:p>
+            <a:pPr lvl="1"/>
+            <a:r>
+              <a:rPr lang="en-US" dirty="0"/>
+              <a:t>This API allows application to query status of security on a </a:t>
+            </a:r>
+            <a:r>
+              <a:rPr lang="en-US" dirty="0" smtClean="0"/>
+              <a:t>link</a:t>
+            </a:r>
+          </a:p>
+          <a:p>
+            <a:pPr lvl="1"/>
+            <a:r>
+              <a:rPr lang="en-US" dirty="0" err="1" smtClean="0"/>
+              <a:t>p_handle</a:t>
+            </a:r>
+            <a:r>
+              <a:rPr lang="en-US" dirty="0" smtClean="0"/>
+              <a:t> </a:t>
+            </a:r>
+          </a:p>
+          <a:p>
+            <a:pPr lvl="2"/>
+            <a:r>
+              <a:rPr lang="en-US" dirty="0" smtClean="0"/>
+              <a:t>Identifies </a:t>
+            </a:r>
+            <a:r>
+              <a:rPr lang="en-US" dirty="0"/>
+              <a:t>the link on which security is desired.</a:t>
+            </a:r>
+          </a:p>
+          <a:p>
+            <a:pPr lvl="1"/>
+            <a:r>
+              <a:rPr lang="en-US" dirty="0" err="1" smtClean="0"/>
+              <a:t>p_status</a:t>
+            </a:r>
+            <a:r>
+              <a:rPr lang="en-US" dirty="0" smtClean="0"/>
+              <a:t> </a:t>
+            </a:r>
+          </a:p>
+          <a:p>
+            <a:pPr lvl="2"/>
+            <a:r>
+              <a:rPr lang="en-US" dirty="0" smtClean="0"/>
+              <a:t>Pointer </a:t>
+            </a:r>
+            <a:r>
+              <a:rPr lang="en-US" dirty="0"/>
+              <a:t>where security status is provided to the </a:t>
+            </a:r>
+            <a:r>
+              <a:rPr lang="en-US" dirty="0" smtClean="0"/>
+              <a:t>application. </a:t>
+            </a:r>
+          </a:p>
+          <a:p>
+            <a:pPr lvl="2"/>
+            <a:r>
+              <a:rPr lang="en-US" dirty="0" smtClean="0"/>
+              <a:t>ref </a:t>
+            </a:r>
+            <a:r>
               <a:rPr lang="en-US" dirty="0" err="1"/>
-              <a:t>const</a:t>
+              <a:t>dm_security_status_t</a:t>
             </a:r>
             <a:r>
               <a:rPr lang="en-US" dirty="0"/>
-              <a:t> *</a:t>
-            </a:r>
-            <a:r>
-              <a:rPr lang="en-US" dirty="0" err="1"/>
-              <a:t>p_appl_instance</a:t>
-            </a:r>
+              <a:t> for possible statuses that can be expected</a:t>
+            </a:r>
+            <a:r>
+              <a:rPr lang="en-US" dirty="0" smtClean="0"/>
+              <a:t>.</a:t>
+            </a:r>
+          </a:p>
+          <a:p>
+            <a:pPr lvl="3"/>
             <a:r>
               <a:rPr lang="en-US" dirty="0"/>
-              <a:t>, </a:t>
-            </a:r>
-            <a:r>
-              <a:rPr lang="en-US" dirty="0" err="1"/>
-              <a:t>dm_handle_t</a:t>
+              <a:t>NOT_ENCRYPTED,          /**&lt; The link is not secured. */</a:t>
+            </a:r>
+          </a:p>
+          <a:p>
+            <a:pPr lvl="3"/>
+            <a:r>
+              <a:rPr lang="en-US" dirty="0" smtClean="0"/>
+              <a:t>ENCRYPTION_IN_PROGRESS</a:t>
             </a:r>
             <a:r>
               <a:rPr lang="en-US" dirty="0"/>
-              <a:t> *</a:t>
-            </a:r>
-            <a:r>
-              <a:rPr lang="en-US" dirty="0" err="1"/>
-              <a:t>p_handle</a:t>
+              <a:t>, /**&lt; Link security is being established.*/</a:t>
+            </a:r>
+          </a:p>
+          <a:p>
+            <a:pPr lvl="3"/>
+            <a:r>
+              <a:rPr lang="en-US" dirty="0" smtClean="0"/>
+              <a:t>ENCRYPTED               </a:t>
             </a:r>
             <a:r>
               <a:rPr lang="en-US" dirty="0"/>
-              <a:t>)</a:t>
-            </a:r>
-          </a:p>
-          <a:p>
-            <a:pPr lvl="1"/>
-            <a:r>
-              <a:rPr lang="en-US" dirty="0"/>
-              <a:t>Function for Setting/Copying Application instance to Device Manager handle. </a:t>
-            </a:r>
-          </a:p>
-          <a:p>
-            <a:r>
-              <a:rPr lang="en-US" dirty="0" err="1" smtClean="0"/>
-              <a:t>dm_peer_addr_get</a:t>
-            </a:r>
-            <a:r>
-              <a:rPr lang="en-US" dirty="0" smtClean="0"/>
-              <a:t> </a:t>
-            </a:r>
-            <a:r>
-              <a:rPr lang="en-US" dirty="0"/>
-              <a:t>(</a:t>
-            </a:r>
-            <a:r>
-              <a:rPr lang="en-US" dirty="0" err="1"/>
-              <a:t>dm_handle_t</a:t>
-            </a:r>
-            <a:r>
-              <a:rPr lang="en-US" dirty="0"/>
-              <a:t> </a:t>
-            </a:r>
-            <a:r>
-              <a:rPr lang="en-US" dirty="0" err="1"/>
-              <a:t>const</a:t>
-            </a:r>
-            <a:r>
-              <a:rPr lang="en-US" dirty="0"/>
-              <a:t> *</a:t>
-            </a:r>
-            <a:r>
-              <a:rPr lang="en-US" dirty="0" err="1"/>
-              <a:t>p_handle</a:t>
-            </a:r>
-            <a:r>
-              <a:rPr lang="en-US" dirty="0"/>
-              <a:t>, </a:t>
-            </a:r>
-            <a:r>
-              <a:rPr lang="en-US" dirty="0" err="1"/>
-              <a:t>ble_gap_addr_t</a:t>
-            </a:r>
-            <a:r>
-              <a:rPr lang="en-US" dirty="0"/>
-              <a:t> *</a:t>
-            </a:r>
-            <a:r>
-              <a:rPr lang="en-US" dirty="0" err="1"/>
-              <a:t>p_addr</a:t>
-            </a:r>
-            <a:r>
-              <a:rPr lang="en-US" dirty="0"/>
-              <a:t>)</a:t>
-            </a:r>
-          </a:p>
-          <a:p>
-            <a:pPr lvl="1"/>
-            <a:r>
-              <a:rPr lang="en-US" dirty="0"/>
-              <a:t>Function for getting a peer's device address. </a:t>
-            </a:r>
-          </a:p>
-          <a:p>
-            <a:r>
-              <a:rPr lang="en-US" dirty="0" err="1" smtClean="0"/>
-              <a:t>dm_peer_addr_set</a:t>
-            </a:r>
-            <a:r>
-              <a:rPr lang="en-US" dirty="0" smtClean="0"/>
-              <a:t> </a:t>
-            </a:r>
-            <a:r>
-              <a:rPr lang="en-US" dirty="0"/>
-              <a:t>(</a:t>
-            </a:r>
-            <a:r>
-              <a:rPr lang="en-US" dirty="0" err="1"/>
-              <a:t>dm_handle_t</a:t>
-            </a:r>
-            <a:r>
-              <a:rPr lang="en-US" dirty="0"/>
-              <a:t> </a:t>
-            </a:r>
-            <a:r>
-              <a:rPr lang="en-US" dirty="0" err="1"/>
-              <a:t>const</a:t>
-            </a:r>
-            <a:r>
-              <a:rPr lang="en-US" dirty="0"/>
-              <a:t> *</a:t>
-            </a:r>
-            <a:r>
-              <a:rPr lang="en-US" dirty="0" err="1"/>
-              <a:t>p_handle</a:t>
-            </a:r>
-            <a:r>
-              <a:rPr lang="en-US" dirty="0"/>
-              <a:t>, </a:t>
-            </a:r>
-            <a:r>
-              <a:rPr lang="en-US" dirty="0" err="1"/>
-              <a:t>ble_gap_addr_t</a:t>
-            </a:r>
-            <a:r>
-              <a:rPr lang="en-US" dirty="0"/>
-              <a:t> </a:t>
-            </a:r>
-            <a:r>
-              <a:rPr lang="en-US" dirty="0" err="1"/>
-              <a:t>const</a:t>
-            </a:r>
-            <a:r>
-              <a:rPr lang="en-US" dirty="0"/>
-              <a:t> *</a:t>
-            </a:r>
-            <a:r>
-              <a:rPr lang="en-US" dirty="0" err="1"/>
-              <a:t>p_addr</a:t>
-            </a:r>
-            <a:r>
-              <a:rPr lang="en-US" dirty="0"/>
-              <a:t>)</a:t>
-            </a:r>
-          </a:p>
-          <a:p>
-            <a:pPr lvl="1"/>
-            <a:r>
-              <a:rPr lang="en-US" dirty="0"/>
-              <a:t>Function for setting/updating a peer's device address. </a:t>
-            </a:r>
-          </a:p>
-          <a:p>
-            <a:r>
-              <a:rPr lang="en-US" dirty="0" err="1" smtClean="0"/>
-              <a:t>dm_handle_initialize</a:t>
-            </a:r>
-            <a:r>
-              <a:rPr lang="en-US" dirty="0" smtClean="0"/>
-              <a:t> </a:t>
-            </a:r>
-            <a:r>
-              <a:rPr lang="en-US" dirty="0"/>
-              <a:t>(</a:t>
-            </a:r>
-            <a:r>
-              <a:rPr lang="en-US" dirty="0" err="1"/>
-              <a:t>dm_handle_t</a:t>
-            </a:r>
-            <a:r>
-              <a:rPr lang="en-US" dirty="0"/>
-              <a:t> *</a:t>
-            </a:r>
-            <a:r>
-              <a:rPr lang="en-US" dirty="0" err="1"/>
-              <a:t>p_handle</a:t>
-            </a:r>
-            <a:r>
-              <a:rPr lang="en-US" dirty="0"/>
-              <a:t>)</a:t>
-            </a:r>
-          </a:p>
-          <a:p>
-            <a:pPr lvl="1"/>
-            <a:r>
-              <a:rPr lang="en-US" dirty="0"/>
-              <a:t>Function for initializing Device Manager handle. </a:t>
-            </a:r>
-          </a:p>
-          <a:p>
-            <a:r>
-              <a:rPr lang="en-US" dirty="0" err="1" smtClean="0"/>
-              <a:t>dm_distributed_keys_get</a:t>
-            </a:r>
-            <a:r>
-              <a:rPr lang="en-US" dirty="0" smtClean="0"/>
-              <a:t> </a:t>
-            </a:r>
-            <a:r>
-              <a:rPr lang="en-US" dirty="0"/>
-              <a:t>(</a:t>
-            </a:r>
-            <a:r>
-              <a:rPr lang="en-US" dirty="0" err="1"/>
-              <a:t>dm_handle_t</a:t>
-            </a:r>
-            <a:r>
-              <a:rPr lang="en-US" dirty="0"/>
-              <a:t> </a:t>
-            </a:r>
-            <a:r>
-              <a:rPr lang="en-US" dirty="0" err="1"/>
-              <a:t>const</a:t>
-            </a:r>
-            <a:r>
-              <a:rPr lang="en-US" dirty="0"/>
-              <a:t> *</a:t>
-            </a:r>
-            <a:r>
-              <a:rPr lang="en-US" dirty="0" err="1"/>
-              <a:t>p_handle</a:t>
-            </a:r>
-            <a:r>
-              <a:rPr lang="en-US" dirty="0"/>
-              <a:t>, </a:t>
-            </a:r>
-            <a:r>
-              <a:rPr lang="en-US" dirty="0" err="1"/>
-              <a:t>dm_sec_keyset_t</a:t>
-            </a:r>
-            <a:r>
-              <a:rPr lang="en-US" dirty="0"/>
-              <a:t> *</a:t>
-            </a:r>
-            <a:r>
-              <a:rPr lang="en-US" dirty="0" err="1"/>
-              <a:t>p_key_dist</a:t>
-            </a:r>
-            <a:r>
-              <a:rPr lang="en-US" dirty="0"/>
-              <a:t>)</a:t>
-            </a:r>
-          </a:p>
-          <a:p>
-            <a:pPr lvl="1"/>
-            <a:r>
-              <a:rPr lang="en-US" dirty="0"/>
-              <a:t>Function for getting distributed keys for a device. </a:t>
-            </a:r>
-          </a:p>
-          <a:p>
-            <a:r>
-              <a:rPr lang="en-US" dirty="0" err="1" smtClean="0"/>
-              <a:t>dm_handle_get</a:t>
-            </a:r>
-            <a:r>
-              <a:rPr lang="en-US" dirty="0" smtClean="0"/>
-              <a:t> </a:t>
-            </a:r>
-            <a:r>
-              <a:rPr lang="en-US" dirty="0"/>
-              <a:t>(uint16_t </a:t>
-            </a:r>
-            <a:r>
-              <a:rPr lang="en-US" dirty="0" err="1"/>
-              <a:t>conn_handle</a:t>
-            </a:r>
-            <a:r>
-              <a:rPr lang="en-US" dirty="0"/>
-              <a:t>, </a:t>
-            </a:r>
-            <a:r>
-              <a:rPr lang="en-US" dirty="0" err="1"/>
-              <a:t>dm_handle_t</a:t>
-            </a:r>
-            <a:r>
-              <a:rPr lang="en-US" dirty="0"/>
-              <a:t> *</a:t>
-            </a:r>
-            <a:r>
-              <a:rPr lang="en-US" dirty="0" err="1"/>
-              <a:t>p_handle</a:t>
-            </a:r>
-            <a:r>
-              <a:rPr lang="en-US" dirty="0"/>
-              <a:t>)</a:t>
-            </a:r>
-          </a:p>
-          <a:p>
-            <a:pPr lvl="1"/>
-            <a:r>
-              <a:rPr lang="en-US" dirty="0"/>
-              <a:t>Function for getting the corresponding </a:t>
-            </a:r>
-            <a:r>
-              <a:rPr lang="en-US" dirty="0" err="1"/>
-              <a:t>dm_handle_t</a:t>
-            </a:r>
-            <a:r>
-              <a:rPr lang="en-US" dirty="0"/>
-              <a:t> based on the connection handle.</a:t>
-            </a:r>
-            <a:endParaRPr lang="en-US" dirty="0" smtClean="0"/>
+              <a:t>/**&lt; The link is secure.*/</a:t>
+            </a:r>
+            <a:endParaRPr lang="nb-NO" dirty="0"/>
           </a:p>
         </p:txBody>
       </p:sp>
@@ -23249,7 +22572,7 @@
     </p:spTree>
     <p:extLst>
       <p:ext uri="{BB962C8B-B14F-4D97-AF65-F5344CB8AC3E}">
-        <p14:creationId xmlns:p14="http://schemas.microsoft.com/office/powerpoint/2010/main" val="3608335672"/>
+        <p14:creationId xmlns:p14="http://schemas.microsoft.com/office/powerpoint/2010/main" val="4213237787"/>
       </p:ext>
     </p:extLst>
   </p:cSld>
@@ -23300,7 +22623,11 @@
           <a:p>
             <a:r>
               <a:rPr lang="nb-NO" dirty="0" smtClean="0"/>
-              <a:t>Device manager - SDK</a:t>
+              <a:t>Device manager - </a:t>
+            </a:r>
+            <a:r>
+              <a:rPr lang="en-US" dirty="0"/>
+              <a:t>APIs to set up or read status of security on a link.</a:t>
             </a:r>
             <a:endParaRPr lang="nb-NO" dirty="0"/>
           </a:p>
@@ -23324,115 +22651,98 @@
           <a:lstStyle/>
           <a:p>
             <a:r>
-              <a:rPr lang="en-US" dirty="0" smtClean="0"/>
-              <a:t>What do we get from the SDK examples?</a:t>
+              <a:rPr lang="en-US" dirty="0" err="1" smtClean="0"/>
+              <a:t>dm_whitelist_create</a:t>
+            </a:r>
+            <a:r>
+              <a:rPr lang="en-US" dirty="0" smtClean="0"/>
+              <a:t>(</a:t>
+            </a:r>
+            <a:r>
+              <a:rPr lang="en-US" dirty="0" err="1" smtClean="0"/>
+              <a:t>dm_application_instance_t</a:t>
+            </a:r>
+            <a:r>
+              <a:rPr lang="en-US" dirty="0" smtClean="0"/>
+              <a:t>, </a:t>
+            </a:r>
+            <a:r>
+              <a:rPr lang="en-US" dirty="0" err="1" smtClean="0"/>
+              <a:t>p_whitelist</a:t>
+            </a:r>
+            <a:r>
+              <a:rPr lang="en-US" dirty="0" smtClean="0"/>
+              <a:t>);</a:t>
             </a:r>
           </a:p>
           <a:p>
             <a:pPr lvl="1"/>
             <a:r>
-              <a:rPr lang="en-US" dirty="0" err="1"/>
-              <a:t>device_manager_init</a:t>
-            </a:r>
-            <a:r>
               <a:rPr lang="en-US" dirty="0"/>
-              <a:t>(void)</a:t>
+              <a:t>This API </a:t>
+            </a:r>
+            <a:r>
+              <a:rPr lang="en-US" dirty="0" smtClean="0"/>
+              <a:t>allows the </a:t>
+            </a:r>
+            <a:r>
+              <a:rPr lang="en-US" dirty="0"/>
+              <a:t>application to create </a:t>
+            </a:r>
+            <a:r>
+              <a:rPr lang="en-US" dirty="0" smtClean="0"/>
+              <a:t>a whitelist </a:t>
+            </a:r>
+            <a:r>
+              <a:rPr lang="en-US" dirty="0"/>
+              <a:t>based on bonded peer devices in </a:t>
+            </a:r>
+            <a:r>
+              <a:rPr lang="en-US" dirty="0" smtClean="0"/>
+              <a:t>the module data base</a:t>
             </a:r>
           </a:p>
           <a:p>
             <a:pPr lvl="1"/>
-            <a:r>
-              <a:rPr lang="en-US" dirty="0" err="1" smtClean="0"/>
-              <a:t>device_manager_event_handler</a:t>
-            </a:r>
-            <a:r>
-              <a:rPr lang="en-US" dirty="0" smtClean="0"/>
-              <a:t>(</a:t>
-            </a:r>
-          </a:p>
-          <a:p>
-            <a:pPr lvl="2"/>
-            <a:r>
-              <a:rPr lang="en-US" dirty="0" err="1" smtClean="0"/>
-              <a:t>dm_handle_t</a:t>
-            </a:r>
-            <a:r>
-              <a:rPr lang="en-US" dirty="0" smtClean="0"/>
-              <a:t>    </a:t>
-            </a:r>
-            <a:r>
-              <a:rPr lang="en-US" dirty="0"/>
-              <a:t>* </a:t>
-            </a:r>
             <a:r>
               <a:rPr lang="en-US" dirty="0" err="1" smtClean="0"/>
               <a:t>p_handle</a:t>
             </a:r>
-            <a:r>
-              <a:rPr lang="en-US" dirty="0" smtClean="0"/>
-              <a:t>,</a:t>
-            </a:r>
+            <a:endParaRPr lang="en-US" dirty="0"/>
           </a:p>
           <a:p>
             <a:pPr lvl="2"/>
             <a:r>
+              <a:rPr lang="en-US" dirty="0" smtClean="0"/>
+              <a:t>Identifies </a:t>
+            </a:r>
+            <a:r>
+              <a:rPr lang="en-US" dirty="0"/>
+              <a:t>the application requesting whitelist creation.</a:t>
+            </a:r>
+          </a:p>
+          <a:p>
+            <a:pPr lvl="1"/>
+            <a:r>
               <a:rPr lang="en-US" dirty="0" err="1" smtClean="0"/>
-              <a:t>dm_event_t</a:t>
-            </a:r>
-            <a:r>
-              <a:rPr lang="en-US" dirty="0" smtClean="0"/>
-              <a:t>     </a:t>
+              <a:t>p_whitelist</a:t>
+            </a:r>
+            <a:endParaRPr lang="en-US" dirty="0"/>
+          </a:p>
+          <a:p>
+            <a:pPr lvl="2"/>
+            <a:r>
+              <a:rPr lang="en-US" dirty="0" smtClean="0"/>
+              <a:t>Pointer </a:t>
             </a:r>
             <a:r>
               <a:rPr lang="en-US" dirty="0"/>
-              <a:t>* </a:t>
-            </a:r>
-            <a:r>
-              <a:rPr lang="en-US" dirty="0" err="1" smtClean="0"/>
-              <a:t>p_event</a:t>
-            </a:r>
-            <a:r>
-              <a:rPr lang="en-US" dirty="0" smtClean="0"/>
-              <a:t>,</a:t>
-            </a:r>
-          </a:p>
-          <a:p>
-            <a:pPr lvl="2"/>
-            <a:r>
-              <a:rPr lang="en-US" dirty="0" err="1" smtClean="0"/>
-              <a:t>ret_code_t</a:t>
-            </a:r>
-            <a:r>
-              <a:rPr lang="en-US" dirty="0" smtClean="0"/>
-              <a:t>     </a:t>
-            </a:r>
-            <a:r>
-              <a:rPr lang="en-US" dirty="0" err="1"/>
-              <a:t>event_result</a:t>
-            </a:r>
-            <a:r>
-              <a:rPr lang="en-US" dirty="0" smtClean="0"/>
-              <a:t>)</a:t>
-            </a:r>
-          </a:p>
-          <a:p>
-            <a:pPr lvl="1"/>
-            <a:r>
-              <a:rPr lang="en-US" dirty="0" err="1" smtClean="0"/>
-              <a:t>Device_manager_central.h</a:t>
-            </a:r>
-            <a:r>
-              <a:rPr lang="en-US" dirty="0" smtClean="0"/>
-              <a:t> and .c</a:t>
-            </a:r>
-          </a:p>
-          <a:p>
-            <a:pPr lvl="2"/>
-            <a:r>
-              <a:rPr lang="nb-NO" dirty="0" smtClean="0"/>
-              <a:t>dm_ble_evt_handler</a:t>
-            </a:r>
-            <a:endParaRPr lang="en-US" dirty="0" smtClean="0"/>
+              <a:t>where created whitelist is provided to the application</a:t>
+            </a:r>
+            <a:r>
+              <a:rPr lang="en-US" dirty="0" smtClean="0"/>
+              <a:t>.</a:t>
+            </a:r>
           </a:p>
         </p:txBody>
       </p:sp>
@@ -23486,7 +22796,7 @@
     </p:spTree>
     <p:extLst>
       <p:ext uri="{BB962C8B-B14F-4D97-AF65-F5344CB8AC3E}">
-        <p14:creationId xmlns:p14="http://schemas.microsoft.com/office/powerpoint/2010/main" val="4067924021"/>
+        <p14:creationId xmlns:p14="http://schemas.microsoft.com/office/powerpoint/2010/main" val="3810321970"/>
       </p:ext>
     </p:extLst>
   </p:cSld>
@@ -23537,7 +22847,11 @@
           <a:p>
             <a:r>
               <a:rPr lang="nb-NO" dirty="0" smtClean="0"/>
-              <a:t>Device manager - SDK</a:t>
+              <a:t>Device manager – </a:t>
+            </a:r>
+            <a:r>
+              <a:rPr lang="en-US" dirty="0" smtClean="0"/>
+              <a:t>Context Management APIs.</a:t>
             </a:r>
             <a:endParaRPr lang="nb-NO" dirty="0"/>
           </a:p>
@@ -23556,24 +22870,347 @@
         <p:spPr/>
         <p:txBody>
           <a:bodyPr>
-            <a:normAutofit/>
+            <a:normAutofit fontScale="92500" lnSpcReduction="10000"/>
           </a:bodyPr>
           <a:lstStyle/>
           <a:p>
             <a:r>
-              <a:rPr lang="en-US" dirty="0" smtClean="0"/>
-              <a:t>Look at message sequence charts in SDK documentation </a:t>
-            </a:r>
-            <a:endParaRPr lang="en-US" dirty="0" smtClean="0"/>
-          </a:p>
-          <a:p>
-            <a:r>
-              <a:rPr lang="en-US" dirty="0" err="1" smtClean="0"/>
-              <a:t>Ellisys</a:t>
-            </a:r>
-            <a:r>
-              <a:rPr lang="en-US" dirty="0" smtClean="0"/>
-              <a:t> trace that shows bonding?</a:t>
+              <a:rPr lang="en-US" dirty="0" err="1"/>
+              <a:t>dm_device_add</a:t>
+            </a:r>
+            <a:r>
+              <a:rPr lang="en-US" dirty="0"/>
+              <a:t> (</a:t>
+            </a:r>
+            <a:r>
+              <a:rPr lang="en-US" dirty="0" err="1"/>
+              <a:t>dm_handle_t</a:t>
+            </a:r>
+            <a:r>
+              <a:rPr lang="en-US" dirty="0"/>
+              <a:t> *</a:t>
+            </a:r>
+            <a:r>
+              <a:rPr lang="en-US" dirty="0" err="1"/>
+              <a:t>p_handle</a:t>
+            </a:r>
+            <a:r>
+              <a:rPr lang="en-US" dirty="0"/>
+              <a:t>, </a:t>
+            </a:r>
+            <a:r>
+              <a:rPr lang="en-US" dirty="0" err="1"/>
+              <a:t>dm_device_context_t</a:t>
+            </a:r>
+            <a:r>
+              <a:rPr lang="en-US" dirty="0"/>
+              <a:t> </a:t>
+            </a:r>
+            <a:r>
+              <a:rPr lang="en-US" dirty="0" err="1"/>
+              <a:t>const</a:t>
+            </a:r>
+            <a:r>
+              <a:rPr lang="en-US" dirty="0"/>
+              <a:t> *</a:t>
+            </a:r>
+            <a:r>
+              <a:rPr lang="en-US" dirty="0" err="1"/>
+              <a:t>p_context</a:t>
+            </a:r>
+            <a:r>
+              <a:rPr lang="en-US" dirty="0" smtClean="0"/>
+              <a:t>) </a:t>
+            </a:r>
+            <a:endParaRPr lang="en-US" dirty="0"/>
+          </a:p>
+          <a:p>
+            <a:r>
+              <a:rPr lang="en-US" dirty="0" err="1"/>
+              <a:t>dm_device_delete</a:t>
+            </a:r>
+            <a:r>
+              <a:rPr lang="en-US" dirty="0"/>
+              <a:t> (</a:t>
+            </a:r>
+            <a:r>
+              <a:rPr lang="en-US" dirty="0" err="1"/>
+              <a:t>dm_handle_t</a:t>
+            </a:r>
+            <a:r>
+              <a:rPr lang="en-US" dirty="0"/>
+              <a:t> </a:t>
+            </a:r>
+            <a:r>
+              <a:rPr lang="en-US" dirty="0" err="1"/>
+              <a:t>const</a:t>
+            </a:r>
+            <a:r>
+              <a:rPr lang="en-US" dirty="0"/>
+              <a:t> *</a:t>
+            </a:r>
+            <a:r>
+              <a:rPr lang="en-US" dirty="0" err="1"/>
+              <a:t>p_handle</a:t>
+            </a:r>
+            <a:r>
+              <a:rPr lang="en-US" dirty="0"/>
+              <a:t>)</a:t>
+            </a:r>
+          </a:p>
+          <a:p>
+            <a:pPr lvl="1"/>
+            <a:r>
+              <a:rPr lang="en-US" dirty="0"/>
+              <a:t>Function for deleting a peer device context and all related information from the database</a:t>
+            </a:r>
+            <a:r>
+              <a:rPr lang="en-US" dirty="0" smtClean="0"/>
+              <a:t>.</a:t>
+            </a:r>
+            <a:endParaRPr lang="en-US" dirty="0"/>
+          </a:p>
+          <a:p>
+            <a:r>
+              <a:rPr lang="en-US" dirty="0" err="1"/>
+              <a:t>dm_device_delete_all</a:t>
+            </a:r>
+            <a:r>
+              <a:rPr lang="en-US" dirty="0"/>
+              <a:t> (</a:t>
+            </a:r>
+            <a:r>
+              <a:rPr lang="en-US" dirty="0" err="1"/>
+              <a:t>dm_application_instance_t</a:t>
+            </a:r>
+            <a:r>
+              <a:rPr lang="en-US" dirty="0"/>
+              <a:t> </a:t>
+            </a:r>
+            <a:r>
+              <a:rPr lang="en-US" dirty="0" err="1"/>
+              <a:t>const</a:t>
+            </a:r>
+            <a:r>
+              <a:rPr lang="en-US" dirty="0"/>
+              <a:t> *</a:t>
+            </a:r>
+            <a:r>
+              <a:rPr lang="en-US" dirty="0" err="1"/>
+              <a:t>p_handle</a:t>
+            </a:r>
+            <a:r>
+              <a:rPr lang="en-US" dirty="0"/>
+              <a:t>)</a:t>
+            </a:r>
+          </a:p>
+          <a:p>
+            <a:pPr lvl="1"/>
+            <a:r>
+              <a:rPr lang="en-US" dirty="0"/>
+              <a:t>Function for deleting all peer device context and all related information from the database</a:t>
+            </a:r>
+            <a:r>
+              <a:rPr lang="en-US" dirty="0" smtClean="0"/>
+              <a:t>.</a:t>
+            </a:r>
+            <a:endParaRPr lang="en-US" dirty="0"/>
+          </a:p>
+          <a:p>
+            <a:r>
+              <a:rPr lang="en-US" dirty="0" err="1"/>
+              <a:t>dm_service_context_set</a:t>
+            </a:r>
+            <a:r>
+              <a:rPr lang="en-US" dirty="0"/>
+              <a:t> (</a:t>
+            </a:r>
+            <a:r>
+              <a:rPr lang="en-US" dirty="0" err="1"/>
+              <a:t>dm_handle_t</a:t>
+            </a:r>
+            <a:r>
+              <a:rPr lang="en-US" dirty="0"/>
+              <a:t> </a:t>
+            </a:r>
+            <a:r>
+              <a:rPr lang="en-US" dirty="0" err="1"/>
+              <a:t>const</a:t>
+            </a:r>
+            <a:r>
+              <a:rPr lang="en-US" dirty="0"/>
+              <a:t> *</a:t>
+            </a:r>
+            <a:r>
+              <a:rPr lang="en-US" dirty="0" err="1"/>
+              <a:t>p_handle</a:t>
+            </a:r>
+            <a:r>
+              <a:rPr lang="en-US" dirty="0"/>
+              <a:t>, </a:t>
+            </a:r>
+            <a:r>
+              <a:rPr lang="en-US" dirty="0" err="1"/>
+              <a:t>dm_service_context_t</a:t>
+            </a:r>
+            <a:r>
+              <a:rPr lang="en-US" dirty="0"/>
+              <a:t> </a:t>
+            </a:r>
+            <a:r>
+              <a:rPr lang="en-US" dirty="0" err="1"/>
+              <a:t>const</a:t>
+            </a:r>
+            <a:r>
+              <a:rPr lang="en-US" dirty="0"/>
+              <a:t> *</a:t>
+            </a:r>
+            <a:r>
+              <a:rPr lang="en-US" dirty="0" err="1"/>
+              <a:t>p_context</a:t>
+            </a:r>
+            <a:r>
+              <a:rPr lang="en-US" dirty="0"/>
+              <a:t>)</a:t>
+            </a:r>
+          </a:p>
+          <a:p>
+            <a:pPr lvl="1"/>
+            <a:r>
+              <a:rPr lang="en-US" dirty="0"/>
+              <a:t>Function for setting Service Context for a peer device identified by '</a:t>
+            </a:r>
+            <a:r>
+              <a:rPr lang="en-US" dirty="0" err="1"/>
+              <a:t>p_handle</a:t>
+            </a:r>
+            <a:r>
+              <a:rPr lang="en-US" dirty="0"/>
+              <a:t>' parameter</a:t>
+            </a:r>
+            <a:r>
+              <a:rPr lang="en-US" dirty="0" smtClean="0"/>
+              <a:t>.</a:t>
+            </a:r>
+            <a:endParaRPr lang="en-US" dirty="0"/>
+          </a:p>
+          <a:p>
+            <a:r>
+              <a:rPr lang="en-US" dirty="0" err="1"/>
+              <a:t>dm_service_context_get</a:t>
+            </a:r>
+            <a:r>
+              <a:rPr lang="en-US" dirty="0"/>
+              <a:t> (</a:t>
+            </a:r>
+            <a:r>
+              <a:rPr lang="en-US" dirty="0" err="1"/>
+              <a:t>dm_handle_t</a:t>
+            </a:r>
+            <a:r>
+              <a:rPr lang="en-US" dirty="0"/>
+              <a:t> </a:t>
+            </a:r>
+            <a:r>
+              <a:rPr lang="en-US" dirty="0" err="1"/>
+              <a:t>const</a:t>
+            </a:r>
+            <a:r>
+              <a:rPr lang="en-US" dirty="0"/>
+              <a:t> *</a:t>
+            </a:r>
+            <a:r>
+              <a:rPr lang="en-US" dirty="0" err="1"/>
+              <a:t>p_handle</a:t>
+            </a:r>
+            <a:r>
+              <a:rPr lang="en-US" dirty="0"/>
+              <a:t>, </a:t>
+            </a:r>
+            <a:r>
+              <a:rPr lang="en-US" dirty="0" err="1"/>
+              <a:t>dm_service_context_t</a:t>
+            </a:r>
+            <a:r>
+              <a:rPr lang="en-US" dirty="0"/>
+              <a:t> *</a:t>
+            </a:r>
+            <a:r>
+              <a:rPr lang="en-US" dirty="0" err="1"/>
+              <a:t>p_context</a:t>
+            </a:r>
+            <a:r>
+              <a:rPr lang="en-US" dirty="0"/>
+              <a:t>)</a:t>
+            </a:r>
+          </a:p>
+          <a:p>
+            <a:pPr lvl="1"/>
+            <a:r>
+              <a:rPr lang="en-US" dirty="0"/>
+              <a:t>Function for getting Service Context for a peer device identified by '</a:t>
+            </a:r>
+            <a:r>
+              <a:rPr lang="en-US" dirty="0" err="1"/>
+              <a:t>p_handle</a:t>
+            </a:r>
+            <a:r>
+              <a:rPr lang="en-US" dirty="0"/>
+              <a:t>' parameter</a:t>
+            </a:r>
+            <a:r>
+              <a:rPr lang="en-US" dirty="0" smtClean="0"/>
+              <a:t>.</a:t>
+            </a:r>
+            <a:endParaRPr lang="en-US" dirty="0"/>
+          </a:p>
+          <a:p>
+            <a:r>
+              <a:rPr lang="en-US" dirty="0" err="1"/>
+              <a:t>dm_service_context_delete</a:t>
+            </a:r>
+            <a:r>
+              <a:rPr lang="en-US" dirty="0"/>
+              <a:t> (</a:t>
+            </a:r>
+            <a:r>
+              <a:rPr lang="en-US" dirty="0" err="1"/>
+              <a:t>dm_handle_t</a:t>
+            </a:r>
+            <a:r>
+              <a:rPr lang="en-US" dirty="0"/>
+              <a:t> </a:t>
+            </a:r>
+            <a:r>
+              <a:rPr lang="en-US" dirty="0" err="1"/>
+              <a:t>const</a:t>
+            </a:r>
+            <a:r>
+              <a:rPr lang="en-US" dirty="0"/>
+              <a:t> *</a:t>
+            </a:r>
+            <a:r>
+              <a:rPr lang="en-US" dirty="0" err="1"/>
+              <a:t>p_handle</a:t>
+            </a:r>
+            <a:r>
+              <a:rPr lang="en-US" dirty="0"/>
+              <a:t>)</a:t>
+            </a:r>
+          </a:p>
+          <a:p>
+            <a:pPr lvl="1"/>
+            <a:r>
+              <a:rPr lang="en-US" dirty="0"/>
+              <a:t>Function for deleting a Service Context for a peer device identified by the '</a:t>
+            </a:r>
+            <a:r>
+              <a:rPr lang="en-US" dirty="0" err="1"/>
+              <a:t>p_handle</a:t>
+            </a:r>
+            <a:r>
+              <a:rPr lang="en-US" dirty="0"/>
+              <a:t>' parameter.</a:t>
             </a:r>
             <a:endParaRPr lang="en-US" dirty="0" smtClean="0"/>
           </a:p>
@@ -23629,7 +23266,7 @@
     </p:spTree>
     <p:extLst>
       <p:ext uri="{BB962C8B-B14F-4D97-AF65-F5344CB8AC3E}">
-        <p14:creationId xmlns:p14="http://schemas.microsoft.com/office/powerpoint/2010/main" val="1620625136"/>
+        <p14:creationId xmlns:p14="http://schemas.microsoft.com/office/powerpoint/2010/main" val="2206779601"/>
       </p:ext>
     </p:extLst>
   </p:cSld>
@@ -23680,15 +23317,11 @@
           <a:p>
             <a:r>
               <a:rPr lang="nb-NO" dirty="0" smtClean="0"/>
-              <a:t>Task </a:t>
-            </a:r>
-            <a:r>
-              <a:rPr lang="nb-NO" dirty="0" smtClean="0"/>
-              <a:t>5: </a:t>
-            </a:r>
-            <a:r>
-              <a:rPr lang="nb-NO" dirty="0" smtClean="0"/>
-              <a:t>Device manager central</a:t>
+              <a:t>Device manager – </a:t>
+            </a:r>
+            <a:r>
+              <a:rPr lang="en-US" dirty="0" smtClean="0"/>
+              <a:t>Context Management APIs.</a:t>
             </a:r>
             <a:endParaRPr lang="nb-NO" dirty="0"/>
           </a:p>
@@ -23706,39 +23339,205 @@
         </p:nvSpPr>
         <p:spPr/>
         <p:txBody>
-          <a:bodyPr/>
-          <a:lstStyle/>
-          <a:p>
-            <a:r>
-              <a:rPr lang="nb-NO" dirty="0" smtClean="0"/>
-              <a:t>Task template</a:t>
+          <a:bodyPr>
+            <a:normAutofit/>
+          </a:bodyPr>
+          <a:lstStyle/>
+          <a:p>
+            <a:r>
+              <a:rPr lang="en-US" dirty="0" err="1"/>
+              <a:t>dm_application_context_set</a:t>
+            </a:r>
+            <a:r>
+              <a:rPr lang="en-US" dirty="0"/>
+              <a:t> (</a:t>
+            </a:r>
+            <a:r>
+              <a:rPr lang="en-US" dirty="0" err="1"/>
+              <a:t>dm_handle_t</a:t>
+            </a:r>
+            <a:r>
+              <a:rPr lang="en-US" dirty="0"/>
+              <a:t> </a:t>
+            </a:r>
+            <a:r>
+              <a:rPr lang="en-US" dirty="0" err="1"/>
+              <a:t>const</a:t>
+            </a:r>
+            <a:r>
+              <a:rPr lang="en-US" dirty="0"/>
+              <a:t> *</a:t>
+            </a:r>
+            <a:r>
+              <a:rPr lang="en-US" dirty="0" err="1"/>
+              <a:t>p_handle</a:t>
+            </a:r>
+            <a:r>
+              <a:rPr lang="en-US" dirty="0"/>
+              <a:t>, </a:t>
+            </a:r>
+            <a:r>
+              <a:rPr lang="en-US" dirty="0" err="1"/>
+              <a:t>dm_application_context_t</a:t>
+            </a:r>
+            <a:r>
+              <a:rPr lang="en-US" dirty="0"/>
+              <a:t> </a:t>
+            </a:r>
+            <a:r>
+              <a:rPr lang="en-US" dirty="0" err="1"/>
+              <a:t>const</a:t>
+            </a:r>
+            <a:r>
+              <a:rPr lang="en-US" dirty="0"/>
+              <a:t> *</a:t>
+            </a:r>
+            <a:r>
+              <a:rPr lang="en-US" dirty="0" err="1"/>
+              <a:t>p_context</a:t>
+            </a:r>
+            <a:r>
+              <a:rPr lang="en-US" dirty="0"/>
+              <a:t>)</a:t>
             </a:r>
           </a:p>
           <a:p>
             <a:pPr lvl="1"/>
             <a:r>
-              <a:rPr lang="nb-NO" dirty="0" smtClean="0"/>
-              <a:t>@Todo</a:t>
+              <a:rPr lang="en-US" dirty="0"/>
+              <a:t>Function for setting Application Context for a peer device identified by the '</a:t>
+            </a:r>
+            <a:r>
+              <a:rPr lang="en-US" dirty="0" err="1"/>
+              <a:t>p_handle</a:t>
+            </a:r>
+            <a:r>
+              <a:rPr lang="en-US" dirty="0"/>
+              <a:t>' parameter.</a:t>
+            </a:r>
+          </a:p>
+          <a:p>
+            <a:r>
+              <a:rPr lang="en-US" dirty="0" err="1" smtClean="0"/>
+              <a:t>dm_application_context_get</a:t>
+            </a:r>
+            <a:r>
+              <a:rPr lang="en-US" dirty="0" smtClean="0"/>
+              <a:t> </a:t>
+            </a:r>
+            <a:r>
+              <a:rPr lang="en-US" dirty="0"/>
+              <a:t>(</a:t>
+            </a:r>
+            <a:r>
+              <a:rPr lang="en-US" dirty="0" err="1"/>
+              <a:t>dm_handle_t</a:t>
+            </a:r>
+            <a:r>
+              <a:rPr lang="en-US" dirty="0"/>
+              <a:t> </a:t>
+            </a:r>
+            <a:r>
+              <a:rPr lang="en-US" dirty="0" err="1"/>
+              <a:t>const</a:t>
+            </a:r>
+            <a:r>
+              <a:rPr lang="en-US" dirty="0"/>
+              <a:t> *</a:t>
+            </a:r>
+            <a:r>
+              <a:rPr lang="en-US" dirty="0" err="1"/>
+              <a:t>p_handle</a:t>
+            </a:r>
+            <a:r>
+              <a:rPr lang="en-US" dirty="0"/>
+              <a:t>, </a:t>
+            </a:r>
+            <a:r>
+              <a:rPr lang="en-US" dirty="0" err="1"/>
+              <a:t>dm_application_context_t</a:t>
+            </a:r>
+            <a:r>
+              <a:rPr lang="en-US" dirty="0"/>
+              <a:t> *</a:t>
+            </a:r>
+            <a:r>
+              <a:rPr lang="en-US" dirty="0" err="1"/>
+              <a:t>p_context</a:t>
+            </a:r>
+            <a:r>
+              <a:rPr lang="en-US" dirty="0"/>
+              <a:t>)</a:t>
             </a:r>
           </a:p>
           <a:p>
             <a:pPr lvl="1"/>
             <a:r>
-              <a:rPr lang="nb-NO" dirty="0" smtClean="0"/>
-              <a:t>Initialize Device manager</a:t>
+              <a:rPr lang="en-US" dirty="0"/>
+              <a:t>Function for getting Application Context for a peer device identified by the '</a:t>
+            </a:r>
+            <a:r>
+              <a:rPr lang="en-US" dirty="0" err="1"/>
+              <a:t>p_handle</a:t>
+            </a:r>
+            <a:r>
+              <a:rPr lang="en-US" dirty="0"/>
+              <a:t>' parameter.</a:t>
+            </a:r>
+          </a:p>
+          <a:p>
+            <a:r>
+              <a:rPr lang="en-US" dirty="0" err="1" smtClean="0"/>
+              <a:t>dm_application_context_delete</a:t>
+            </a:r>
+            <a:r>
+              <a:rPr lang="en-US" dirty="0" smtClean="0"/>
+              <a:t> </a:t>
+            </a:r>
+            <a:r>
+              <a:rPr lang="en-US" dirty="0"/>
+              <a:t>(</a:t>
+            </a:r>
+            <a:r>
+              <a:rPr lang="en-US" dirty="0" err="1"/>
+              <a:t>dm_handle_t</a:t>
+            </a:r>
+            <a:r>
+              <a:rPr lang="en-US" dirty="0"/>
+              <a:t> </a:t>
+            </a:r>
+            <a:r>
+              <a:rPr lang="en-US" dirty="0" err="1"/>
+              <a:t>const</a:t>
+            </a:r>
+            <a:r>
+              <a:rPr lang="en-US" dirty="0"/>
+              <a:t> *</a:t>
+            </a:r>
+            <a:r>
+              <a:rPr lang="en-US" dirty="0" err="1"/>
+              <a:t>p_handle</a:t>
+            </a:r>
+            <a:r>
+              <a:rPr lang="en-US" dirty="0"/>
+              <a:t>)</a:t>
             </a:r>
           </a:p>
           <a:p>
             <a:pPr lvl="1"/>
             <a:r>
-              <a:rPr lang="nb-NO" dirty="0" smtClean="0"/>
-              <a:t>Add Device manager ble event </a:t>
-            </a:r>
-            <a:r>
-              <a:rPr lang="nb-NO" dirty="0" smtClean="0"/>
-              <a:t>handler</a:t>
-            </a:r>
-            <a:endParaRPr lang="nb-NO" dirty="0" smtClean="0"/>
+              <a:rPr lang="en-US" dirty="0"/>
+              <a:t>Function for deleting Application Context for a peer device identified by the '</a:t>
+            </a:r>
+            <a:r>
+              <a:rPr lang="en-US" dirty="0" err="1"/>
+              <a:t>p_handle</a:t>
+            </a:r>
+            <a:r>
+              <a:rPr lang="en-US" dirty="0"/>
+              <a:t>' parameter.</a:t>
+            </a:r>
+            <a:endParaRPr lang="en-US" dirty="0" smtClean="0"/>
           </a:p>
         </p:txBody>
       </p:sp>
@@ -23792,7 +23591,7 @@
     </p:spTree>
     <p:extLst>
       <p:ext uri="{BB962C8B-B14F-4D97-AF65-F5344CB8AC3E}">
-        <p14:creationId xmlns:p14="http://schemas.microsoft.com/office/powerpoint/2010/main" val="1614149446"/>
+        <p14:creationId xmlns:p14="http://schemas.microsoft.com/office/powerpoint/2010/main" val="3924087926"/>
       </p:ext>
     </p:extLst>
   </p:cSld>
@@ -23885,11 +23684,7 @@
           <a:p>
             <a:r>
               <a:rPr lang="nb-NO" dirty="0" smtClean="0"/>
-              <a:t>S130 </a:t>
-            </a:r>
-            <a:r>
-              <a:rPr lang="nb-NO" dirty="0" smtClean="0"/>
-              <a:t>1.0.0</a:t>
+              <a:t>S130 1.0.0</a:t>
             </a:r>
           </a:p>
         </p:txBody>
@@ -24247,15 +24042,11 @@
           <a:p>
             <a:r>
               <a:rPr lang="nb-NO" dirty="0" smtClean="0"/>
-              <a:t>Task </a:t>
-            </a:r>
-            <a:r>
-              <a:rPr lang="nb-NO" dirty="0" smtClean="0"/>
-              <a:t>6: </a:t>
-            </a:r>
-            <a:r>
-              <a:rPr lang="nb-NO" dirty="0" smtClean="0"/>
-              <a:t>Device manager peripheral (if time)</a:t>
+              <a:t>Device manager – </a:t>
+            </a:r>
+            <a:r>
+              <a:rPr lang="en-US" dirty="0" smtClean="0"/>
+              <a:t>Utility APIs.</a:t>
             </a:r>
             <a:endParaRPr lang="nb-NO" dirty="0"/>
           </a:p>
@@ -24273,25 +24064,348 @@
         </p:nvSpPr>
         <p:spPr/>
         <p:txBody>
-          <a:bodyPr/>
-          <a:lstStyle/>
-          <a:p>
-            <a:r>
-              <a:rPr lang="nb-NO" dirty="0" smtClean="0"/>
-              <a:t>Enable </a:t>
-            </a:r>
-            <a:r>
-              <a:rPr lang="nb-NO" dirty="0" smtClean="0"/>
-              <a:t>bonding requirement in Heart </a:t>
-            </a:r>
-            <a:r>
-              <a:rPr lang="nb-NO" dirty="0" smtClean="0"/>
-              <a:t>rate example</a:t>
-            </a:r>
-            <a:endParaRPr lang="nb-NO" dirty="0"/>
-          </a:p>
-          <a:p>
-            <a:endParaRPr lang="nb-NO" dirty="0"/>
+          <a:bodyPr>
+            <a:normAutofit fontScale="92500" lnSpcReduction="10000"/>
+          </a:bodyPr>
+          <a:lstStyle/>
+          <a:p>
+            <a:r>
+              <a:rPr lang="en-US" dirty="0" err="1"/>
+              <a:t>dm_application_instance_set</a:t>
+            </a:r>
+            <a:r>
+              <a:rPr lang="en-US" dirty="0"/>
+              <a:t> (</a:t>
+            </a:r>
+            <a:r>
+              <a:rPr lang="en-US" dirty="0" err="1"/>
+              <a:t>dm_application_instance_t</a:t>
+            </a:r>
+            <a:r>
+              <a:rPr lang="en-US" dirty="0"/>
+              <a:t> </a:t>
+            </a:r>
+            <a:r>
+              <a:rPr lang="en-US" dirty="0" err="1"/>
+              <a:t>const</a:t>
+            </a:r>
+            <a:r>
+              <a:rPr lang="en-US" dirty="0"/>
+              <a:t> *</a:t>
+            </a:r>
+            <a:r>
+              <a:rPr lang="en-US" dirty="0" err="1"/>
+              <a:t>p_appl_instance</a:t>
+            </a:r>
+            <a:r>
+              <a:rPr lang="en-US" dirty="0"/>
+              <a:t>, </a:t>
+            </a:r>
+            <a:r>
+              <a:rPr lang="en-US" dirty="0" err="1"/>
+              <a:t>dm_handle_t</a:t>
+            </a:r>
+            <a:r>
+              <a:rPr lang="en-US" dirty="0"/>
+              <a:t> *</a:t>
+            </a:r>
+            <a:r>
+              <a:rPr lang="en-US" dirty="0" err="1"/>
+              <a:t>p_handle</a:t>
+            </a:r>
+            <a:r>
+              <a:rPr lang="en-US" dirty="0"/>
+              <a:t>)</a:t>
+            </a:r>
+          </a:p>
+          <a:p>
+            <a:pPr lvl="1"/>
+            <a:r>
+              <a:rPr lang="en-US" dirty="0"/>
+              <a:t>Function for Setting/Copying Application instance to Device Manager handle. </a:t>
+            </a:r>
+          </a:p>
+          <a:p>
+            <a:r>
+              <a:rPr lang="en-US" dirty="0" err="1" smtClean="0"/>
+              <a:t>dm_peer_addr_get</a:t>
+            </a:r>
+            <a:r>
+              <a:rPr lang="en-US" dirty="0" smtClean="0"/>
+              <a:t> </a:t>
+            </a:r>
+            <a:r>
+              <a:rPr lang="en-US" dirty="0"/>
+              <a:t>(</a:t>
+            </a:r>
+            <a:r>
+              <a:rPr lang="en-US" dirty="0" err="1"/>
+              <a:t>dm_handle_t</a:t>
+            </a:r>
+            <a:r>
+              <a:rPr lang="en-US" dirty="0"/>
+              <a:t> </a:t>
+            </a:r>
+            <a:r>
+              <a:rPr lang="en-US" dirty="0" err="1"/>
+              <a:t>const</a:t>
+            </a:r>
+            <a:r>
+              <a:rPr lang="en-US" dirty="0"/>
+              <a:t> *</a:t>
+            </a:r>
+            <a:r>
+              <a:rPr lang="en-US" dirty="0" err="1"/>
+              <a:t>p_handle</a:t>
+            </a:r>
+            <a:r>
+              <a:rPr lang="en-US" dirty="0"/>
+              <a:t>, </a:t>
+            </a:r>
+            <a:r>
+              <a:rPr lang="en-US" dirty="0" err="1"/>
+              <a:t>ble_gap_addr_t</a:t>
+            </a:r>
+            <a:r>
+              <a:rPr lang="en-US" dirty="0"/>
+              <a:t> *</a:t>
+            </a:r>
+            <a:r>
+              <a:rPr lang="en-US" dirty="0" err="1"/>
+              <a:t>p_addr</a:t>
+            </a:r>
+            <a:r>
+              <a:rPr lang="en-US" dirty="0"/>
+              <a:t>)</a:t>
+            </a:r>
+          </a:p>
+          <a:p>
+            <a:pPr lvl="1"/>
+            <a:r>
+              <a:rPr lang="en-US" dirty="0"/>
+              <a:t>Function for getting a peer's device address. </a:t>
+            </a:r>
+          </a:p>
+          <a:p>
+            <a:r>
+              <a:rPr lang="en-US" dirty="0" err="1" smtClean="0"/>
+              <a:t>dm_peer_addr_set</a:t>
+            </a:r>
+            <a:r>
+              <a:rPr lang="en-US" dirty="0" smtClean="0"/>
+              <a:t> </a:t>
+            </a:r>
+            <a:r>
+              <a:rPr lang="en-US" dirty="0"/>
+              <a:t>(</a:t>
+            </a:r>
+            <a:r>
+              <a:rPr lang="en-US" dirty="0" err="1"/>
+              <a:t>dm_handle_t</a:t>
+            </a:r>
+            <a:r>
+              <a:rPr lang="en-US" dirty="0"/>
+              <a:t> </a:t>
+            </a:r>
+            <a:r>
+              <a:rPr lang="en-US" dirty="0" err="1"/>
+              <a:t>const</a:t>
+            </a:r>
+            <a:r>
+              <a:rPr lang="en-US" dirty="0"/>
+              <a:t> *</a:t>
+            </a:r>
+            <a:r>
+              <a:rPr lang="en-US" dirty="0" err="1"/>
+              <a:t>p_handle</a:t>
+            </a:r>
+            <a:r>
+              <a:rPr lang="en-US" dirty="0"/>
+              <a:t>, </a:t>
+            </a:r>
+            <a:r>
+              <a:rPr lang="en-US" dirty="0" err="1"/>
+              <a:t>ble_gap_addr_t</a:t>
+            </a:r>
+            <a:r>
+              <a:rPr lang="en-US" dirty="0"/>
+              <a:t> </a:t>
+            </a:r>
+            <a:r>
+              <a:rPr lang="en-US" dirty="0" err="1"/>
+              <a:t>const</a:t>
+            </a:r>
+            <a:r>
+              <a:rPr lang="en-US" dirty="0"/>
+              <a:t> *</a:t>
+            </a:r>
+            <a:r>
+              <a:rPr lang="en-US" dirty="0" err="1"/>
+              <a:t>p_addr</a:t>
+            </a:r>
+            <a:r>
+              <a:rPr lang="en-US" dirty="0"/>
+              <a:t>)</a:t>
+            </a:r>
+          </a:p>
+          <a:p>
+            <a:pPr lvl="1"/>
+            <a:r>
+              <a:rPr lang="en-US" dirty="0"/>
+              <a:t>Function for setting/updating a peer's device address. </a:t>
+            </a:r>
+          </a:p>
+          <a:p>
+            <a:r>
+              <a:rPr lang="en-US" dirty="0" err="1" smtClean="0"/>
+              <a:t>dm_handle_initialize</a:t>
+            </a:r>
+            <a:r>
+              <a:rPr lang="en-US" dirty="0" smtClean="0"/>
+              <a:t> </a:t>
+            </a:r>
+            <a:r>
+              <a:rPr lang="en-US" dirty="0"/>
+              <a:t>(</a:t>
+            </a:r>
+            <a:r>
+              <a:rPr lang="en-US" dirty="0" err="1"/>
+              <a:t>dm_handle_t</a:t>
+            </a:r>
+            <a:r>
+              <a:rPr lang="en-US" dirty="0"/>
+              <a:t> *</a:t>
+            </a:r>
+            <a:r>
+              <a:rPr lang="en-US" dirty="0" err="1"/>
+              <a:t>p_handle</a:t>
+            </a:r>
+            <a:r>
+              <a:rPr lang="en-US" dirty="0"/>
+              <a:t>)</a:t>
+            </a:r>
+          </a:p>
+          <a:p>
+            <a:pPr lvl="1"/>
+            <a:r>
+              <a:rPr lang="en-US" dirty="0"/>
+              <a:t>Function for initializing Device Manager handle. </a:t>
+            </a:r>
+          </a:p>
+          <a:p>
+            <a:r>
+              <a:rPr lang="en-US" dirty="0" err="1" smtClean="0"/>
+              <a:t>dm_distributed_keys_get</a:t>
+            </a:r>
+            <a:r>
+              <a:rPr lang="en-US" dirty="0" smtClean="0"/>
+              <a:t> </a:t>
+            </a:r>
+            <a:r>
+              <a:rPr lang="en-US" dirty="0"/>
+              <a:t>(</a:t>
+            </a:r>
+            <a:r>
+              <a:rPr lang="en-US" dirty="0" err="1"/>
+              <a:t>dm_handle_t</a:t>
+            </a:r>
+            <a:r>
+              <a:rPr lang="en-US" dirty="0"/>
+              <a:t> </a:t>
+            </a:r>
+            <a:r>
+              <a:rPr lang="en-US" dirty="0" err="1"/>
+              <a:t>const</a:t>
+            </a:r>
+            <a:r>
+              <a:rPr lang="en-US" dirty="0"/>
+              <a:t> *</a:t>
+            </a:r>
+            <a:r>
+              <a:rPr lang="en-US" dirty="0" err="1"/>
+              <a:t>p_handle</a:t>
+            </a:r>
+            <a:r>
+              <a:rPr lang="en-US" dirty="0"/>
+              <a:t>, </a:t>
+            </a:r>
+            <a:r>
+              <a:rPr lang="en-US" dirty="0" err="1"/>
+              <a:t>dm_sec_keyset_t</a:t>
+            </a:r>
+            <a:r>
+              <a:rPr lang="en-US" dirty="0"/>
+              <a:t> *</a:t>
+            </a:r>
+            <a:r>
+              <a:rPr lang="en-US" dirty="0" err="1"/>
+              <a:t>p_key_dist</a:t>
+            </a:r>
+            <a:r>
+              <a:rPr lang="en-US" dirty="0"/>
+              <a:t>)</a:t>
+            </a:r>
+          </a:p>
+          <a:p>
+            <a:pPr lvl="1"/>
+            <a:r>
+              <a:rPr lang="en-US" dirty="0"/>
+              <a:t>Function for getting distributed keys for a device. </a:t>
+            </a:r>
+          </a:p>
+          <a:p>
+            <a:r>
+              <a:rPr lang="en-US" dirty="0" err="1" smtClean="0"/>
+              <a:t>dm_handle_get</a:t>
+            </a:r>
+            <a:r>
+              <a:rPr lang="en-US" dirty="0" smtClean="0"/>
+              <a:t> </a:t>
+            </a:r>
+            <a:r>
+              <a:rPr lang="en-US" dirty="0"/>
+              <a:t>(uint16_t </a:t>
+            </a:r>
+            <a:r>
+              <a:rPr lang="en-US" dirty="0" err="1"/>
+              <a:t>conn_handle</a:t>
+            </a:r>
+            <a:r>
+              <a:rPr lang="en-US" dirty="0"/>
+              <a:t>, </a:t>
+            </a:r>
+            <a:r>
+              <a:rPr lang="en-US" dirty="0" err="1"/>
+              <a:t>dm_handle_t</a:t>
+            </a:r>
+            <a:r>
+              <a:rPr lang="en-US" dirty="0"/>
+              <a:t> *</a:t>
+            </a:r>
+            <a:r>
+              <a:rPr lang="en-US" dirty="0" err="1"/>
+              <a:t>p_handle</a:t>
+            </a:r>
+            <a:r>
+              <a:rPr lang="en-US" dirty="0"/>
+              <a:t>)</a:t>
+            </a:r>
+          </a:p>
+          <a:p>
+            <a:pPr lvl="1"/>
+            <a:r>
+              <a:rPr lang="en-US" dirty="0"/>
+              <a:t>Function for getting the corresponding </a:t>
+            </a:r>
+            <a:r>
+              <a:rPr lang="en-US" dirty="0" err="1"/>
+              <a:t>dm_handle_t</a:t>
+            </a:r>
+            <a:r>
+              <a:rPr lang="en-US" dirty="0"/>
+              <a:t> based on the connection handle.</a:t>
+            </a:r>
+            <a:endParaRPr lang="en-US" dirty="0" smtClean="0"/>
           </a:p>
         </p:txBody>
       </p:sp>
@@ -24345,7 +24459,7 @@
     </p:spTree>
     <p:extLst>
       <p:ext uri="{BB962C8B-B14F-4D97-AF65-F5344CB8AC3E}">
-        <p14:creationId xmlns:p14="http://schemas.microsoft.com/office/powerpoint/2010/main" val="1115238077"/>
+        <p14:creationId xmlns:p14="http://schemas.microsoft.com/office/powerpoint/2010/main" val="3608335672"/>
       </p:ext>
     </p:extLst>
   </p:cSld>
@@ -24396,15 +24510,7 @@
           <a:p>
             <a:r>
               <a:rPr lang="nb-NO" dirty="0" smtClean="0"/>
-              <a:t>Task </a:t>
-            </a:r>
-            <a:r>
-              <a:rPr lang="nb-NO" dirty="0" smtClean="0"/>
-              <a:t>7: </a:t>
-            </a:r>
-            <a:r>
-              <a:rPr lang="nb-NO" dirty="0" smtClean="0"/>
-              <a:t>Device manager peripheral (if time)</a:t>
+              <a:t>Device manager - SDK</a:t>
             </a:r>
             <a:endParaRPr lang="nb-NO" dirty="0"/>
           </a:p>
@@ -24422,21 +24528,121 @@
         </p:nvSpPr>
         <p:spPr/>
         <p:txBody>
-          <a:bodyPr/>
-          <a:lstStyle/>
-          <a:p>
-            <a:r>
-              <a:rPr lang="nb-NO" dirty="0" smtClean="0"/>
-              <a:t>Enable </a:t>
-            </a:r>
-            <a:r>
-              <a:rPr lang="nb-NO" dirty="0" smtClean="0"/>
-              <a:t>Bonding in experimental UART example</a:t>
-            </a:r>
-            <a:endParaRPr lang="nb-NO" dirty="0"/>
-          </a:p>
-          <a:p>
-            <a:endParaRPr lang="nb-NO" dirty="0"/>
+          <a:bodyPr>
+            <a:normAutofit/>
+          </a:bodyPr>
+          <a:lstStyle/>
+          <a:p>
+            <a:r>
+              <a:rPr lang="en-US" dirty="0" smtClean="0"/>
+              <a:t>What do we get from the SDK examples?</a:t>
+            </a:r>
+          </a:p>
+          <a:p>
+            <a:pPr lvl="1"/>
+            <a:r>
+              <a:rPr lang="en-US" dirty="0" err="1"/>
+              <a:t>device_manager_init</a:t>
+            </a:r>
+            <a:r>
+              <a:rPr lang="en-US" dirty="0"/>
+              <a:t>(void)</a:t>
+            </a:r>
+          </a:p>
+          <a:p>
+            <a:pPr lvl="1"/>
+            <a:r>
+              <a:rPr lang="en-US" dirty="0" err="1" smtClean="0"/>
+              <a:t>device_manager_event_handler</a:t>
+            </a:r>
+            <a:r>
+              <a:rPr lang="en-US" dirty="0" smtClean="0"/>
+              <a:t>(</a:t>
+            </a:r>
+          </a:p>
+          <a:p>
+            <a:pPr lvl="2"/>
+            <a:r>
+              <a:rPr lang="en-US" dirty="0" err="1" smtClean="0"/>
+              <a:t>dm_handle_t</a:t>
+            </a:r>
+            <a:r>
+              <a:rPr lang="en-US" dirty="0" smtClean="0"/>
+              <a:t>    </a:t>
+            </a:r>
+            <a:r>
+              <a:rPr lang="en-US" dirty="0"/>
+              <a:t>* </a:t>
+            </a:r>
+            <a:r>
+              <a:rPr lang="en-US" dirty="0" err="1" smtClean="0"/>
+              <a:t>p_handle</a:t>
+            </a:r>
+            <a:r>
+              <a:rPr lang="en-US" dirty="0" smtClean="0"/>
+              <a:t>,</a:t>
+            </a:r>
+          </a:p>
+          <a:p>
+            <a:pPr lvl="2"/>
+            <a:r>
+              <a:rPr lang="en-US" dirty="0" err="1" smtClean="0"/>
+              <a:t>dm_event_t</a:t>
+            </a:r>
+            <a:r>
+              <a:rPr lang="en-US" dirty="0" smtClean="0"/>
+              <a:t>     </a:t>
+            </a:r>
+            <a:r>
+              <a:rPr lang="en-US" dirty="0"/>
+              <a:t>* </a:t>
+            </a:r>
+            <a:r>
+              <a:rPr lang="en-US" dirty="0" err="1" smtClean="0"/>
+              <a:t>p_event</a:t>
+            </a:r>
+            <a:r>
+              <a:rPr lang="en-US" dirty="0" smtClean="0"/>
+              <a:t>,</a:t>
+            </a:r>
+          </a:p>
+          <a:p>
+            <a:pPr lvl="2"/>
+            <a:r>
+              <a:rPr lang="en-US" dirty="0" err="1" smtClean="0"/>
+              <a:t>ret_code_t</a:t>
+            </a:r>
+            <a:r>
+              <a:rPr lang="en-US" dirty="0" smtClean="0"/>
+              <a:t>     </a:t>
+            </a:r>
+            <a:r>
+              <a:rPr lang="en-US" dirty="0" err="1"/>
+              <a:t>event_result</a:t>
+            </a:r>
+            <a:r>
+              <a:rPr lang="en-US" dirty="0" smtClean="0"/>
+              <a:t>)</a:t>
+            </a:r>
+          </a:p>
+          <a:p>
+            <a:pPr lvl="1"/>
+            <a:r>
+              <a:rPr lang="en-US" dirty="0" err="1" smtClean="0"/>
+              <a:t>Device_manager_central.h</a:t>
+            </a:r>
+            <a:r>
+              <a:rPr lang="en-US" dirty="0" smtClean="0"/>
+              <a:t> and .c</a:t>
+            </a:r>
+          </a:p>
+          <a:p>
+            <a:pPr lvl="2"/>
+            <a:r>
+              <a:rPr lang="nb-NO" dirty="0" smtClean="0"/>
+              <a:t>dm_ble_evt_handler</a:t>
+            </a:r>
+            <a:endParaRPr lang="en-US" dirty="0" smtClean="0"/>
           </a:p>
         </p:txBody>
       </p:sp>
@@ -24490,7 +24696,7 @@
     </p:spTree>
     <p:extLst>
       <p:ext uri="{BB962C8B-B14F-4D97-AF65-F5344CB8AC3E}">
-        <p14:creationId xmlns:p14="http://schemas.microsoft.com/office/powerpoint/2010/main" val="40911073"/>
+        <p14:creationId xmlns:p14="http://schemas.microsoft.com/office/powerpoint/2010/main" val="4067924021"/>
       </p:ext>
     </p:extLst>
   </p:cSld>
@@ -24541,7 +24747,7 @@
           <a:p>
             <a:r>
               <a:rPr lang="nb-NO" dirty="0" smtClean="0"/>
-              <a:t>Current consumption and calculation</a:t>
+              <a:t>Device manager - SDK</a:t>
             </a:r>
             <a:endParaRPr lang="nb-NO" dirty="0"/>
           </a:p>
@@ -24559,20 +24765,15 @@
         </p:nvSpPr>
         <p:spPr/>
         <p:txBody>
-          <a:bodyPr/>
-          <a:lstStyle/>
-          <a:p>
-            <a:r>
-              <a:rPr lang="nb-NO" dirty="0" smtClean="0"/>
-              <a:t>Same as S110 + S110</a:t>
-            </a:r>
-          </a:p>
-          <a:p>
-            <a:r>
-              <a:rPr lang="nb-NO" dirty="0" smtClean="0"/>
-              <a:t>Current consumption chart</a:t>
-            </a:r>
-            <a:endParaRPr lang="nb-NO" dirty="0"/>
+          <a:bodyPr>
+            <a:normAutofit/>
+          </a:bodyPr>
+          <a:lstStyle/>
+          <a:p>
+            <a:r>
+              <a:rPr lang="en-US" dirty="0" smtClean="0"/>
+              <a:t>Look at message sequence charts in SDK documentation </a:t>
+            </a:r>
           </a:p>
         </p:txBody>
       </p:sp>
@@ -24595,6 +24796,351 @@
               <a:rPr lang="nb-NO" smtClean="0"/>
               <a:pPr/>
               <a:t>52</a:t>
+            </a:fld>
+            <a:endParaRPr lang="nb-NO" dirty="0"/>
+          </a:p>
+        </p:txBody>
+      </p:sp>
+      <p:sp>
+        <p:nvSpPr>
+          <p:cNvPr id="5" name="Footer Placeholder 4"/>
+          <p:cNvSpPr>
+            <a:spLocks noGrp="1"/>
+          </p:cNvSpPr>
+          <p:nvPr>
+            <p:ph type="ftr" sz="quarter" idx="15"/>
+          </p:nvPr>
+        </p:nvSpPr>
+        <p:spPr/>
+        <p:txBody>
+          <a:bodyPr/>
+          <a:lstStyle/>
+          <a:p>
+            <a:r>
+              <a:rPr lang="en-US" dirty="0" smtClean="0"/>
+              <a:t>PRESENTATION TITLE</a:t>
+            </a:r>
+            <a:endParaRPr lang="nb-NO" dirty="0"/>
+          </a:p>
+        </p:txBody>
+      </p:sp>
+    </p:spTree>
+    <p:extLst>
+      <p:ext uri="{BB962C8B-B14F-4D97-AF65-F5344CB8AC3E}">
+        <p14:creationId xmlns:p14="http://schemas.microsoft.com/office/powerpoint/2010/main" val="1620625136"/>
+      </p:ext>
+    </p:extLst>
+  </p:cSld>
+  <p:clrMapOvr>
+    <a:masterClrMapping/>
+  </p:clrMapOvr>
+  <p:timing>
+    <p:tnLst>
+      <p:par>
+        <p:cTn id="1" dur="indefinite" restart="never" nodeType="tmRoot"/>
+      </p:par>
+    </p:tnLst>
+  </p:timing>
+</p:sld>
+</file>
+
+<file path=ppt/slides/slide53.xml><?xml version="1.0" encoding="utf-8"?>
+<p:sld xmlns:a="http://schemas.openxmlformats.org/drawingml/2006/main" xmlns:r="http://schemas.openxmlformats.org/officeDocument/2006/relationships" xmlns:p="http://schemas.openxmlformats.org/presentationml/2006/main">
+  <p:cSld>
+    <p:spTree>
+      <p:nvGrpSpPr>
+        <p:cNvPr id="1" name=""/>
+        <p:cNvGrpSpPr/>
+        <p:nvPr/>
+      </p:nvGrpSpPr>
+      <p:grpSpPr>
+        <a:xfrm>
+          <a:off x="0" y="0"/>
+          <a:ext cx="0" cy="0"/>
+          <a:chOff x="0" y="0"/>
+          <a:chExt cx="0" cy="0"/>
+        </a:xfrm>
+      </p:grpSpPr>
+      <p:sp>
+        <p:nvSpPr>
+          <p:cNvPr id="2" name="Title 1"/>
+          <p:cNvSpPr>
+            <a:spLocks noGrp="1"/>
+          </p:cNvSpPr>
+          <p:nvPr>
+            <p:ph type="title"/>
+          </p:nvPr>
+        </p:nvSpPr>
+        <p:spPr/>
+        <p:txBody>
+          <a:bodyPr/>
+          <a:lstStyle/>
+          <a:p>
+            <a:r>
+              <a:rPr lang="nb-NO" dirty="0" smtClean="0"/>
+              <a:t>Task 5: Device manager central</a:t>
+            </a:r>
+            <a:endParaRPr lang="nb-NO" dirty="0"/>
+          </a:p>
+        </p:txBody>
+      </p:sp>
+      <p:sp>
+        <p:nvSpPr>
+          <p:cNvPr id="3" name="Content Placeholder 2"/>
+          <p:cNvSpPr>
+            <a:spLocks noGrp="1"/>
+          </p:cNvSpPr>
+          <p:nvPr>
+            <p:ph idx="1"/>
+          </p:nvPr>
+        </p:nvSpPr>
+        <p:spPr/>
+        <p:txBody>
+          <a:bodyPr/>
+          <a:lstStyle/>
+          <a:p>
+            <a:r>
+              <a:rPr lang="nb-NO" dirty="0" smtClean="0"/>
+              <a:t>Task template</a:t>
+            </a:r>
+          </a:p>
+          <a:p>
+            <a:pPr lvl="1"/>
+            <a:r>
+              <a:rPr lang="nb-NO" dirty="0" smtClean="0"/>
+              <a:t>@Todo</a:t>
+            </a:r>
+          </a:p>
+          <a:p>
+            <a:pPr lvl="1"/>
+            <a:r>
+              <a:rPr lang="nb-NO" dirty="0" smtClean="0"/>
+              <a:t>Initialize Device manager</a:t>
+            </a:r>
+          </a:p>
+          <a:p>
+            <a:pPr lvl="1"/>
+            <a:r>
+              <a:rPr lang="nb-NO" dirty="0" smtClean="0"/>
+              <a:t>Add Device manager ble event handler</a:t>
+            </a:r>
+          </a:p>
+        </p:txBody>
+      </p:sp>
+      <p:sp>
+        <p:nvSpPr>
+          <p:cNvPr id="4" name="Slide Number Placeholder 3"/>
+          <p:cNvSpPr>
+            <a:spLocks noGrp="1"/>
+          </p:cNvSpPr>
+          <p:nvPr>
+            <p:ph type="sldNum" sz="quarter" idx="4"/>
+          </p:nvPr>
+        </p:nvSpPr>
+        <p:spPr/>
+        <p:txBody>
+          <a:bodyPr/>
+          <a:lstStyle/>
+          <a:p>
+            <a:fld id="{675FC88E-5E7B-485A-9F37-AB992AC6987C}" type="slidenum">
+              <a:rPr lang="nb-NO" smtClean="0"/>
+              <a:pPr/>
+              <a:t>53</a:t>
+            </a:fld>
+            <a:endParaRPr lang="nb-NO" dirty="0"/>
+          </a:p>
+        </p:txBody>
+      </p:sp>
+      <p:sp>
+        <p:nvSpPr>
+          <p:cNvPr id="5" name="Footer Placeholder 4"/>
+          <p:cNvSpPr>
+            <a:spLocks noGrp="1"/>
+          </p:cNvSpPr>
+          <p:nvPr>
+            <p:ph type="ftr" sz="quarter" idx="15"/>
+          </p:nvPr>
+        </p:nvSpPr>
+        <p:spPr/>
+        <p:txBody>
+          <a:bodyPr/>
+          <a:lstStyle/>
+          <a:p>
+            <a:r>
+              <a:rPr lang="en-US" dirty="0" smtClean="0"/>
+              <a:t>PRESENTATION TITLE</a:t>
+            </a:r>
+            <a:endParaRPr lang="nb-NO" dirty="0"/>
+          </a:p>
+        </p:txBody>
+      </p:sp>
+    </p:spTree>
+    <p:extLst>
+      <p:ext uri="{BB962C8B-B14F-4D97-AF65-F5344CB8AC3E}">
+        <p14:creationId xmlns:p14="http://schemas.microsoft.com/office/powerpoint/2010/main" val="1614149446"/>
+      </p:ext>
+    </p:extLst>
+  </p:cSld>
+  <p:clrMapOvr>
+    <a:masterClrMapping/>
+  </p:clrMapOvr>
+  <p:timing>
+    <p:tnLst>
+      <p:par>
+        <p:cTn id="1" dur="indefinite" restart="never" nodeType="tmRoot"/>
+      </p:par>
+    </p:tnLst>
+  </p:timing>
+</p:sld>
+</file>
+
+<file path=ppt/slides/slide54.xml><?xml version="1.0" encoding="utf-8"?>
+<p:sld xmlns:a="http://schemas.openxmlformats.org/drawingml/2006/main" xmlns:r="http://schemas.openxmlformats.org/officeDocument/2006/relationships" xmlns:p="http://schemas.openxmlformats.org/presentationml/2006/main">
+  <p:cSld>
+    <p:spTree>
+      <p:nvGrpSpPr>
+        <p:cNvPr id="1" name=""/>
+        <p:cNvGrpSpPr/>
+        <p:nvPr/>
+      </p:nvGrpSpPr>
+      <p:grpSpPr>
+        <a:xfrm>
+          <a:off x="0" y="0"/>
+          <a:ext cx="0" cy="0"/>
+          <a:chOff x="0" y="0"/>
+          <a:chExt cx="0" cy="0"/>
+        </a:xfrm>
+      </p:grpSpPr>
+      <p:sp>
+        <p:nvSpPr>
+          <p:cNvPr id="2" name="Title 1"/>
+          <p:cNvSpPr>
+            <a:spLocks noGrp="1"/>
+          </p:cNvSpPr>
+          <p:nvPr>
+            <p:ph type="title"/>
+          </p:nvPr>
+        </p:nvSpPr>
+        <p:spPr/>
+        <p:txBody>
+          <a:bodyPr/>
+          <a:lstStyle/>
+          <a:p>
+            <a:r>
+              <a:rPr lang="nb-NO" dirty="0" smtClean="0"/>
+              <a:t>Current consumption and calculation</a:t>
+            </a:r>
+            <a:endParaRPr lang="nb-NO" dirty="0"/>
+          </a:p>
+        </p:txBody>
+      </p:sp>
+      <p:sp>
+        <p:nvSpPr>
+          <p:cNvPr id="3" name="Content Placeholder 2"/>
+          <p:cNvSpPr>
+            <a:spLocks noGrp="1"/>
+          </p:cNvSpPr>
+          <p:nvPr>
+            <p:ph idx="1"/>
+          </p:nvPr>
+        </p:nvSpPr>
+        <p:spPr/>
+        <p:txBody>
+          <a:bodyPr/>
+          <a:lstStyle/>
+          <a:p>
+            <a:r>
+              <a:rPr lang="nb-NO" dirty="0" smtClean="0"/>
+              <a:t>Maintaining a peripheral role connection is the same as for S110</a:t>
+            </a:r>
+          </a:p>
+          <a:p>
+            <a:r>
+              <a:rPr lang="nb-NO" dirty="0" smtClean="0"/>
+              <a:t>Central role connection is approxematily the same as for S110</a:t>
+            </a:r>
+          </a:p>
+          <a:p>
+            <a:pPr lvl="1"/>
+            <a:r>
+              <a:rPr lang="nb-NO" dirty="0" smtClean="0"/>
+              <a:t>Due to window widening the Peripheral role is in RX for sligthly longer this the current consumtion is actually lower for the central role as soon as the connection is esthablished</a:t>
+            </a:r>
+          </a:p>
+          <a:p>
+            <a:r>
+              <a:rPr lang="nb-NO" dirty="0" smtClean="0"/>
+              <a:t>1 central role connection + 1 peripheral role connection</a:t>
+            </a:r>
+          </a:p>
+          <a:p>
+            <a:pPr lvl="1"/>
+            <a:r>
+              <a:rPr lang="nb-NO" dirty="0" smtClean="0"/>
+              <a:t>= 2 x S110 connections</a:t>
+            </a:r>
+          </a:p>
+          <a:p>
+            <a:pPr lvl="1"/>
+            <a:r>
+              <a:rPr lang="nb-NO" dirty="0" smtClean="0"/>
+              <a:t>Assuming same connection parameters and data transfer</a:t>
+            </a:r>
+          </a:p>
+          <a:p>
+            <a:r>
+              <a:rPr lang="nb-NO" dirty="0" smtClean="0"/>
+              <a:t>3 Centrale role connections = approx. 3x S110 peripheral connections</a:t>
+            </a:r>
+          </a:p>
+          <a:p>
+            <a:pPr lvl="1"/>
+            <a:r>
+              <a:rPr lang="nb-NO" dirty="0" smtClean="0"/>
+              <a:t>Assuming same connection parameters and data transfer</a:t>
+            </a:r>
+          </a:p>
+          <a:p>
+            <a:r>
+              <a:rPr lang="nb-NO" dirty="0" smtClean="0"/>
+              <a:t>Scanning consumes power</a:t>
+            </a:r>
+          </a:p>
+          <a:p>
+            <a:pPr lvl="1"/>
+            <a:r>
+              <a:rPr lang="nb-NO" dirty="0" smtClean="0"/>
+              <a:t>Staying in RX mode for a long time </a:t>
+            </a:r>
+          </a:p>
+          <a:p>
+            <a:pPr lvl="1"/>
+            <a:r>
+              <a:rPr lang="nb-NO" dirty="0" smtClean="0"/>
+              <a:t>Calculate consumption by using the RX current and estimate the time it will be scanning.</a:t>
+            </a:r>
+          </a:p>
+        </p:txBody>
+      </p:sp>
+      <p:sp>
+        <p:nvSpPr>
+          <p:cNvPr id="4" name="Slide Number Placeholder 3"/>
+          <p:cNvSpPr>
+            <a:spLocks noGrp="1"/>
+          </p:cNvSpPr>
+          <p:nvPr>
+            <p:ph type="sldNum" sz="quarter" idx="4"/>
+          </p:nvPr>
+        </p:nvSpPr>
+        <p:spPr/>
+        <p:txBody>
+          <a:bodyPr/>
+          <a:lstStyle/>
+          <a:p>
+            <a:fld id="{675FC88E-5E7B-485A-9F37-AB992AC6987C}" type="slidenum">
+              <a:rPr lang="nb-NO" smtClean="0"/>
+              <a:pPr/>
+              <a:t>54</a:t>
             </a:fld>
             <a:endParaRPr lang="nb-NO" dirty="0"/>
           </a:p>
@@ -24643,6 +25189,470 @@
 </p:sld>
 </file>
 
+<file path=ppt/slides/slide55.xml><?xml version="1.0" encoding="utf-8"?>
+<p:sld xmlns:a="http://schemas.openxmlformats.org/drawingml/2006/main" xmlns:r="http://schemas.openxmlformats.org/officeDocument/2006/relationships" xmlns:p="http://schemas.openxmlformats.org/presentationml/2006/main">
+  <p:cSld>
+    <p:spTree>
+      <p:nvGrpSpPr>
+        <p:cNvPr id="1" name=""/>
+        <p:cNvGrpSpPr/>
+        <p:nvPr/>
+      </p:nvGrpSpPr>
+      <p:grpSpPr>
+        <a:xfrm>
+          <a:off x="0" y="0"/>
+          <a:ext cx="0" cy="0"/>
+          <a:chOff x="0" y="0"/>
+          <a:chExt cx="0" cy="0"/>
+        </a:xfrm>
+      </p:grpSpPr>
+      <p:sp>
+        <p:nvSpPr>
+          <p:cNvPr id="2" name="Title 1"/>
+          <p:cNvSpPr>
+            <a:spLocks noGrp="1"/>
+          </p:cNvSpPr>
+          <p:nvPr>
+            <p:ph type="title"/>
+          </p:nvPr>
+        </p:nvSpPr>
+        <p:spPr/>
+        <p:txBody>
+          <a:bodyPr/>
+          <a:lstStyle/>
+          <a:p>
+            <a:r>
+              <a:rPr lang="nb-NO" dirty="0" smtClean="0"/>
+              <a:t>Task 6: Device manager peripheral</a:t>
+            </a:r>
+            <a:endParaRPr lang="nb-NO" dirty="0"/>
+          </a:p>
+        </p:txBody>
+      </p:sp>
+      <p:sp>
+        <p:nvSpPr>
+          <p:cNvPr id="3" name="Content Placeholder 2"/>
+          <p:cNvSpPr>
+            <a:spLocks noGrp="1"/>
+          </p:cNvSpPr>
+          <p:nvPr>
+            <p:ph idx="1"/>
+          </p:nvPr>
+        </p:nvSpPr>
+        <p:spPr/>
+        <p:txBody>
+          <a:bodyPr/>
+          <a:lstStyle/>
+          <a:p>
+            <a:r>
+              <a:rPr lang="nb-NO" dirty="0" smtClean="0"/>
+              <a:t>Enable bonding requirement in Heart rate </a:t>
+            </a:r>
+            <a:r>
+              <a:rPr lang="nb-NO" dirty="0" smtClean="0"/>
+              <a:t>example SDK 8.0.0</a:t>
+            </a:r>
+            <a:endParaRPr lang="nb-NO" dirty="0"/>
+          </a:p>
+          <a:p>
+            <a:endParaRPr lang="nb-NO" dirty="0"/>
+          </a:p>
+        </p:txBody>
+      </p:sp>
+      <p:sp>
+        <p:nvSpPr>
+          <p:cNvPr id="4" name="Slide Number Placeholder 3"/>
+          <p:cNvSpPr>
+            <a:spLocks noGrp="1"/>
+          </p:cNvSpPr>
+          <p:nvPr>
+            <p:ph type="sldNum" sz="quarter" idx="4"/>
+          </p:nvPr>
+        </p:nvSpPr>
+        <p:spPr/>
+        <p:txBody>
+          <a:bodyPr/>
+          <a:lstStyle/>
+          <a:p>
+            <a:fld id="{675FC88E-5E7B-485A-9F37-AB992AC6987C}" type="slidenum">
+              <a:rPr lang="nb-NO" smtClean="0"/>
+              <a:pPr/>
+              <a:t>55</a:t>
+            </a:fld>
+            <a:endParaRPr lang="nb-NO" dirty="0"/>
+          </a:p>
+        </p:txBody>
+      </p:sp>
+      <p:sp>
+        <p:nvSpPr>
+          <p:cNvPr id="5" name="Footer Placeholder 4"/>
+          <p:cNvSpPr>
+            <a:spLocks noGrp="1"/>
+          </p:cNvSpPr>
+          <p:nvPr>
+            <p:ph type="ftr" sz="quarter" idx="15"/>
+          </p:nvPr>
+        </p:nvSpPr>
+        <p:spPr/>
+        <p:txBody>
+          <a:bodyPr/>
+          <a:lstStyle/>
+          <a:p>
+            <a:r>
+              <a:rPr lang="en-US" dirty="0" smtClean="0"/>
+              <a:t>PRESENTATION TITLE</a:t>
+            </a:r>
+            <a:endParaRPr lang="nb-NO" dirty="0"/>
+          </a:p>
+        </p:txBody>
+      </p:sp>
+    </p:spTree>
+    <p:extLst>
+      <p:ext uri="{BB962C8B-B14F-4D97-AF65-F5344CB8AC3E}">
+        <p14:creationId xmlns:p14="http://schemas.microsoft.com/office/powerpoint/2010/main" val="1115238077"/>
+      </p:ext>
+    </p:extLst>
+  </p:cSld>
+  <p:clrMapOvr>
+    <a:masterClrMapping/>
+  </p:clrMapOvr>
+  <p:timing>
+    <p:tnLst>
+      <p:par>
+        <p:cTn id="1" dur="indefinite" restart="never" nodeType="tmRoot"/>
+      </p:par>
+    </p:tnLst>
+  </p:timing>
+</p:sld>
+</file>
+
+<file path=ppt/slides/slide56.xml><?xml version="1.0" encoding="utf-8"?>
+<p:sld xmlns:a="http://schemas.openxmlformats.org/drawingml/2006/main" xmlns:r="http://schemas.openxmlformats.org/officeDocument/2006/relationships" xmlns:p="http://schemas.openxmlformats.org/presentationml/2006/main">
+  <p:cSld>
+    <p:spTree>
+      <p:nvGrpSpPr>
+        <p:cNvPr id="1" name=""/>
+        <p:cNvGrpSpPr/>
+        <p:nvPr/>
+      </p:nvGrpSpPr>
+      <p:grpSpPr>
+        <a:xfrm>
+          <a:off x="0" y="0"/>
+          <a:ext cx="0" cy="0"/>
+          <a:chOff x="0" y="0"/>
+          <a:chExt cx="0" cy="0"/>
+        </a:xfrm>
+      </p:grpSpPr>
+      <p:sp>
+        <p:nvSpPr>
+          <p:cNvPr id="2" name="Title 1"/>
+          <p:cNvSpPr>
+            <a:spLocks noGrp="1"/>
+          </p:cNvSpPr>
+          <p:nvPr>
+            <p:ph type="title"/>
+          </p:nvPr>
+        </p:nvSpPr>
+        <p:spPr/>
+        <p:txBody>
+          <a:bodyPr/>
+          <a:lstStyle/>
+          <a:p>
+            <a:r>
+              <a:rPr lang="nb-NO" dirty="0" smtClean="0"/>
+              <a:t>Task 7: Device manager peripheral</a:t>
+            </a:r>
+            <a:endParaRPr lang="nb-NO" dirty="0"/>
+          </a:p>
+        </p:txBody>
+      </p:sp>
+      <p:sp>
+        <p:nvSpPr>
+          <p:cNvPr id="3" name="Content Placeholder 2"/>
+          <p:cNvSpPr>
+            <a:spLocks noGrp="1"/>
+          </p:cNvSpPr>
+          <p:nvPr>
+            <p:ph idx="1"/>
+          </p:nvPr>
+        </p:nvSpPr>
+        <p:spPr/>
+        <p:txBody>
+          <a:bodyPr/>
+          <a:lstStyle/>
+          <a:p>
+            <a:r>
+              <a:rPr lang="nb-NO" dirty="0" smtClean="0"/>
+              <a:t>Enable Bonding in the UART example in SDK 8.0.0</a:t>
+            </a:r>
+          </a:p>
+          <a:p>
+            <a:pPr lvl="1"/>
+            <a:r>
+              <a:rPr lang="nb-NO" dirty="0" smtClean="0"/>
+              <a:t>Look at a project that already has bonding enabled</a:t>
+            </a:r>
+          </a:p>
+          <a:p>
+            <a:pPr lvl="1"/>
+            <a:r>
+              <a:rPr lang="nb-NO" dirty="0" smtClean="0"/>
+              <a:t>Verify with phone or the mastercontrol panel.</a:t>
+            </a:r>
+            <a:endParaRPr lang="nb-NO" dirty="0"/>
+          </a:p>
+          <a:p>
+            <a:endParaRPr lang="nb-NO" dirty="0"/>
+          </a:p>
+        </p:txBody>
+      </p:sp>
+      <p:sp>
+        <p:nvSpPr>
+          <p:cNvPr id="4" name="Slide Number Placeholder 3"/>
+          <p:cNvSpPr>
+            <a:spLocks noGrp="1"/>
+          </p:cNvSpPr>
+          <p:nvPr>
+            <p:ph type="sldNum" sz="quarter" idx="4"/>
+          </p:nvPr>
+        </p:nvSpPr>
+        <p:spPr/>
+        <p:txBody>
+          <a:bodyPr/>
+          <a:lstStyle/>
+          <a:p>
+            <a:fld id="{675FC88E-5E7B-485A-9F37-AB992AC6987C}" type="slidenum">
+              <a:rPr lang="nb-NO" smtClean="0"/>
+              <a:pPr/>
+              <a:t>56</a:t>
+            </a:fld>
+            <a:endParaRPr lang="nb-NO" dirty="0"/>
+          </a:p>
+        </p:txBody>
+      </p:sp>
+      <p:sp>
+        <p:nvSpPr>
+          <p:cNvPr id="5" name="Footer Placeholder 4"/>
+          <p:cNvSpPr>
+            <a:spLocks noGrp="1"/>
+          </p:cNvSpPr>
+          <p:nvPr>
+            <p:ph type="ftr" sz="quarter" idx="15"/>
+          </p:nvPr>
+        </p:nvSpPr>
+        <p:spPr/>
+        <p:txBody>
+          <a:bodyPr/>
+          <a:lstStyle/>
+          <a:p>
+            <a:r>
+              <a:rPr lang="en-US" dirty="0" smtClean="0"/>
+              <a:t>PRESENTATION TITLE</a:t>
+            </a:r>
+            <a:endParaRPr lang="nb-NO" dirty="0"/>
+          </a:p>
+        </p:txBody>
+      </p:sp>
+    </p:spTree>
+    <p:extLst>
+      <p:ext uri="{BB962C8B-B14F-4D97-AF65-F5344CB8AC3E}">
+        <p14:creationId xmlns:p14="http://schemas.microsoft.com/office/powerpoint/2010/main" val="40911073"/>
+      </p:ext>
+    </p:extLst>
+  </p:cSld>
+  <p:clrMapOvr>
+    <a:masterClrMapping/>
+  </p:clrMapOvr>
+  <p:timing>
+    <p:tnLst>
+      <p:par>
+        <p:cTn id="1" dur="indefinite" restart="never" nodeType="tmRoot"/>
+      </p:par>
+    </p:tnLst>
+  </p:timing>
+</p:sld>
+</file>
+
+<file path=ppt/slides/slide57.xml><?xml version="1.0" encoding="utf-8"?>
+<p:sld xmlns:a="http://schemas.openxmlformats.org/drawingml/2006/main" xmlns:r="http://schemas.openxmlformats.org/officeDocument/2006/relationships" xmlns:p="http://schemas.openxmlformats.org/presentationml/2006/main">
+  <p:cSld>
+    <p:spTree>
+      <p:nvGrpSpPr>
+        <p:cNvPr id="1" name=""/>
+        <p:cNvGrpSpPr/>
+        <p:nvPr/>
+      </p:nvGrpSpPr>
+      <p:grpSpPr>
+        <a:xfrm>
+          <a:off x="0" y="0"/>
+          <a:ext cx="0" cy="0"/>
+          <a:chOff x="0" y="0"/>
+          <a:chExt cx="0" cy="0"/>
+        </a:xfrm>
+      </p:grpSpPr>
+      <p:sp>
+        <p:nvSpPr>
+          <p:cNvPr id="2" name="Title 1"/>
+          <p:cNvSpPr>
+            <a:spLocks noGrp="1"/>
+          </p:cNvSpPr>
+          <p:nvPr>
+            <p:ph type="title"/>
+          </p:nvPr>
+        </p:nvSpPr>
+        <p:spPr/>
+        <p:txBody>
+          <a:bodyPr/>
+          <a:lstStyle/>
+          <a:p>
+            <a:r>
+              <a:rPr lang="nb-NO" dirty="0" smtClean="0"/>
+              <a:t>Summary</a:t>
+            </a:r>
+            <a:endParaRPr lang="nb-NO" dirty="0"/>
+          </a:p>
+        </p:txBody>
+      </p:sp>
+      <p:sp>
+        <p:nvSpPr>
+          <p:cNvPr id="3" name="Content Placeholder 2"/>
+          <p:cNvSpPr>
+            <a:spLocks noGrp="1"/>
+          </p:cNvSpPr>
+          <p:nvPr>
+            <p:ph idx="1"/>
+          </p:nvPr>
+        </p:nvSpPr>
+        <p:spPr/>
+        <p:txBody>
+          <a:bodyPr/>
+          <a:lstStyle/>
+          <a:p>
+            <a:r>
+              <a:rPr lang="nb-NO" dirty="0" smtClean="0"/>
+              <a:t>You can find this information in</a:t>
+            </a:r>
+          </a:p>
+          <a:p>
+            <a:pPr lvl="1"/>
+            <a:r>
+              <a:rPr lang="nb-NO" dirty="0" smtClean="0"/>
+              <a:t>SDK documentation</a:t>
+            </a:r>
+          </a:p>
+          <a:p>
+            <a:pPr lvl="2"/>
+            <a:r>
+              <a:rPr lang="nb-NO" dirty="0" smtClean="0"/>
+              <a:t>Message sequence charts</a:t>
+            </a:r>
+          </a:p>
+          <a:p>
+            <a:pPr lvl="1"/>
+            <a:r>
+              <a:rPr lang="nb-NO" dirty="0" smtClean="0"/>
+              <a:t>Softdevice Specification</a:t>
+            </a:r>
+          </a:p>
+          <a:p>
+            <a:pPr lvl="2"/>
+            <a:r>
+              <a:rPr lang="nb-NO" dirty="0" smtClean="0"/>
+              <a:t>S130 SDS will berelease with S130 v1.0.0</a:t>
+            </a:r>
+          </a:p>
+          <a:p>
+            <a:pPr lvl="1"/>
+            <a:r>
+              <a:rPr lang="nb-NO" dirty="0" smtClean="0"/>
+              <a:t>Softdevice release notes</a:t>
+            </a:r>
+          </a:p>
+          <a:p>
+            <a:pPr lvl="1"/>
+            <a:r>
+              <a:rPr lang="nb-NO" dirty="0" smtClean="0"/>
+              <a:t>Softdevice migration notes</a:t>
+            </a:r>
+          </a:p>
+          <a:p>
+            <a:endParaRPr lang="nb-NO" dirty="0"/>
+          </a:p>
+          <a:p>
+            <a:r>
+              <a:rPr lang="nb-NO" dirty="0" smtClean="0"/>
+              <a:t>Questions can be asked in devzone or on mypage</a:t>
+            </a:r>
+          </a:p>
+          <a:p>
+            <a:pPr lvl="1"/>
+            <a:r>
+              <a:rPr lang="nb-NO" dirty="0"/>
+              <a:t>https://devzone.nordicsemi.com</a:t>
+            </a:r>
+          </a:p>
+        </p:txBody>
+      </p:sp>
+      <p:sp>
+        <p:nvSpPr>
+          <p:cNvPr id="4" name="Slide Number Placeholder 3"/>
+          <p:cNvSpPr>
+            <a:spLocks noGrp="1"/>
+          </p:cNvSpPr>
+          <p:nvPr>
+            <p:ph type="sldNum" sz="quarter" idx="4"/>
+          </p:nvPr>
+        </p:nvSpPr>
+        <p:spPr/>
+        <p:txBody>
+          <a:bodyPr/>
+          <a:lstStyle/>
+          <a:p>
+            <a:fld id="{675FC88E-5E7B-485A-9F37-AB992AC6987C}" type="slidenum">
+              <a:rPr lang="nb-NO" smtClean="0"/>
+              <a:pPr/>
+              <a:t>57</a:t>
+            </a:fld>
+            <a:endParaRPr lang="nb-NO" dirty="0"/>
+          </a:p>
+        </p:txBody>
+      </p:sp>
+      <p:sp>
+        <p:nvSpPr>
+          <p:cNvPr id="5" name="Footer Placeholder 4"/>
+          <p:cNvSpPr>
+            <a:spLocks noGrp="1"/>
+          </p:cNvSpPr>
+          <p:nvPr>
+            <p:ph type="ftr" sz="quarter" idx="15"/>
+          </p:nvPr>
+        </p:nvSpPr>
+        <p:spPr/>
+        <p:txBody>
+          <a:bodyPr/>
+          <a:lstStyle/>
+          <a:p>
+            <a:r>
+              <a:rPr lang="en-US" smtClean="0"/>
+              <a:t>PRESENTATION TITLE</a:t>
+            </a:r>
+            <a:endParaRPr lang="nb-NO" dirty="0"/>
+          </a:p>
+        </p:txBody>
+      </p:sp>
+    </p:spTree>
+    <p:extLst>
+      <p:ext uri="{BB962C8B-B14F-4D97-AF65-F5344CB8AC3E}">
+        <p14:creationId xmlns:p14="http://schemas.microsoft.com/office/powerpoint/2010/main" val="1292993540"/>
+      </p:ext>
+    </p:extLst>
+  </p:cSld>
+  <p:clrMapOvr>
+    <a:masterClrMapping/>
+  </p:clrMapOvr>
+</p:sld>
+</file>
+
 <file path=ppt/slides/slide6.xml><?xml version="1.0" encoding="utf-8"?>
 <p:sld xmlns:a="http://schemas.openxmlformats.org/drawingml/2006/main" xmlns:r="http://schemas.openxmlformats.org/officeDocument/2006/relationships" xmlns:p="http://schemas.openxmlformats.org/presentationml/2006/main">
   <p:cSld>
@@ -24813,11 +25823,11 @@
   <p:clrMapOvr>
     <a:masterClrMapping/>
   </p:clrMapOvr>
-  <mc:AlternateContent xmlns:mc="http://schemas.openxmlformats.org/markup-compatibility/2006">
-    <mc:Choice xmlns:p14="http://schemas.microsoft.com/office/powerpoint/2010/main" Requires="p14">
+  <mc:AlternateContent xmlns:mc="http://schemas.openxmlformats.org/markup-compatibility/2006" xmlns:p14="http://schemas.microsoft.com/office/powerpoint/2010/main">
+    <mc:Choice Requires="p14">
       <p:transition p14:dur="0"/>
     </mc:Choice>
-    <mc:Fallback>
+    <mc:Fallback xmlns="">
       <p:transition/>
     </mc:Fallback>
   </mc:AlternateContent>

--- a/S130 Introduction.pptx
+++ b/S130 Introduction.pptx
@@ -5,10 +5,10 @@
     <p:sldMasterId id="2147483660" r:id="rId1"/>
   </p:sldMasterIdLst>
   <p:notesMasterIdLst>
-    <p:notesMasterId r:id="rId59"/>
+    <p:notesMasterId r:id="rId60"/>
   </p:notesMasterIdLst>
   <p:handoutMasterIdLst>
-    <p:handoutMasterId r:id="rId60"/>
+    <p:handoutMasterId r:id="rId61"/>
   </p:handoutMasterIdLst>
   <p:sldIdLst>
     <p:sldId id="258" r:id="rId2"/>
@@ -67,7 +67,8 @@
     <p:sldId id="271" r:id="rId55"/>
     <p:sldId id="275" r:id="rId56"/>
     <p:sldId id="315" r:id="rId57"/>
-    <p:sldId id="320" r:id="rId58"/>
+    <p:sldId id="321" r:id="rId58"/>
+    <p:sldId id="320" r:id="rId59"/>
   </p:sldIdLst>
   <p:sldSz cx="9144000" cy="6858000" type="screen4x3"/>
   <p:notesSz cx="6858000" cy="9144000"/>
@@ -306,7 +307,7 @@
               <a:pPr>
                 <a:defRPr/>
               </a:pPr>
-              <a:t>16.03.2015</a:t>
+              <a:t>17.03.2015</a:t>
             </a:fld>
             <a:endParaRPr lang="en-US" dirty="0"/>
           </a:p>
@@ -522,7 +523,7 @@
               <a:pPr>
                 <a:defRPr/>
               </a:pPr>
-              <a:t>16.03.2015</a:t>
+              <a:t>17.03.2015</a:t>
             </a:fld>
             <a:endParaRPr lang="en-US" dirty="0"/>
           </a:p>
@@ -3698,6 +3699,96 @@
     <p:extLst>
       <p:ext uri="{BB962C8B-B14F-4D97-AF65-F5344CB8AC3E}">
         <p14:creationId xmlns:p14="http://schemas.microsoft.com/office/powerpoint/2010/main" val="3415983296"/>
+      </p:ext>
+    </p:extLst>
+  </p:cSld>
+  <p:clrMapOvr>
+    <a:masterClrMapping/>
+  </p:clrMapOvr>
+</p:notes>
+</file>
+
+<file path=ppt/notesSlides/notesSlide29.xml><?xml version="1.0" encoding="utf-8"?>
+<p:notes xmlns:a="http://schemas.openxmlformats.org/drawingml/2006/main" xmlns:r="http://schemas.openxmlformats.org/officeDocument/2006/relationships" xmlns:p="http://schemas.openxmlformats.org/presentationml/2006/main">
+  <p:cSld>
+    <p:spTree>
+      <p:nvGrpSpPr>
+        <p:cNvPr id="1" name=""/>
+        <p:cNvGrpSpPr/>
+        <p:nvPr/>
+      </p:nvGrpSpPr>
+      <p:grpSpPr>
+        <a:xfrm>
+          <a:off x="0" y="0"/>
+          <a:ext cx="0" cy="0"/>
+          <a:chOff x="0" y="0"/>
+          <a:chExt cx="0" cy="0"/>
+        </a:xfrm>
+      </p:grpSpPr>
+      <p:sp>
+        <p:nvSpPr>
+          <p:cNvPr id="2" name="Slide Image Placeholder 1"/>
+          <p:cNvSpPr>
+            <a:spLocks noGrp="1" noRot="1" noChangeAspect="1"/>
+          </p:cNvSpPr>
+          <p:nvPr>
+            <p:ph type="sldImg"/>
+          </p:nvPr>
+        </p:nvSpPr>
+        <p:spPr/>
+      </p:sp>
+      <p:sp>
+        <p:nvSpPr>
+          <p:cNvPr id="3" name="Notes Placeholder 2"/>
+          <p:cNvSpPr>
+            <a:spLocks noGrp="1"/>
+          </p:cNvSpPr>
+          <p:nvPr>
+            <p:ph type="body" idx="1"/>
+          </p:nvPr>
+        </p:nvSpPr>
+        <p:spPr/>
+        <p:txBody>
+          <a:bodyPr/>
+          <a:lstStyle/>
+          <a:p>
+            <a:endParaRPr lang="nb-NO" dirty="0"/>
+          </a:p>
+        </p:txBody>
+      </p:sp>
+      <p:sp>
+        <p:nvSpPr>
+          <p:cNvPr id="4" name="Slide Number Placeholder 3"/>
+          <p:cNvSpPr>
+            <a:spLocks noGrp="1"/>
+          </p:cNvSpPr>
+          <p:nvPr>
+            <p:ph type="sldNum" sz="quarter" idx="10"/>
+          </p:nvPr>
+        </p:nvSpPr>
+        <p:spPr/>
+        <p:txBody>
+          <a:bodyPr/>
+          <a:lstStyle/>
+          <a:p>
+            <a:pPr>
+              <a:defRPr/>
+            </a:pPr>
+            <a:fld id="{C5315F4B-708F-42A0-B38C-D5FF05C97E69}" type="slidenum">
+              <a:rPr lang="en-US" smtClean="0"/>
+              <a:pPr>
+                <a:defRPr/>
+              </a:pPr>
+              <a:t>53</a:t>
+            </a:fld>
+            <a:endParaRPr lang="en-US" dirty="0"/>
+          </a:p>
+        </p:txBody>
+      </p:sp>
+    </p:spTree>
+    <p:extLst>
+      <p:ext uri="{BB962C8B-B14F-4D97-AF65-F5344CB8AC3E}">
+        <p14:creationId xmlns:p14="http://schemas.microsoft.com/office/powerpoint/2010/main" val="2548454219"/>
       </p:ext>
     </p:extLst>
   </p:cSld>
@@ -19146,6 +19237,13 @@
   <p:clrMapOvr>
     <a:masterClrMapping/>
   </p:clrMapOvr>
+  <p:timing>
+    <p:tnLst>
+      <p:par>
+        <p:cTn id="1" dur="indefinite" restart="never" nodeType="tmRoot"/>
+      </p:par>
+    </p:tnLst>
+  </p:timing>
 </p:sld>
 </file>
 
@@ -19270,11 +19368,7 @@
             <a:pPr lvl="1"/>
             <a:r>
               <a:rPr lang="nb-NO" dirty="0" smtClean="0"/>
-              <a:t>Equal priority = </a:t>
-            </a:r>
-            <a:r>
-              <a:rPr lang="nb-NO" dirty="0" smtClean="0"/>
-              <a:t>first come first serve.</a:t>
+              <a:t>Equal priority = first come first serve.</a:t>
             </a:r>
             <a:endParaRPr lang="nb-NO" dirty="0"/>
           </a:p>
@@ -19337,6 +19431,13 @@
   <p:clrMapOvr>
     <a:masterClrMapping/>
   </p:clrMapOvr>
+  <p:timing>
+    <p:tnLst>
+      <p:par>
+        <p:cTn id="1" dur="indefinite" restart="never" nodeType="tmRoot"/>
+      </p:par>
+    </p:tnLst>
+  </p:timing>
 </p:sld>
 </file>
 
@@ -19771,6 +19872,13 @@
   <p:clrMapOvr>
     <a:masterClrMapping/>
   </p:clrMapOvr>
+  <p:timing>
+    <p:tnLst>
+      <p:par>
+        <p:cTn id="1" dur="indefinite" restart="never" nodeType="tmRoot"/>
+      </p:par>
+    </p:tnLst>
+  </p:timing>
 </p:sld>
 </file>
 
@@ -19868,8 +19976,13 @@
             <a:pPr lvl="2"/>
             <a:r>
               <a:rPr lang="nb-NO" dirty="0" smtClean="0"/>
-              <a:t>except for when connecting to the nRF8001</a:t>
-            </a:r>
+              <a:t>except for when connecting to the </a:t>
+            </a:r>
+            <a:r>
+              <a:rPr lang="nb-NO" dirty="0" smtClean="0"/>
+              <a:t>nRF8001 (uses LL_Version_ind to identify the chip)</a:t>
+            </a:r>
+            <a:endParaRPr lang="nb-NO" dirty="0" smtClean="0"/>
           </a:p>
           <a:p>
             <a:pPr marL="0" indent="0">
@@ -19993,6 +20106,13 @@
   <p:clrMapOvr>
     <a:masterClrMapping/>
   </p:clrMapOvr>
+  <p:timing>
+    <p:tnLst>
+      <p:par>
+        <p:cTn id="1" dur="indefinite" restart="never" nodeType="tmRoot"/>
+      </p:par>
+    </p:tnLst>
+  </p:timing>
 </p:sld>
 </file>
 
@@ -20070,7 +20190,6 @@
               <a:rPr lang="en-US" dirty="0" smtClean="0"/>
               <a:t>EDIV – Used to identify LTK</a:t>
             </a:r>
-            <a:endParaRPr lang="en-US" dirty="0" smtClean="0"/>
           </a:p>
           <a:p>
             <a:pPr lvl="1"/>
@@ -20078,7 +20197,6 @@
               <a:rPr lang="en-US" dirty="0" smtClean="0"/>
               <a:t>RAND – Used to identify LTK</a:t>
             </a:r>
-            <a:endParaRPr lang="en-US" dirty="0" smtClean="0"/>
           </a:p>
           <a:p>
             <a:pPr lvl="1"/>
@@ -20086,19 +20204,13 @@
               <a:rPr lang="en-US" dirty="0" smtClean="0"/>
               <a:t>IRK – used for whitelisting with private resolvable address (iOS)</a:t>
             </a:r>
-            <a:endParaRPr lang="en-US" dirty="0" smtClean="0"/>
           </a:p>
           <a:p>
             <a:pPr lvl="1"/>
             <a:r>
               <a:rPr lang="en-US" dirty="0" smtClean="0"/>
-              <a:t>Device </a:t>
-            </a:r>
-            <a:r>
-              <a:rPr lang="en-US" dirty="0" smtClean="0"/>
-              <a:t>Address – Used for whitelisting static addresses (public and random)</a:t>
-            </a:r>
-            <a:endParaRPr lang="en-US" dirty="0" smtClean="0"/>
+              <a:t>Device Address – Used for whitelisting static addresses (public and random)</a:t>
+            </a:r>
           </a:p>
           <a:p>
             <a:pPr lvl="1"/>
@@ -24922,8 +25034,20 @@
             <a:pPr lvl="1"/>
             <a:r>
               <a:rPr lang="nb-NO" dirty="0" smtClean="0"/>
-              <a:t>Add Device manager ble event handler</a:t>
-            </a:r>
+              <a:t>Add Device manager ble event </a:t>
+            </a:r>
+            <a:r>
+              <a:rPr lang="nb-NO" dirty="0" smtClean="0"/>
+              <a:t>handler</a:t>
+            </a:r>
+          </a:p>
+          <a:p>
+            <a:pPr lvl="1"/>
+            <a:r>
+              <a:rPr lang="nb-NO" dirty="0" smtClean="0"/>
+              <a:t>Test with multilink peripheral</a:t>
+            </a:r>
+            <a:endParaRPr lang="nb-NO" dirty="0" smtClean="0"/>
           </a:p>
         </p:txBody>
       </p:sp>
@@ -25246,11 +25370,7 @@
           <a:p>
             <a:r>
               <a:rPr lang="nb-NO" dirty="0" smtClean="0"/>
-              <a:t>Enable bonding requirement in Heart rate </a:t>
-            </a:r>
-            <a:r>
-              <a:rPr lang="nb-NO" dirty="0" smtClean="0"/>
-              <a:t>example SDK 8.0.0</a:t>
+              <a:t>Enable bonding requirement in Heart rate example SDK 8.0.0</a:t>
             </a:r>
             <a:endParaRPr lang="nb-NO" dirty="0"/>
           </a:p>
@@ -25507,7 +25627,7 @@
           <a:p>
             <a:r>
               <a:rPr lang="nb-NO" dirty="0" smtClean="0"/>
-              <a:t>Summary</a:t>
+              <a:t>S110 v7.1 vs 8.0</a:t>
             </a:r>
             <a:endParaRPr lang="nb-NO" dirty="0"/>
           </a:p>
@@ -25528,68 +25648,10 @@
           <a:bodyPr/>
           <a:lstStyle/>
           <a:p>
-            <a:r>
-              <a:rPr lang="nb-NO" dirty="0" smtClean="0"/>
-              <a:t>You can find this information in</a:t>
-            </a:r>
-          </a:p>
-          <a:p>
-            <a:pPr lvl="1"/>
-            <a:r>
-              <a:rPr lang="nb-NO" dirty="0" smtClean="0"/>
-              <a:t>SDK documentation</a:t>
-            </a:r>
-          </a:p>
-          <a:p>
-            <a:pPr lvl="2"/>
-            <a:r>
-              <a:rPr lang="nb-NO" dirty="0" smtClean="0"/>
-              <a:t>Message sequence charts</a:t>
-            </a:r>
-          </a:p>
-          <a:p>
-            <a:pPr lvl="1"/>
-            <a:r>
-              <a:rPr lang="nb-NO" dirty="0" smtClean="0"/>
-              <a:t>Softdevice Specification</a:t>
-            </a:r>
-          </a:p>
-          <a:p>
-            <a:pPr lvl="2"/>
-            <a:r>
-              <a:rPr lang="nb-NO" dirty="0" smtClean="0"/>
-              <a:t>S130 SDS will berelease with S130 v1.0.0</a:t>
-            </a:r>
-          </a:p>
-          <a:p>
-            <a:pPr lvl="1"/>
-            <a:r>
-              <a:rPr lang="nb-NO" dirty="0" smtClean="0"/>
-              <a:t>Softdevice release notes</a:t>
-            </a:r>
-          </a:p>
-          <a:p>
-            <a:pPr lvl="1"/>
-            <a:r>
-              <a:rPr lang="nb-NO" dirty="0" smtClean="0"/>
-              <a:t>Softdevice migration notes</a:t>
-            </a:r>
-          </a:p>
-          <a:p>
+            <a:pPr marL="0" indent="0">
+              <a:buNone/>
+            </a:pPr>
             <a:endParaRPr lang="nb-NO" dirty="0"/>
-          </a:p>
-          <a:p>
-            <a:r>
-              <a:rPr lang="nb-NO" dirty="0" smtClean="0"/>
-              <a:t>Questions can be asked in devzone or on mypage</a:t>
-            </a:r>
-          </a:p>
-          <a:p>
-            <a:pPr lvl="1"/>
-            <a:r>
-              <a:rPr lang="nb-NO" dirty="0"/>
-              <a:t>https://devzone.nordicsemi.com</a:t>
-            </a:r>
           </a:p>
         </p:txBody>
       </p:sp>
@@ -25612,6 +25674,186 @@
               <a:rPr lang="nb-NO" smtClean="0"/>
               <a:pPr/>
               <a:t>57</a:t>
+            </a:fld>
+            <a:endParaRPr lang="nb-NO" dirty="0"/>
+          </a:p>
+        </p:txBody>
+      </p:sp>
+      <p:sp>
+        <p:nvSpPr>
+          <p:cNvPr id="5" name="Footer Placeholder 4"/>
+          <p:cNvSpPr>
+            <a:spLocks noGrp="1"/>
+          </p:cNvSpPr>
+          <p:nvPr>
+            <p:ph type="ftr" sz="quarter" idx="15"/>
+          </p:nvPr>
+        </p:nvSpPr>
+        <p:spPr/>
+        <p:txBody>
+          <a:bodyPr/>
+          <a:lstStyle/>
+          <a:p>
+            <a:r>
+              <a:rPr lang="en-US" smtClean="0"/>
+              <a:t>PRESENTATION TITLE</a:t>
+            </a:r>
+            <a:endParaRPr lang="nb-NO" dirty="0"/>
+          </a:p>
+        </p:txBody>
+      </p:sp>
+    </p:spTree>
+    <p:extLst>
+      <p:ext uri="{BB962C8B-B14F-4D97-AF65-F5344CB8AC3E}">
+        <p14:creationId xmlns:p14="http://schemas.microsoft.com/office/powerpoint/2010/main" val="1988236469"/>
+      </p:ext>
+    </p:extLst>
+  </p:cSld>
+  <p:clrMapOvr>
+    <a:masterClrMapping/>
+  </p:clrMapOvr>
+</p:sld>
+</file>
+
+<file path=ppt/slides/slide58.xml><?xml version="1.0" encoding="utf-8"?>
+<p:sld xmlns:a="http://schemas.openxmlformats.org/drawingml/2006/main" xmlns:r="http://schemas.openxmlformats.org/officeDocument/2006/relationships" xmlns:p="http://schemas.openxmlformats.org/presentationml/2006/main">
+  <p:cSld>
+    <p:spTree>
+      <p:nvGrpSpPr>
+        <p:cNvPr id="1" name=""/>
+        <p:cNvGrpSpPr/>
+        <p:nvPr/>
+      </p:nvGrpSpPr>
+      <p:grpSpPr>
+        <a:xfrm>
+          <a:off x="0" y="0"/>
+          <a:ext cx="0" cy="0"/>
+          <a:chOff x="0" y="0"/>
+          <a:chExt cx="0" cy="0"/>
+        </a:xfrm>
+      </p:grpSpPr>
+      <p:sp>
+        <p:nvSpPr>
+          <p:cNvPr id="2" name="Title 1"/>
+          <p:cNvSpPr>
+            <a:spLocks noGrp="1"/>
+          </p:cNvSpPr>
+          <p:nvPr>
+            <p:ph type="title"/>
+          </p:nvPr>
+        </p:nvSpPr>
+        <p:spPr/>
+        <p:txBody>
+          <a:bodyPr/>
+          <a:lstStyle/>
+          <a:p>
+            <a:r>
+              <a:rPr lang="nb-NO" dirty="0" smtClean="0"/>
+              <a:t>Summary</a:t>
+            </a:r>
+            <a:endParaRPr lang="nb-NO" dirty="0"/>
+          </a:p>
+        </p:txBody>
+      </p:sp>
+      <p:sp>
+        <p:nvSpPr>
+          <p:cNvPr id="3" name="Content Placeholder 2"/>
+          <p:cNvSpPr>
+            <a:spLocks noGrp="1"/>
+          </p:cNvSpPr>
+          <p:nvPr>
+            <p:ph idx="1"/>
+          </p:nvPr>
+        </p:nvSpPr>
+        <p:spPr/>
+        <p:txBody>
+          <a:bodyPr/>
+          <a:lstStyle/>
+          <a:p>
+            <a:r>
+              <a:rPr lang="nb-NO" dirty="0" smtClean="0"/>
+              <a:t>You can find this information in</a:t>
+            </a:r>
+          </a:p>
+          <a:p>
+            <a:pPr lvl="1"/>
+            <a:r>
+              <a:rPr lang="nb-NO" dirty="0" smtClean="0"/>
+              <a:t>SDK documentation</a:t>
+            </a:r>
+          </a:p>
+          <a:p>
+            <a:pPr lvl="2"/>
+            <a:r>
+              <a:rPr lang="nb-NO" dirty="0" smtClean="0"/>
+              <a:t>Message sequence charts</a:t>
+            </a:r>
+          </a:p>
+          <a:p>
+            <a:pPr lvl="1"/>
+            <a:r>
+              <a:rPr lang="nb-NO" dirty="0" smtClean="0"/>
+              <a:t>Softdevice Specification</a:t>
+            </a:r>
+          </a:p>
+          <a:p>
+            <a:pPr lvl="2"/>
+            <a:r>
+              <a:rPr lang="nb-NO" dirty="0" smtClean="0"/>
+              <a:t>S130 SDS will berelease with S130 v1.0.0</a:t>
+            </a:r>
+          </a:p>
+          <a:p>
+            <a:pPr lvl="1"/>
+            <a:r>
+              <a:rPr lang="nb-NO" dirty="0" smtClean="0"/>
+              <a:t>Softdevice release notes</a:t>
+            </a:r>
+          </a:p>
+          <a:p>
+            <a:pPr lvl="1"/>
+            <a:r>
+              <a:rPr lang="nb-NO" dirty="0" smtClean="0"/>
+              <a:t>Softdevice migration notes</a:t>
+            </a:r>
+          </a:p>
+          <a:p>
+            <a:endParaRPr lang="nb-NO" dirty="0"/>
+          </a:p>
+          <a:p>
+            <a:r>
+              <a:rPr lang="nb-NO" dirty="0" smtClean="0"/>
+              <a:t>Questions can be asked in devzone or on mypage</a:t>
+            </a:r>
+          </a:p>
+          <a:p>
+            <a:pPr lvl="1"/>
+            <a:r>
+              <a:rPr lang="nb-NO" dirty="0"/>
+              <a:t>https://devzone.nordicsemi.com</a:t>
+            </a:r>
+          </a:p>
+        </p:txBody>
+      </p:sp>
+      <p:sp>
+        <p:nvSpPr>
+          <p:cNvPr id="4" name="Slide Number Placeholder 3"/>
+          <p:cNvSpPr>
+            <a:spLocks noGrp="1"/>
+          </p:cNvSpPr>
+          <p:nvPr>
+            <p:ph type="sldNum" sz="quarter" idx="4"/>
+          </p:nvPr>
+        </p:nvSpPr>
+        <p:spPr/>
+        <p:txBody>
+          <a:bodyPr/>
+          <a:lstStyle/>
+          <a:p>
+            <a:fld id="{675FC88E-5E7B-485A-9F37-AB992AC6987C}" type="slidenum">
+              <a:rPr lang="nb-NO" smtClean="0"/>
+              <a:pPr/>
+              <a:t>58</a:t>
             </a:fld>
             <a:endParaRPr lang="nb-NO" dirty="0"/>
           </a:p>

--- a/S130 Introduction.pptx
+++ b/S130 Introduction.pptx
@@ -25503,7 +25503,15 @@
           <a:p>
             <a:r>
               <a:rPr lang="nb-NO" dirty="0" smtClean="0"/>
-              <a:t>Enable Bonding in the UART example in SDK 8.0.0</a:t>
+              <a:t>Enable Bonding in the UART </a:t>
+            </a:r>
+            <a:r>
+              <a:rPr lang="nb-NO" dirty="0" smtClean="0"/>
+              <a:t>peripheral example </a:t>
+            </a:r>
+            <a:r>
+              <a:rPr lang="nb-NO" dirty="0" smtClean="0"/>
+              <a:t>in SDK 8.0.0</a:t>
             </a:r>
           </a:p>
           <a:p>
@@ -25522,6 +25530,82 @@
             <a:endParaRPr lang="nb-NO" dirty="0"/>
           </a:p>
           <a:p>
+            <a:pPr lvl="1"/>
+            <a:r>
+              <a:rPr lang="nb-NO" dirty="0" smtClean="0"/>
+              <a:t>Use the nRF sniffer to capture a sniffer log</a:t>
+            </a:r>
+          </a:p>
+          <a:p>
+            <a:pPr lvl="2"/>
+            <a:r>
+              <a:rPr lang="nb-NO" dirty="0" smtClean="0"/>
+              <a:t>Compatible with Wireshark 1.10.13 and possibly 1.12.x</a:t>
+            </a:r>
+          </a:p>
+          <a:p>
+            <a:pPr lvl="1"/>
+            <a:r>
+              <a:rPr lang="nb-NO" dirty="0" smtClean="0"/>
+              <a:t>Add the Devicemanager to the project</a:t>
+            </a:r>
+          </a:p>
+          <a:p>
+            <a:pPr lvl="2"/>
+            <a:r>
+              <a:rPr lang="nb-NO" dirty="0" smtClean="0"/>
+              <a:t>This means you will have to include some files  (compile project after adding device manger to see which files to add)</a:t>
+            </a:r>
+          </a:p>
+          <a:p>
+            <a:pPr lvl="2"/>
+            <a:r>
+              <a:rPr lang="nb-NO" dirty="0" smtClean="0"/>
+              <a:t>Add code to initialize device manager</a:t>
+            </a:r>
+          </a:p>
+          <a:p>
+            <a:pPr lvl="2"/>
+            <a:r>
+              <a:rPr lang="nb-NO" dirty="0"/>
+              <a:t>Add </a:t>
+            </a:r>
+            <a:r>
+              <a:rPr lang="nb-NO" dirty="0" smtClean="0"/>
+              <a:t>dm_ble_evt_handler</a:t>
+            </a:r>
+          </a:p>
+          <a:p>
+            <a:pPr lvl="2"/>
+            <a:r>
+              <a:rPr lang="nb-NO" dirty="0" smtClean="0"/>
+              <a:t>Some events are already handled in the exapmle these needs to be reomved</a:t>
+            </a:r>
+          </a:p>
+          <a:p>
+            <a:pPr lvl="2"/>
+            <a:r>
+              <a:rPr lang="nb-NO" dirty="0"/>
+              <a:t>Add pstorage to </a:t>
+            </a:r>
+            <a:r>
+              <a:rPr lang="nb-NO" dirty="0" smtClean="0"/>
+              <a:t>sys_evt_dispatch</a:t>
+            </a:r>
+          </a:p>
+          <a:p>
+            <a:pPr lvl="2"/>
+            <a:r>
+              <a:rPr lang="nb-NO" dirty="0" smtClean="0"/>
+              <a:t>CCCD must be readable with no authentication, changing this will giva an invalid paramter</a:t>
+            </a:r>
+          </a:p>
+          <a:p>
+            <a:pPr lvl="3"/>
+            <a:r>
+              <a:rPr lang="nb-NO" smtClean="0"/>
+              <a:t>Core spec limitation</a:t>
+            </a:r>
             <a:endParaRPr lang="nb-NO" dirty="0"/>
           </a:p>
         </p:txBody>
@@ -25712,6 +25796,13 @@
   <p:clrMapOvr>
     <a:masterClrMapping/>
   </p:clrMapOvr>
+  <p:timing>
+    <p:tnLst>
+      <p:par>
+        <p:cTn id="1" dur="indefinite" restart="never" nodeType="tmRoot"/>
+      </p:par>
+    </p:tnLst>
+  </p:timing>
 </p:sld>
 </file>
 
@@ -25892,6 +25983,13 @@
   <p:clrMapOvr>
     <a:masterClrMapping/>
   </p:clrMapOvr>
+  <p:timing>
+    <p:tnLst>
+      <p:par>
+        <p:cTn id="1" dur="indefinite" restart="never" nodeType="tmRoot"/>
+      </p:par>
+    </p:tnLst>
+  </p:timing>
 </p:sld>
 </file>
 
